--- a/git.pptx
+++ b/git.pptx
@@ -15,7 +15,9 @@
     <p:sldId id="264" r:id="rId9"/>
     <p:sldId id="265" r:id="rId10"/>
     <p:sldId id="266" r:id="rId11"/>
-    <p:sldId id="263" r:id="rId12"/>
+    <p:sldId id="267" r:id="rId12"/>
+    <p:sldId id="268" r:id="rId13"/>
+    <p:sldId id="263" r:id="rId14"/>
   </p:sldIdLst>
   <p:sldSz cx="12192000" cy="6858000"/>
   <p:notesSz cx="6858000" cy="9144000"/>
@@ -120,6 +122,2894 @@
     </p:ext>
   </p:extLst>
 </p:presentation>
+</file>
+
+<file path=ppt/diagrams/colors1.xml><?xml version="1.0" encoding="utf-8"?>
+<dgm:colorsDef xmlns:dgm="http://schemas.openxmlformats.org/drawingml/2006/diagram" xmlns:a="http://schemas.openxmlformats.org/drawingml/2006/main" uniqueId="urn:microsoft.com/office/officeart/2005/8/colors/accent1_2">
+  <dgm:title val=""/>
+  <dgm:desc val=""/>
+  <dgm:catLst>
+    <dgm:cat type="accent1" pri="11200"/>
+  </dgm:catLst>
+  <dgm:styleLbl name="node0">
+    <dgm:fillClrLst meth="repeat">
+      <a:schemeClr val="accent1"/>
+    </dgm:fillClrLst>
+    <dgm:linClrLst meth="repeat">
+      <a:schemeClr val="lt1"/>
+    </dgm:linClrLst>
+    <dgm:effectClrLst/>
+    <dgm:txLinClrLst/>
+    <dgm:txFillClrLst/>
+    <dgm:txEffectClrLst/>
+  </dgm:styleLbl>
+  <dgm:styleLbl name="alignNode1">
+    <dgm:fillClrLst meth="repeat">
+      <a:schemeClr val="accent1"/>
+    </dgm:fillClrLst>
+    <dgm:linClrLst meth="repeat">
+      <a:schemeClr val="accent1"/>
+    </dgm:linClrLst>
+    <dgm:effectClrLst/>
+    <dgm:txLinClrLst/>
+    <dgm:txFillClrLst/>
+    <dgm:txEffectClrLst/>
+  </dgm:styleLbl>
+  <dgm:styleLbl name="node1">
+    <dgm:fillClrLst meth="repeat">
+      <a:schemeClr val="accent1"/>
+    </dgm:fillClrLst>
+    <dgm:linClrLst meth="repeat">
+      <a:schemeClr val="lt1"/>
+    </dgm:linClrLst>
+    <dgm:effectClrLst/>
+    <dgm:txLinClrLst/>
+    <dgm:txFillClrLst/>
+    <dgm:txEffectClrLst/>
+  </dgm:styleLbl>
+  <dgm:styleLbl name="lnNode1">
+    <dgm:fillClrLst meth="repeat">
+      <a:schemeClr val="accent1"/>
+    </dgm:fillClrLst>
+    <dgm:linClrLst meth="repeat">
+      <a:schemeClr val="lt1"/>
+    </dgm:linClrLst>
+    <dgm:effectClrLst/>
+    <dgm:txLinClrLst/>
+    <dgm:txFillClrLst/>
+    <dgm:txEffectClrLst/>
+  </dgm:styleLbl>
+  <dgm:styleLbl name="vennNode1">
+    <dgm:fillClrLst meth="repeat">
+      <a:schemeClr val="accent1">
+        <a:alpha val="50000"/>
+      </a:schemeClr>
+    </dgm:fillClrLst>
+    <dgm:linClrLst meth="repeat">
+      <a:schemeClr val="lt1"/>
+    </dgm:linClrLst>
+    <dgm:effectClrLst/>
+    <dgm:txLinClrLst/>
+    <dgm:txFillClrLst/>
+    <dgm:txEffectClrLst/>
+  </dgm:styleLbl>
+  <dgm:styleLbl name="node2">
+    <dgm:fillClrLst meth="repeat">
+      <a:schemeClr val="accent1"/>
+    </dgm:fillClrLst>
+    <dgm:linClrLst meth="repeat">
+      <a:schemeClr val="lt1"/>
+    </dgm:linClrLst>
+    <dgm:effectClrLst/>
+    <dgm:txLinClrLst/>
+    <dgm:txFillClrLst/>
+    <dgm:txEffectClrLst/>
+  </dgm:styleLbl>
+  <dgm:styleLbl name="node3">
+    <dgm:fillClrLst meth="repeat">
+      <a:schemeClr val="accent1"/>
+    </dgm:fillClrLst>
+    <dgm:linClrLst meth="repeat">
+      <a:schemeClr val="lt1"/>
+    </dgm:linClrLst>
+    <dgm:effectClrLst/>
+    <dgm:txLinClrLst/>
+    <dgm:txFillClrLst/>
+    <dgm:txEffectClrLst/>
+  </dgm:styleLbl>
+  <dgm:styleLbl name="node4">
+    <dgm:fillClrLst meth="repeat">
+      <a:schemeClr val="accent1"/>
+    </dgm:fillClrLst>
+    <dgm:linClrLst meth="repeat">
+      <a:schemeClr val="lt1"/>
+    </dgm:linClrLst>
+    <dgm:effectClrLst/>
+    <dgm:txLinClrLst/>
+    <dgm:txFillClrLst/>
+    <dgm:txEffectClrLst/>
+  </dgm:styleLbl>
+  <dgm:styleLbl name="fgImgPlace1">
+    <dgm:fillClrLst meth="repeat">
+      <a:schemeClr val="accent1">
+        <a:tint val="50000"/>
+      </a:schemeClr>
+    </dgm:fillClrLst>
+    <dgm:linClrLst meth="repeat">
+      <a:schemeClr val="lt1"/>
+    </dgm:linClrLst>
+    <dgm:effectClrLst/>
+    <dgm:txLinClrLst/>
+    <dgm:txFillClrLst meth="repeat">
+      <a:schemeClr val="lt1"/>
+    </dgm:txFillClrLst>
+    <dgm:txEffectClrLst/>
+  </dgm:styleLbl>
+  <dgm:styleLbl name="alignImgPlace1">
+    <dgm:fillClrLst meth="repeat">
+      <a:schemeClr val="accent1">
+        <a:tint val="50000"/>
+      </a:schemeClr>
+    </dgm:fillClrLst>
+    <dgm:linClrLst meth="repeat">
+      <a:schemeClr val="lt1"/>
+    </dgm:linClrLst>
+    <dgm:effectClrLst/>
+    <dgm:txLinClrLst/>
+    <dgm:txFillClrLst meth="repeat">
+      <a:schemeClr val="lt1"/>
+    </dgm:txFillClrLst>
+    <dgm:txEffectClrLst/>
+  </dgm:styleLbl>
+  <dgm:styleLbl name="bgImgPlace1">
+    <dgm:fillClrLst meth="repeat">
+      <a:schemeClr val="accent1">
+        <a:tint val="50000"/>
+      </a:schemeClr>
+    </dgm:fillClrLst>
+    <dgm:linClrLst meth="repeat">
+      <a:schemeClr val="lt1"/>
+    </dgm:linClrLst>
+    <dgm:effectClrLst/>
+    <dgm:txLinClrLst/>
+    <dgm:txFillClrLst meth="repeat">
+      <a:schemeClr val="lt1"/>
+    </dgm:txFillClrLst>
+    <dgm:txEffectClrLst/>
+  </dgm:styleLbl>
+  <dgm:styleLbl name="sibTrans2D1">
+    <dgm:fillClrLst meth="repeat">
+      <a:schemeClr val="accent1">
+        <a:tint val="60000"/>
+      </a:schemeClr>
+    </dgm:fillClrLst>
+    <dgm:linClrLst meth="repeat">
+      <a:schemeClr val="accent1">
+        <a:tint val="60000"/>
+      </a:schemeClr>
+    </dgm:linClrLst>
+    <dgm:effectClrLst/>
+    <dgm:txLinClrLst/>
+    <dgm:txFillClrLst/>
+    <dgm:txEffectClrLst/>
+  </dgm:styleLbl>
+  <dgm:styleLbl name="fgSibTrans2D1">
+    <dgm:fillClrLst meth="repeat">
+      <a:schemeClr val="accent1">
+        <a:tint val="60000"/>
+      </a:schemeClr>
+    </dgm:fillClrLst>
+    <dgm:linClrLst meth="repeat">
+      <a:schemeClr val="accent1">
+        <a:tint val="60000"/>
+      </a:schemeClr>
+    </dgm:linClrLst>
+    <dgm:effectClrLst/>
+    <dgm:txLinClrLst/>
+    <dgm:txFillClrLst/>
+    <dgm:txEffectClrLst/>
+  </dgm:styleLbl>
+  <dgm:styleLbl name="bgSibTrans2D1">
+    <dgm:fillClrLst meth="repeat">
+      <a:schemeClr val="accent1">
+        <a:tint val="60000"/>
+      </a:schemeClr>
+    </dgm:fillClrLst>
+    <dgm:linClrLst meth="repeat">
+      <a:schemeClr val="accent1">
+        <a:tint val="60000"/>
+      </a:schemeClr>
+    </dgm:linClrLst>
+    <dgm:effectClrLst/>
+    <dgm:txLinClrLst/>
+    <dgm:txFillClrLst/>
+    <dgm:txEffectClrLst/>
+  </dgm:styleLbl>
+  <dgm:styleLbl name="sibTrans1D1">
+    <dgm:fillClrLst meth="repeat">
+      <a:schemeClr val="accent1"/>
+    </dgm:fillClrLst>
+    <dgm:linClrLst meth="repeat">
+      <a:schemeClr val="accent1"/>
+    </dgm:linClrLst>
+    <dgm:effectClrLst/>
+    <dgm:txLinClrLst/>
+    <dgm:txFillClrLst meth="repeat">
+      <a:schemeClr val="tx1"/>
+    </dgm:txFillClrLst>
+    <dgm:txEffectClrLst/>
+  </dgm:styleLbl>
+  <dgm:styleLbl name="callout">
+    <dgm:fillClrLst meth="repeat">
+      <a:schemeClr val="accent1"/>
+    </dgm:fillClrLst>
+    <dgm:linClrLst meth="repeat">
+      <a:schemeClr val="accent1">
+        <a:tint val="50000"/>
+      </a:schemeClr>
+    </dgm:linClrLst>
+    <dgm:effectClrLst/>
+    <dgm:txLinClrLst/>
+    <dgm:txFillClrLst meth="repeat">
+      <a:schemeClr val="tx1"/>
+    </dgm:txFillClrLst>
+    <dgm:txEffectClrLst/>
+  </dgm:styleLbl>
+  <dgm:styleLbl name="asst0">
+    <dgm:fillClrLst meth="repeat">
+      <a:schemeClr val="accent1"/>
+    </dgm:fillClrLst>
+    <dgm:linClrLst meth="repeat">
+      <a:schemeClr val="lt1"/>
+    </dgm:linClrLst>
+    <dgm:effectClrLst/>
+    <dgm:txLinClrLst/>
+    <dgm:txFillClrLst/>
+    <dgm:txEffectClrLst/>
+  </dgm:styleLbl>
+  <dgm:styleLbl name="asst1">
+    <dgm:fillClrLst meth="repeat">
+      <a:schemeClr val="accent1"/>
+    </dgm:fillClrLst>
+    <dgm:linClrLst meth="repeat">
+      <a:schemeClr val="lt1"/>
+    </dgm:linClrLst>
+    <dgm:effectClrLst/>
+    <dgm:txLinClrLst/>
+    <dgm:txFillClrLst/>
+    <dgm:txEffectClrLst/>
+  </dgm:styleLbl>
+  <dgm:styleLbl name="asst2">
+    <dgm:fillClrLst meth="repeat">
+      <a:schemeClr val="accent1"/>
+    </dgm:fillClrLst>
+    <dgm:linClrLst meth="repeat">
+      <a:schemeClr val="lt1"/>
+    </dgm:linClrLst>
+    <dgm:effectClrLst/>
+    <dgm:txLinClrLst/>
+    <dgm:txFillClrLst/>
+    <dgm:txEffectClrLst/>
+  </dgm:styleLbl>
+  <dgm:styleLbl name="asst3">
+    <dgm:fillClrLst meth="repeat">
+      <a:schemeClr val="accent1"/>
+    </dgm:fillClrLst>
+    <dgm:linClrLst meth="repeat">
+      <a:schemeClr val="lt1"/>
+    </dgm:linClrLst>
+    <dgm:effectClrLst/>
+    <dgm:txLinClrLst/>
+    <dgm:txFillClrLst/>
+    <dgm:txEffectClrLst/>
+  </dgm:styleLbl>
+  <dgm:styleLbl name="asst4">
+    <dgm:fillClrLst meth="repeat">
+      <a:schemeClr val="accent1"/>
+    </dgm:fillClrLst>
+    <dgm:linClrLst meth="repeat">
+      <a:schemeClr val="lt1"/>
+    </dgm:linClrLst>
+    <dgm:effectClrLst/>
+    <dgm:txLinClrLst/>
+    <dgm:txFillClrLst/>
+    <dgm:txEffectClrLst/>
+  </dgm:styleLbl>
+  <dgm:styleLbl name="parChTrans2D1">
+    <dgm:fillClrLst meth="repeat">
+      <a:schemeClr val="accent1">
+        <a:tint val="60000"/>
+      </a:schemeClr>
+    </dgm:fillClrLst>
+    <dgm:linClrLst meth="repeat">
+      <a:schemeClr val="accent1">
+        <a:tint val="60000"/>
+      </a:schemeClr>
+    </dgm:linClrLst>
+    <dgm:effectClrLst/>
+    <dgm:txLinClrLst/>
+    <dgm:txFillClrLst meth="repeat">
+      <a:schemeClr val="lt1"/>
+    </dgm:txFillClrLst>
+    <dgm:txEffectClrLst/>
+  </dgm:styleLbl>
+  <dgm:styleLbl name="parChTrans2D2">
+    <dgm:fillClrLst meth="repeat">
+      <a:schemeClr val="accent1"/>
+    </dgm:fillClrLst>
+    <dgm:linClrLst meth="repeat">
+      <a:schemeClr val="accent1"/>
+    </dgm:linClrLst>
+    <dgm:effectClrLst/>
+    <dgm:txLinClrLst/>
+    <dgm:txFillClrLst meth="repeat">
+      <a:schemeClr val="lt1"/>
+    </dgm:txFillClrLst>
+    <dgm:txEffectClrLst/>
+  </dgm:styleLbl>
+  <dgm:styleLbl name="parChTrans2D3">
+    <dgm:fillClrLst meth="repeat">
+      <a:schemeClr val="accent1"/>
+    </dgm:fillClrLst>
+    <dgm:linClrLst meth="repeat">
+      <a:schemeClr val="accent1"/>
+    </dgm:linClrLst>
+    <dgm:effectClrLst/>
+    <dgm:txLinClrLst/>
+    <dgm:txFillClrLst meth="repeat">
+      <a:schemeClr val="lt1"/>
+    </dgm:txFillClrLst>
+    <dgm:txEffectClrLst/>
+  </dgm:styleLbl>
+  <dgm:styleLbl name="parChTrans2D4">
+    <dgm:fillClrLst meth="repeat">
+      <a:schemeClr val="accent1"/>
+    </dgm:fillClrLst>
+    <dgm:linClrLst meth="repeat">
+      <a:schemeClr val="accent1"/>
+    </dgm:linClrLst>
+    <dgm:effectClrLst/>
+    <dgm:txLinClrLst/>
+    <dgm:txFillClrLst meth="repeat">
+      <a:schemeClr val="lt1"/>
+    </dgm:txFillClrLst>
+    <dgm:txEffectClrLst/>
+  </dgm:styleLbl>
+  <dgm:styleLbl name="parChTrans1D1">
+    <dgm:fillClrLst meth="repeat">
+      <a:schemeClr val="accent1"/>
+    </dgm:fillClrLst>
+    <dgm:linClrLst meth="repeat">
+      <a:schemeClr val="accent1">
+        <a:shade val="60000"/>
+      </a:schemeClr>
+    </dgm:linClrLst>
+    <dgm:effectClrLst/>
+    <dgm:txLinClrLst/>
+    <dgm:txFillClrLst meth="repeat">
+      <a:schemeClr val="tx1"/>
+    </dgm:txFillClrLst>
+    <dgm:txEffectClrLst/>
+  </dgm:styleLbl>
+  <dgm:styleLbl name="parChTrans1D2">
+    <dgm:fillClrLst meth="repeat">
+      <a:schemeClr val="accent1"/>
+    </dgm:fillClrLst>
+    <dgm:linClrLst meth="repeat">
+      <a:schemeClr val="accent1">
+        <a:shade val="60000"/>
+      </a:schemeClr>
+    </dgm:linClrLst>
+    <dgm:effectClrLst/>
+    <dgm:txLinClrLst/>
+    <dgm:txFillClrLst meth="repeat">
+      <a:schemeClr val="tx1"/>
+    </dgm:txFillClrLst>
+    <dgm:txEffectClrLst/>
+  </dgm:styleLbl>
+  <dgm:styleLbl name="parChTrans1D3">
+    <dgm:fillClrLst meth="repeat">
+      <a:schemeClr val="accent1"/>
+    </dgm:fillClrLst>
+    <dgm:linClrLst meth="repeat">
+      <a:schemeClr val="accent1">
+        <a:shade val="80000"/>
+      </a:schemeClr>
+    </dgm:linClrLst>
+    <dgm:effectClrLst/>
+    <dgm:txLinClrLst/>
+    <dgm:txFillClrLst meth="repeat">
+      <a:schemeClr val="tx1"/>
+    </dgm:txFillClrLst>
+    <dgm:txEffectClrLst/>
+  </dgm:styleLbl>
+  <dgm:styleLbl name="parChTrans1D4">
+    <dgm:fillClrLst meth="repeat">
+      <a:schemeClr val="accent1"/>
+    </dgm:fillClrLst>
+    <dgm:linClrLst meth="repeat">
+      <a:schemeClr val="accent1">
+        <a:shade val="80000"/>
+      </a:schemeClr>
+    </dgm:linClrLst>
+    <dgm:effectClrLst/>
+    <dgm:txLinClrLst/>
+    <dgm:txFillClrLst meth="repeat">
+      <a:schemeClr val="tx1"/>
+    </dgm:txFillClrLst>
+    <dgm:txEffectClrLst/>
+  </dgm:styleLbl>
+  <dgm:styleLbl name="fgAcc1">
+    <dgm:fillClrLst meth="repeat">
+      <a:schemeClr val="lt1">
+        <a:alpha val="90000"/>
+      </a:schemeClr>
+    </dgm:fillClrLst>
+    <dgm:linClrLst meth="repeat">
+      <a:schemeClr val="accent1"/>
+    </dgm:linClrLst>
+    <dgm:effectClrLst/>
+    <dgm:txLinClrLst/>
+    <dgm:txFillClrLst meth="repeat">
+      <a:schemeClr val="dk1"/>
+    </dgm:txFillClrLst>
+    <dgm:txEffectClrLst/>
+  </dgm:styleLbl>
+  <dgm:styleLbl name="conFgAcc1">
+    <dgm:fillClrLst meth="repeat">
+      <a:schemeClr val="lt1">
+        <a:alpha val="90000"/>
+      </a:schemeClr>
+    </dgm:fillClrLst>
+    <dgm:linClrLst meth="repeat">
+      <a:schemeClr val="accent1"/>
+    </dgm:linClrLst>
+    <dgm:effectClrLst/>
+    <dgm:txLinClrLst/>
+    <dgm:txFillClrLst meth="repeat">
+      <a:schemeClr val="dk1"/>
+    </dgm:txFillClrLst>
+    <dgm:txEffectClrLst/>
+  </dgm:styleLbl>
+  <dgm:styleLbl name="alignAcc1">
+    <dgm:fillClrLst meth="repeat">
+      <a:schemeClr val="lt1">
+        <a:alpha val="90000"/>
+      </a:schemeClr>
+    </dgm:fillClrLst>
+    <dgm:linClrLst meth="repeat">
+      <a:schemeClr val="accent1"/>
+    </dgm:linClrLst>
+    <dgm:effectClrLst/>
+    <dgm:txLinClrLst/>
+    <dgm:txFillClrLst meth="repeat">
+      <a:schemeClr val="dk1"/>
+    </dgm:txFillClrLst>
+    <dgm:txEffectClrLst/>
+  </dgm:styleLbl>
+  <dgm:styleLbl name="trAlignAcc1">
+    <dgm:fillClrLst meth="repeat">
+      <a:schemeClr val="lt1">
+        <a:alpha val="40000"/>
+      </a:schemeClr>
+    </dgm:fillClrLst>
+    <dgm:linClrLst meth="repeat">
+      <a:schemeClr val="accent1"/>
+    </dgm:linClrLst>
+    <dgm:effectClrLst/>
+    <dgm:txLinClrLst/>
+    <dgm:txFillClrLst meth="repeat">
+      <a:schemeClr val="dk1"/>
+    </dgm:txFillClrLst>
+    <dgm:txEffectClrLst/>
+  </dgm:styleLbl>
+  <dgm:styleLbl name="bgAcc1">
+    <dgm:fillClrLst meth="repeat">
+      <a:schemeClr val="lt1">
+        <a:alpha val="90000"/>
+      </a:schemeClr>
+    </dgm:fillClrLst>
+    <dgm:linClrLst meth="repeat">
+      <a:schemeClr val="accent1"/>
+    </dgm:linClrLst>
+    <dgm:effectClrLst/>
+    <dgm:txLinClrLst/>
+    <dgm:txFillClrLst meth="repeat">
+      <a:schemeClr val="dk1"/>
+    </dgm:txFillClrLst>
+    <dgm:txEffectClrLst/>
+  </dgm:styleLbl>
+  <dgm:styleLbl name="solidFgAcc1">
+    <dgm:fillClrLst meth="repeat">
+      <a:schemeClr val="lt1"/>
+    </dgm:fillClrLst>
+    <dgm:linClrLst meth="repeat">
+      <a:schemeClr val="accent1"/>
+    </dgm:linClrLst>
+    <dgm:effectClrLst/>
+    <dgm:txLinClrLst/>
+    <dgm:txFillClrLst meth="repeat">
+      <a:schemeClr val="dk1"/>
+    </dgm:txFillClrLst>
+    <dgm:txEffectClrLst/>
+  </dgm:styleLbl>
+  <dgm:styleLbl name="solidAlignAcc1">
+    <dgm:fillClrLst meth="repeat">
+      <a:schemeClr val="lt1"/>
+    </dgm:fillClrLst>
+    <dgm:linClrLst meth="repeat">
+      <a:schemeClr val="accent1"/>
+    </dgm:linClrLst>
+    <dgm:effectClrLst/>
+    <dgm:txLinClrLst/>
+    <dgm:txFillClrLst meth="repeat">
+      <a:schemeClr val="dk1"/>
+    </dgm:txFillClrLst>
+    <dgm:txEffectClrLst/>
+  </dgm:styleLbl>
+  <dgm:styleLbl name="solidBgAcc1">
+    <dgm:fillClrLst meth="repeat">
+      <a:schemeClr val="lt1"/>
+    </dgm:fillClrLst>
+    <dgm:linClrLst meth="repeat">
+      <a:schemeClr val="accent1"/>
+    </dgm:linClrLst>
+    <dgm:effectClrLst/>
+    <dgm:txLinClrLst/>
+    <dgm:txFillClrLst meth="repeat">
+      <a:schemeClr val="dk1"/>
+    </dgm:txFillClrLst>
+    <dgm:txEffectClrLst/>
+  </dgm:styleLbl>
+  <dgm:styleLbl name="fgAccFollowNode1">
+    <dgm:fillClrLst meth="repeat">
+      <a:schemeClr val="accent1">
+        <a:alpha val="90000"/>
+        <a:tint val="40000"/>
+      </a:schemeClr>
+    </dgm:fillClrLst>
+    <dgm:linClrLst meth="repeat">
+      <a:schemeClr val="accent1">
+        <a:alpha val="90000"/>
+        <a:tint val="40000"/>
+      </a:schemeClr>
+    </dgm:linClrLst>
+    <dgm:effectClrLst/>
+    <dgm:txLinClrLst/>
+    <dgm:txFillClrLst meth="repeat">
+      <a:schemeClr val="dk1"/>
+    </dgm:txFillClrLst>
+    <dgm:txEffectClrLst/>
+  </dgm:styleLbl>
+  <dgm:styleLbl name="alignAccFollowNode1">
+    <dgm:fillClrLst meth="repeat">
+      <a:schemeClr val="accent1">
+        <a:alpha val="90000"/>
+        <a:tint val="40000"/>
+      </a:schemeClr>
+    </dgm:fillClrLst>
+    <dgm:linClrLst meth="repeat">
+      <a:schemeClr val="accent1">
+        <a:alpha val="90000"/>
+        <a:tint val="40000"/>
+      </a:schemeClr>
+    </dgm:linClrLst>
+    <dgm:effectClrLst/>
+    <dgm:txLinClrLst/>
+    <dgm:txFillClrLst meth="repeat">
+      <a:schemeClr val="dk1"/>
+    </dgm:txFillClrLst>
+    <dgm:txEffectClrLst/>
+  </dgm:styleLbl>
+  <dgm:styleLbl name="bgAccFollowNode1">
+    <dgm:fillClrLst meth="repeat">
+      <a:schemeClr val="accent1">
+        <a:alpha val="90000"/>
+        <a:tint val="40000"/>
+      </a:schemeClr>
+    </dgm:fillClrLst>
+    <dgm:linClrLst meth="repeat">
+      <a:schemeClr val="accent1">
+        <a:alpha val="90000"/>
+        <a:tint val="40000"/>
+      </a:schemeClr>
+    </dgm:linClrLst>
+    <dgm:effectClrLst/>
+    <dgm:txLinClrLst/>
+    <dgm:txFillClrLst meth="repeat">
+      <a:schemeClr val="dk1"/>
+    </dgm:txFillClrLst>
+    <dgm:txEffectClrLst/>
+  </dgm:styleLbl>
+  <dgm:styleLbl name="fgAcc0">
+    <dgm:fillClrLst meth="repeat">
+      <a:schemeClr val="lt1">
+        <a:alpha val="90000"/>
+      </a:schemeClr>
+    </dgm:fillClrLst>
+    <dgm:linClrLst meth="repeat">
+      <a:schemeClr val="accent1"/>
+    </dgm:linClrLst>
+    <dgm:effectClrLst/>
+    <dgm:txLinClrLst/>
+    <dgm:txFillClrLst meth="repeat">
+      <a:schemeClr val="dk1"/>
+    </dgm:txFillClrLst>
+    <dgm:txEffectClrLst/>
+  </dgm:styleLbl>
+  <dgm:styleLbl name="fgAcc2">
+    <dgm:fillClrLst meth="repeat">
+      <a:schemeClr val="lt1">
+        <a:alpha val="90000"/>
+      </a:schemeClr>
+    </dgm:fillClrLst>
+    <dgm:linClrLst meth="repeat">
+      <a:schemeClr val="accent1"/>
+    </dgm:linClrLst>
+    <dgm:effectClrLst/>
+    <dgm:txLinClrLst/>
+    <dgm:txFillClrLst meth="repeat">
+      <a:schemeClr val="dk1"/>
+    </dgm:txFillClrLst>
+    <dgm:txEffectClrLst/>
+  </dgm:styleLbl>
+  <dgm:styleLbl name="fgAcc3">
+    <dgm:fillClrLst meth="repeat">
+      <a:schemeClr val="lt1">
+        <a:alpha val="90000"/>
+      </a:schemeClr>
+    </dgm:fillClrLst>
+    <dgm:linClrLst meth="repeat">
+      <a:schemeClr val="accent1"/>
+    </dgm:linClrLst>
+    <dgm:effectClrLst/>
+    <dgm:txLinClrLst/>
+    <dgm:txFillClrLst meth="repeat">
+      <a:schemeClr val="dk1"/>
+    </dgm:txFillClrLst>
+    <dgm:txEffectClrLst/>
+  </dgm:styleLbl>
+  <dgm:styleLbl name="fgAcc4">
+    <dgm:fillClrLst meth="repeat">
+      <a:schemeClr val="lt1">
+        <a:alpha val="90000"/>
+      </a:schemeClr>
+    </dgm:fillClrLst>
+    <dgm:linClrLst meth="repeat">
+      <a:schemeClr val="accent1"/>
+    </dgm:linClrLst>
+    <dgm:effectClrLst/>
+    <dgm:txLinClrLst/>
+    <dgm:txFillClrLst meth="repeat">
+      <a:schemeClr val="dk1"/>
+    </dgm:txFillClrLst>
+    <dgm:txEffectClrLst/>
+  </dgm:styleLbl>
+  <dgm:styleLbl name="bgShp">
+    <dgm:fillClrLst meth="repeat">
+      <a:schemeClr val="accent1">
+        <a:tint val="40000"/>
+      </a:schemeClr>
+    </dgm:fillClrLst>
+    <dgm:linClrLst meth="repeat">
+      <a:schemeClr val="accent1"/>
+    </dgm:linClrLst>
+    <dgm:effectClrLst/>
+    <dgm:txLinClrLst/>
+    <dgm:txFillClrLst meth="repeat">
+      <a:schemeClr val="dk1"/>
+    </dgm:txFillClrLst>
+    <dgm:txEffectClrLst/>
+  </dgm:styleLbl>
+  <dgm:styleLbl name="dkBgShp">
+    <dgm:fillClrLst meth="repeat">
+      <a:schemeClr val="accent1">
+        <a:shade val="80000"/>
+      </a:schemeClr>
+    </dgm:fillClrLst>
+    <dgm:linClrLst meth="repeat">
+      <a:schemeClr val="accent1"/>
+    </dgm:linClrLst>
+    <dgm:effectClrLst/>
+    <dgm:txLinClrLst/>
+    <dgm:txFillClrLst meth="repeat">
+      <a:schemeClr val="lt1"/>
+    </dgm:txFillClrLst>
+    <dgm:txEffectClrLst/>
+  </dgm:styleLbl>
+  <dgm:styleLbl name="trBgShp">
+    <dgm:fillClrLst meth="repeat">
+      <a:schemeClr val="accent1">
+        <a:tint val="50000"/>
+        <a:alpha val="40000"/>
+      </a:schemeClr>
+    </dgm:fillClrLst>
+    <dgm:linClrLst meth="repeat">
+      <a:schemeClr val="accent1"/>
+    </dgm:linClrLst>
+    <dgm:effectClrLst/>
+    <dgm:txLinClrLst/>
+    <dgm:txFillClrLst meth="repeat">
+      <a:schemeClr val="lt1"/>
+    </dgm:txFillClrLst>
+    <dgm:txEffectClrLst/>
+  </dgm:styleLbl>
+  <dgm:styleLbl name="fgShp">
+    <dgm:fillClrLst meth="repeat">
+      <a:schemeClr val="accent1">
+        <a:tint val="60000"/>
+      </a:schemeClr>
+    </dgm:fillClrLst>
+    <dgm:linClrLst meth="repeat">
+      <a:schemeClr val="lt1"/>
+    </dgm:linClrLst>
+    <dgm:effectClrLst/>
+    <dgm:txLinClrLst/>
+    <dgm:txFillClrLst meth="repeat">
+      <a:schemeClr val="dk1"/>
+    </dgm:txFillClrLst>
+    <dgm:txEffectClrLst/>
+  </dgm:styleLbl>
+  <dgm:styleLbl name="revTx">
+    <dgm:fillClrLst meth="repeat">
+      <a:schemeClr val="lt1">
+        <a:alpha val="0"/>
+      </a:schemeClr>
+    </dgm:fillClrLst>
+    <dgm:linClrLst meth="repeat">
+      <a:schemeClr val="dk1">
+        <a:alpha val="0"/>
+      </a:schemeClr>
+    </dgm:linClrLst>
+    <dgm:effectClrLst/>
+    <dgm:txLinClrLst/>
+    <dgm:txFillClrLst meth="repeat">
+      <a:schemeClr val="tx1"/>
+    </dgm:txFillClrLst>
+    <dgm:txEffectClrLst/>
+  </dgm:styleLbl>
+</dgm:colorsDef>
+</file>
+
+<file path=ppt/diagrams/data1.xml><?xml version="1.0" encoding="utf-8"?>
+<dgm:dataModel xmlns:dgm="http://schemas.openxmlformats.org/drawingml/2006/diagram" xmlns:a="http://schemas.openxmlformats.org/drawingml/2006/main">
+  <dgm:ptLst>
+    <dgm:pt modelId="{E7E15361-1508-4412-911F-BBBA0D68D11C}" type="doc">
+      <dgm:prSet loTypeId="urn:microsoft.com/office/officeart/2005/8/layout/hChevron3" loCatId="process" qsTypeId="urn:microsoft.com/office/officeart/2005/8/quickstyle/simple3" qsCatId="simple" csTypeId="urn:microsoft.com/office/officeart/2005/8/colors/accent1_2" csCatId="accent1" phldr="1"/>
+      <dgm:spPr/>
+    </dgm:pt>
+    <dgm:pt modelId="{75243421-CACD-4804-9003-98DB718DD222}">
+      <dgm:prSet phldrT="[文本]"/>
+      <dgm:spPr/>
+      <dgm:t>
+        <a:bodyPr/>
+        <a:lstStyle/>
+        <a:p>
+          <a:r>
+            <a:rPr lang="zh-CN" altLang="en-US" dirty="0" smtClean="0">
+              <a:latin typeface="微软雅黑" panose="020B0503020204020204" pitchFamily="34" charset="-122"/>
+              <a:ea typeface="微软雅黑" panose="020B0503020204020204" pitchFamily="34" charset="-122"/>
+            </a:rPr>
+            <a:t>创建新的</a:t>
+          </a:r>
+          <a:r>
+            <a:rPr lang="en-US" altLang="zh-CN" dirty="0" smtClean="0">
+              <a:latin typeface="微软雅黑" panose="020B0503020204020204" pitchFamily="34" charset="-122"/>
+              <a:ea typeface="微软雅黑" panose="020B0503020204020204" pitchFamily="34" charset="-122"/>
+            </a:rPr>
+            <a:t>bug</a:t>
+          </a:r>
+          <a:r>
+            <a:rPr lang="zh-CN" altLang="en-US" dirty="0" smtClean="0">
+              <a:latin typeface="微软雅黑" panose="020B0503020204020204" pitchFamily="34" charset="-122"/>
+              <a:ea typeface="微软雅黑" panose="020B0503020204020204" pitchFamily="34" charset="-122"/>
+            </a:rPr>
+            <a:t>分支</a:t>
+          </a:r>
+          <a:endParaRPr lang="zh-CN" altLang="en-US" dirty="0"/>
+        </a:p>
+      </dgm:t>
+    </dgm:pt>
+    <dgm:pt modelId="{A7B86FC8-0EE7-4B6A-9F6F-0BD5B90253D5}" type="parTrans" cxnId="{711ADA6B-02D8-4C09-BF8F-84C6F94C8DF7}">
+      <dgm:prSet/>
+      <dgm:spPr/>
+      <dgm:t>
+        <a:bodyPr/>
+        <a:lstStyle/>
+        <a:p>
+          <a:endParaRPr lang="zh-CN" altLang="en-US"/>
+        </a:p>
+      </dgm:t>
+    </dgm:pt>
+    <dgm:pt modelId="{4E4B5A01-14EF-4648-834F-C40B39F758E4}" type="sibTrans" cxnId="{711ADA6B-02D8-4C09-BF8F-84C6F94C8DF7}">
+      <dgm:prSet/>
+      <dgm:spPr/>
+      <dgm:t>
+        <a:bodyPr/>
+        <a:lstStyle/>
+        <a:p>
+          <a:endParaRPr lang="zh-CN" altLang="en-US"/>
+        </a:p>
+      </dgm:t>
+    </dgm:pt>
+    <dgm:pt modelId="{A48181A5-A64C-409E-B7F6-6668ACA22F5A}">
+      <dgm:prSet phldrT="[文本]"/>
+      <dgm:spPr/>
+      <dgm:t>
+        <a:bodyPr/>
+        <a:lstStyle/>
+        <a:p>
+          <a:r>
+            <a:rPr lang="zh-CN" altLang="en-US" dirty="0" smtClean="0">
+              <a:latin typeface="微软雅黑" panose="020B0503020204020204" pitchFamily="34" charset="-122"/>
+              <a:ea typeface="微软雅黑" panose="020B0503020204020204" pitchFamily="34" charset="-122"/>
+            </a:rPr>
+            <a:t>进行</a:t>
+          </a:r>
+          <a:r>
+            <a:rPr lang="en-US" altLang="zh-CN" dirty="0" smtClean="0">
+              <a:latin typeface="微软雅黑" panose="020B0503020204020204" pitchFamily="34" charset="-122"/>
+              <a:ea typeface="微软雅黑" panose="020B0503020204020204" pitchFamily="34" charset="-122"/>
+            </a:rPr>
+            <a:t>bug</a:t>
+          </a:r>
+          <a:r>
+            <a:rPr lang="zh-CN" altLang="en-US" dirty="0" smtClean="0">
+              <a:latin typeface="微软雅黑" panose="020B0503020204020204" pitchFamily="34" charset="-122"/>
+              <a:ea typeface="微软雅黑" panose="020B0503020204020204" pitchFamily="34" charset="-122"/>
+            </a:rPr>
+            <a:t>修复</a:t>
+          </a:r>
+          <a:endParaRPr lang="zh-CN" altLang="en-US" dirty="0"/>
+        </a:p>
+      </dgm:t>
+    </dgm:pt>
+    <dgm:pt modelId="{191EB5BD-BF52-4543-A5FB-A6087493DA49}" type="parTrans" cxnId="{BA0F497C-50CD-4A11-9D90-4DE912B73F93}">
+      <dgm:prSet/>
+      <dgm:spPr/>
+      <dgm:t>
+        <a:bodyPr/>
+        <a:lstStyle/>
+        <a:p>
+          <a:endParaRPr lang="zh-CN" altLang="en-US"/>
+        </a:p>
+      </dgm:t>
+    </dgm:pt>
+    <dgm:pt modelId="{A19E717D-336D-469C-B0C9-1FA684FBB330}" type="sibTrans" cxnId="{BA0F497C-50CD-4A11-9D90-4DE912B73F93}">
+      <dgm:prSet/>
+      <dgm:spPr/>
+      <dgm:t>
+        <a:bodyPr/>
+        <a:lstStyle/>
+        <a:p>
+          <a:endParaRPr lang="zh-CN" altLang="en-US"/>
+        </a:p>
+      </dgm:t>
+    </dgm:pt>
+    <dgm:pt modelId="{F40D0603-283B-4120-8921-3EFA10ED7F56}">
+      <dgm:prSet phldrT="[文本]"/>
+      <dgm:spPr/>
+      <dgm:t>
+        <a:bodyPr/>
+        <a:lstStyle/>
+        <a:p>
+          <a:r>
+            <a:rPr lang="zh-CN" altLang="en-US" dirty="0" smtClean="0">
+              <a:latin typeface="微软雅黑" panose="020B0503020204020204" pitchFamily="34" charset="-122"/>
+              <a:ea typeface="微软雅黑" panose="020B0503020204020204" pitchFamily="34" charset="-122"/>
+            </a:rPr>
+            <a:t>进行合并</a:t>
+          </a:r>
+          <a:endParaRPr lang="zh-CN" altLang="en-US" dirty="0"/>
+        </a:p>
+      </dgm:t>
+    </dgm:pt>
+    <dgm:pt modelId="{EE00FE45-8F45-4024-A9B1-EA316CCECD18}" type="parTrans" cxnId="{6C8778AA-9B6A-40FF-A268-DDBA849DFE60}">
+      <dgm:prSet/>
+      <dgm:spPr/>
+      <dgm:t>
+        <a:bodyPr/>
+        <a:lstStyle/>
+        <a:p>
+          <a:endParaRPr lang="zh-CN" altLang="en-US"/>
+        </a:p>
+      </dgm:t>
+    </dgm:pt>
+    <dgm:pt modelId="{57EEEF5F-8D74-48B7-B906-AFF5645C63E8}" type="sibTrans" cxnId="{6C8778AA-9B6A-40FF-A268-DDBA849DFE60}">
+      <dgm:prSet/>
+      <dgm:spPr/>
+      <dgm:t>
+        <a:bodyPr/>
+        <a:lstStyle/>
+        <a:p>
+          <a:endParaRPr lang="zh-CN" altLang="en-US"/>
+        </a:p>
+      </dgm:t>
+    </dgm:pt>
+    <dgm:pt modelId="{54E6CC46-5103-4CF5-BD77-FA3447A83854}">
+      <dgm:prSet phldrT="[文本]"/>
+      <dgm:spPr/>
+      <dgm:t>
+        <a:bodyPr/>
+        <a:lstStyle/>
+        <a:p>
+          <a:r>
+            <a:rPr lang="zh-CN" altLang="en-US" smtClean="0">
+              <a:latin typeface="微软雅黑" panose="020B0503020204020204" pitchFamily="34" charset="-122"/>
+              <a:ea typeface="微软雅黑" panose="020B0503020204020204" pitchFamily="34" charset="-122"/>
+            </a:rPr>
+            <a:t>删除</a:t>
+          </a:r>
+          <a:r>
+            <a:rPr lang="en-US" altLang="zh-CN" smtClean="0">
+              <a:latin typeface="微软雅黑" panose="020B0503020204020204" pitchFamily="34" charset="-122"/>
+              <a:ea typeface="微软雅黑" panose="020B0503020204020204" pitchFamily="34" charset="-122"/>
+            </a:rPr>
+            <a:t>bug</a:t>
+          </a:r>
+          <a:r>
+            <a:rPr lang="zh-CN" altLang="en-US" smtClean="0">
+              <a:latin typeface="微软雅黑" panose="020B0503020204020204" pitchFamily="34" charset="-122"/>
+              <a:ea typeface="微软雅黑" panose="020B0503020204020204" pitchFamily="34" charset="-122"/>
+            </a:rPr>
+            <a:t>分支</a:t>
+          </a:r>
+          <a:endParaRPr lang="zh-CN" altLang="en-US" dirty="0"/>
+        </a:p>
+      </dgm:t>
+    </dgm:pt>
+    <dgm:pt modelId="{7E2F0F5E-41BE-4B91-9156-DE752FB94631}" type="parTrans" cxnId="{3A2C73E8-8B09-40C8-9AD4-0A5A76449C02}">
+      <dgm:prSet/>
+      <dgm:spPr/>
+      <dgm:t>
+        <a:bodyPr/>
+        <a:lstStyle/>
+        <a:p>
+          <a:endParaRPr lang="zh-CN" altLang="en-US"/>
+        </a:p>
+      </dgm:t>
+    </dgm:pt>
+    <dgm:pt modelId="{2C317598-8D07-4C1B-B488-CC5BD2BD65DA}" type="sibTrans" cxnId="{3A2C73E8-8B09-40C8-9AD4-0A5A76449C02}">
+      <dgm:prSet/>
+      <dgm:spPr/>
+      <dgm:t>
+        <a:bodyPr/>
+        <a:lstStyle/>
+        <a:p>
+          <a:endParaRPr lang="zh-CN" altLang="en-US"/>
+        </a:p>
+      </dgm:t>
+    </dgm:pt>
+    <dgm:pt modelId="{8BB258DC-5733-4BFE-B8BC-DC2423A78BFA}" type="pres">
+      <dgm:prSet presAssocID="{E7E15361-1508-4412-911F-BBBA0D68D11C}" presName="Name0" presStyleCnt="0">
+        <dgm:presLayoutVars>
+          <dgm:dir/>
+          <dgm:resizeHandles val="exact"/>
+        </dgm:presLayoutVars>
+      </dgm:prSet>
+      <dgm:spPr/>
+    </dgm:pt>
+    <dgm:pt modelId="{2D4D0087-6CBD-4987-9B63-ABC0792426B7}" type="pres">
+      <dgm:prSet presAssocID="{75243421-CACD-4804-9003-98DB718DD222}" presName="parTxOnly" presStyleLbl="node1" presStyleIdx="0" presStyleCnt="4">
+        <dgm:presLayoutVars>
+          <dgm:bulletEnabled val="1"/>
+        </dgm:presLayoutVars>
+      </dgm:prSet>
+      <dgm:spPr/>
+      <dgm:t>
+        <a:bodyPr/>
+        <a:lstStyle/>
+        <a:p>
+          <a:endParaRPr lang="zh-CN" altLang="en-US"/>
+        </a:p>
+      </dgm:t>
+    </dgm:pt>
+    <dgm:pt modelId="{6CCD3AAC-C877-4BFE-9793-BBAEA5BB0D69}" type="pres">
+      <dgm:prSet presAssocID="{4E4B5A01-14EF-4648-834F-C40B39F758E4}" presName="parSpace" presStyleCnt="0"/>
+      <dgm:spPr/>
+    </dgm:pt>
+    <dgm:pt modelId="{F0A0CF67-2A5F-4AC8-8EFD-CE0397649B0C}" type="pres">
+      <dgm:prSet presAssocID="{A48181A5-A64C-409E-B7F6-6668ACA22F5A}" presName="parTxOnly" presStyleLbl="node1" presStyleIdx="1" presStyleCnt="4">
+        <dgm:presLayoutVars>
+          <dgm:bulletEnabled val="1"/>
+        </dgm:presLayoutVars>
+      </dgm:prSet>
+      <dgm:spPr/>
+      <dgm:t>
+        <a:bodyPr/>
+        <a:lstStyle/>
+        <a:p>
+          <a:endParaRPr lang="zh-CN" altLang="en-US"/>
+        </a:p>
+      </dgm:t>
+    </dgm:pt>
+    <dgm:pt modelId="{19FD5C0D-299A-4D1B-ACD5-F76675F0EDEB}" type="pres">
+      <dgm:prSet presAssocID="{A19E717D-336D-469C-B0C9-1FA684FBB330}" presName="parSpace" presStyleCnt="0"/>
+      <dgm:spPr/>
+    </dgm:pt>
+    <dgm:pt modelId="{BA4C0FCF-9531-42A1-BCF9-79DF04A144DE}" type="pres">
+      <dgm:prSet presAssocID="{F40D0603-283B-4120-8921-3EFA10ED7F56}" presName="parTxOnly" presStyleLbl="node1" presStyleIdx="2" presStyleCnt="4">
+        <dgm:presLayoutVars>
+          <dgm:bulletEnabled val="1"/>
+        </dgm:presLayoutVars>
+      </dgm:prSet>
+      <dgm:spPr/>
+      <dgm:t>
+        <a:bodyPr/>
+        <a:lstStyle/>
+        <a:p>
+          <a:endParaRPr lang="zh-CN" altLang="en-US"/>
+        </a:p>
+      </dgm:t>
+    </dgm:pt>
+    <dgm:pt modelId="{57D06887-AB51-416B-93A2-D269924EBA8E}" type="pres">
+      <dgm:prSet presAssocID="{57EEEF5F-8D74-48B7-B906-AFF5645C63E8}" presName="parSpace" presStyleCnt="0"/>
+      <dgm:spPr/>
+    </dgm:pt>
+    <dgm:pt modelId="{2FC36F4D-0CAB-4E51-9A45-DF435C233208}" type="pres">
+      <dgm:prSet presAssocID="{54E6CC46-5103-4CF5-BD77-FA3447A83854}" presName="parTxOnly" presStyleLbl="node1" presStyleIdx="3" presStyleCnt="4">
+        <dgm:presLayoutVars>
+          <dgm:bulletEnabled val="1"/>
+        </dgm:presLayoutVars>
+      </dgm:prSet>
+      <dgm:spPr/>
+      <dgm:t>
+        <a:bodyPr/>
+        <a:lstStyle/>
+        <a:p>
+          <a:endParaRPr lang="zh-CN" altLang="en-US"/>
+        </a:p>
+      </dgm:t>
+    </dgm:pt>
+  </dgm:ptLst>
+  <dgm:cxnLst>
+    <dgm:cxn modelId="{A0BAAC42-995A-4985-8366-04F664B5BFF7}" type="presOf" srcId="{A48181A5-A64C-409E-B7F6-6668ACA22F5A}" destId="{F0A0CF67-2A5F-4AC8-8EFD-CE0397649B0C}" srcOrd="0" destOrd="0" presId="urn:microsoft.com/office/officeart/2005/8/layout/hChevron3"/>
+    <dgm:cxn modelId="{BA0F497C-50CD-4A11-9D90-4DE912B73F93}" srcId="{E7E15361-1508-4412-911F-BBBA0D68D11C}" destId="{A48181A5-A64C-409E-B7F6-6668ACA22F5A}" srcOrd="1" destOrd="0" parTransId="{191EB5BD-BF52-4543-A5FB-A6087493DA49}" sibTransId="{A19E717D-336D-469C-B0C9-1FA684FBB330}"/>
+    <dgm:cxn modelId="{3A2C73E8-8B09-40C8-9AD4-0A5A76449C02}" srcId="{E7E15361-1508-4412-911F-BBBA0D68D11C}" destId="{54E6CC46-5103-4CF5-BD77-FA3447A83854}" srcOrd="3" destOrd="0" parTransId="{7E2F0F5E-41BE-4B91-9156-DE752FB94631}" sibTransId="{2C317598-8D07-4C1B-B488-CC5BD2BD65DA}"/>
+    <dgm:cxn modelId="{9377B8E4-27B6-42C3-B000-7D39A9A4CEC1}" type="presOf" srcId="{F40D0603-283B-4120-8921-3EFA10ED7F56}" destId="{BA4C0FCF-9531-42A1-BCF9-79DF04A144DE}" srcOrd="0" destOrd="0" presId="urn:microsoft.com/office/officeart/2005/8/layout/hChevron3"/>
+    <dgm:cxn modelId="{711ADA6B-02D8-4C09-BF8F-84C6F94C8DF7}" srcId="{E7E15361-1508-4412-911F-BBBA0D68D11C}" destId="{75243421-CACD-4804-9003-98DB718DD222}" srcOrd="0" destOrd="0" parTransId="{A7B86FC8-0EE7-4B6A-9F6F-0BD5B90253D5}" sibTransId="{4E4B5A01-14EF-4648-834F-C40B39F758E4}"/>
+    <dgm:cxn modelId="{6C8778AA-9B6A-40FF-A268-DDBA849DFE60}" srcId="{E7E15361-1508-4412-911F-BBBA0D68D11C}" destId="{F40D0603-283B-4120-8921-3EFA10ED7F56}" srcOrd="2" destOrd="0" parTransId="{EE00FE45-8F45-4024-A9B1-EA316CCECD18}" sibTransId="{57EEEF5F-8D74-48B7-B906-AFF5645C63E8}"/>
+    <dgm:cxn modelId="{AB6FA98C-85A3-40DF-88CD-6C20DED446E7}" type="presOf" srcId="{75243421-CACD-4804-9003-98DB718DD222}" destId="{2D4D0087-6CBD-4987-9B63-ABC0792426B7}" srcOrd="0" destOrd="0" presId="urn:microsoft.com/office/officeart/2005/8/layout/hChevron3"/>
+    <dgm:cxn modelId="{9BE422DE-063D-42DA-B455-21B252E75747}" type="presOf" srcId="{54E6CC46-5103-4CF5-BD77-FA3447A83854}" destId="{2FC36F4D-0CAB-4E51-9A45-DF435C233208}" srcOrd="0" destOrd="0" presId="urn:microsoft.com/office/officeart/2005/8/layout/hChevron3"/>
+    <dgm:cxn modelId="{4C7B0BDF-8A32-4007-B35F-B5221D0BDF5A}" type="presOf" srcId="{E7E15361-1508-4412-911F-BBBA0D68D11C}" destId="{8BB258DC-5733-4BFE-B8BC-DC2423A78BFA}" srcOrd="0" destOrd="0" presId="urn:microsoft.com/office/officeart/2005/8/layout/hChevron3"/>
+    <dgm:cxn modelId="{DFC728C7-AD0C-4555-B960-95A3C498F23C}" type="presParOf" srcId="{8BB258DC-5733-4BFE-B8BC-DC2423A78BFA}" destId="{2D4D0087-6CBD-4987-9B63-ABC0792426B7}" srcOrd="0" destOrd="0" presId="urn:microsoft.com/office/officeart/2005/8/layout/hChevron3"/>
+    <dgm:cxn modelId="{9BE7DB2A-4065-4D90-862E-907E73D2D831}" type="presParOf" srcId="{8BB258DC-5733-4BFE-B8BC-DC2423A78BFA}" destId="{6CCD3AAC-C877-4BFE-9793-BBAEA5BB0D69}" srcOrd="1" destOrd="0" presId="urn:microsoft.com/office/officeart/2005/8/layout/hChevron3"/>
+    <dgm:cxn modelId="{4331F1AF-8A86-4E30-8D16-B7222957C339}" type="presParOf" srcId="{8BB258DC-5733-4BFE-B8BC-DC2423A78BFA}" destId="{F0A0CF67-2A5F-4AC8-8EFD-CE0397649B0C}" srcOrd="2" destOrd="0" presId="urn:microsoft.com/office/officeart/2005/8/layout/hChevron3"/>
+    <dgm:cxn modelId="{4ECCA078-60CF-45CF-B5B6-DBA0FBDB1701}" type="presParOf" srcId="{8BB258DC-5733-4BFE-B8BC-DC2423A78BFA}" destId="{19FD5C0D-299A-4D1B-ACD5-F76675F0EDEB}" srcOrd="3" destOrd="0" presId="urn:microsoft.com/office/officeart/2005/8/layout/hChevron3"/>
+    <dgm:cxn modelId="{F8A993A8-110F-4085-9CDE-508CCEC8ACA3}" type="presParOf" srcId="{8BB258DC-5733-4BFE-B8BC-DC2423A78BFA}" destId="{BA4C0FCF-9531-42A1-BCF9-79DF04A144DE}" srcOrd="4" destOrd="0" presId="urn:microsoft.com/office/officeart/2005/8/layout/hChevron3"/>
+    <dgm:cxn modelId="{037B8B59-633D-4595-BE53-4E928F58A103}" type="presParOf" srcId="{8BB258DC-5733-4BFE-B8BC-DC2423A78BFA}" destId="{57D06887-AB51-416B-93A2-D269924EBA8E}" srcOrd="5" destOrd="0" presId="urn:microsoft.com/office/officeart/2005/8/layout/hChevron3"/>
+    <dgm:cxn modelId="{8C61C8D8-557E-4D53-BFE7-E5489422315F}" type="presParOf" srcId="{8BB258DC-5733-4BFE-B8BC-DC2423A78BFA}" destId="{2FC36F4D-0CAB-4E51-9A45-DF435C233208}" srcOrd="6" destOrd="0" presId="urn:microsoft.com/office/officeart/2005/8/layout/hChevron3"/>
+  </dgm:cxnLst>
+  <dgm:bg/>
+  <dgm:whole/>
+  <dgm:extLst>
+    <a:ext uri="http://schemas.microsoft.com/office/drawing/2008/diagram">
+      <dsp:dataModelExt xmlns:dsp="http://schemas.microsoft.com/office/drawing/2008/diagram" relId="rId7" minVer="http://schemas.openxmlformats.org/drawingml/2006/diagram"/>
+    </a:ext>
+  </dgm:extLst>
+</dgm:dataModel>
+</file>
+
+<file path=ppt/diagrams/drawing1.xml><?xml version="1.0" encoding="utf-8"?>
+<dsp:drawing xmlns:dgm="http://schemas.openxmlformats.org/drawingml/2006/diagram" xmlns:dsp="http://schemas.microsoft.com/office/drawing/2008/diagram" xmlns:a="http://schemas.openxmlformats.org/drawingml/2006/main">
+  <dsp:spTree>
+    <dsp:nvGrpSpPr>
+      <dsp:cNvPr id="0" name=""/>
+      <dsp:cNvGrpSpPr/>
+    </dsp:nvGrpSpPr>
+    <dsp:grpSpPr/>
+    <dsp:sp modelId="{2D4D0087-6CBD-4987-9B63-ABC0792426B7}">
+      <dsp:nvSpPr>
+        <dsp:cNvPr id="0" name=""/>
+        <dsp:cNvSpPr/>
+      </dsp:nvSpPr>
+      <dsp:spPr>
+        <a:xfrm>
+          <a:off x="1218" y="0"/>
+          <a:ext cx="1222616" cy="337608"/>
+        </a:xfrm>
+        <a:prstGeom prst="homePlate">
+          <a:avLst/>
+        </a:prstGeom>
+        <a:gradFill rotWithShape="0">
+          <a:gsLst>
+            <a:gs pos="0">
+              <a:schemeClr val="accent1">
+                <a:hueOff val="0"/>
+                <a:satOff val="0"/>
+                <a:lumOff val="0"/>
+                <a:alphaOff val="0"/>
+                <a:lumMod val="110000"/>
+                <a:satMod val="105000"/>
+                <a:tint val="67000"/>
+              </a:schemeClr>
+            </a:gs>
+            <a:gs pos="50000">
+              <a:schemeClr val="accent1">
+                <a:hueOff val="0"/>
+                <a:satOff val="0"/>
+                <a:lumOff val="0"/>
+                <a:alphaOff val="0"/>
+                <a:lumMod val="105000"/>
+                <a:satMod val="103000"/>
+                <a:tint val="73000"/>
+              </a:schemeClr>
+            </a:gs>
+            <a:gs pos="100000">
+              <a:schemeClr val="accent1">
+                <a:hueOff val="0"/>
+                <a:satOff val="0"/>
+                <a:lumOff val="0"/>
+                <a:alphaOff val="0"/>
+                <a:lumMod val="105000"/>
+                <a:satMod val="109000"/>
+                <a:tint val="81000"/>
+              </a:schemeClr>
+            </a:gs>
+          </a:gsLst>
+          <a:lin ang="5400000" scaled="0"/>
+        </a:gradFill>
+        <a:ln>
+          <a:noFill/>
+        </a:ln>
+        <a:effectLst/>
+        <a:scene3d>
+          <a:camera prst="orthographicFront"/>
+          <a:lightRig rig="flat" dir="t"/>
+        </a:scene3d>
+        <a:sp3d prstMaterial="dkEdge">
+          <a:bevelT w="8200" h="38100"/>
+        </a:sp3d>
+      </dsp:spPr>
+      <dsp:style>
+        <a:lnRef idx="0">
+          <a:scrgbClr r="0" g="0" b="0"/>
+        </a:lnRef>
+        <a:fillRef idx="2">
+          <a:scrgbClr r="0" g="0" b="0"/>
+        </a:fillRef>
+        <a:effectRef idx="1">
+          <a:scrgbClr r="0" g="0" b="0"/>
+        </a:effectRef>
+        <a:fontRef idx="minor">
+          <a:schemeClr val="dk1"/>
+        </a:fontRef>
+      </dsp:style>
+      <dsp:txBody>
+        <a:bodyPr spcFirstLastPara="0" vert="horz" wrap="square" lIns="53340" tIns="26670" rIns="13335" bIns="26670" numCol="1" spcCol="1270" anchor="ctr" anchorCtr="0">
+          <a:noAutofit/>
+        </a:bodyPr>
+        <a:lstStyle/>
+        <a:p>
+          <a:pPr lvl="0" algn="ctr" defTabSz="444500">
+            <a:lnSpc>
+              <a:spcPct val="90000"/>
+            </a:lnSpc>
+            <a:spcBef>
+              <a:spcPct val="0"/>
+            </a:spcBef>
+            <a:spcAft>
+              <a:spcPct val="35000"/>
+            </a:spcAft>
+          </a:pPr>
+          <a:r>
+            <a:rPr lang="zh-CN" altLang="en-US" sz="1000" kern="1200" dirty="0" smtClean="0">
+              <a:latin typeface="微软雅黑" panose="020B0503020204020204" pitchFamily="34" charset="-122"/>
+              <a:ea typeface="微软雅黑" panose="020B0503020204020204" pitchFamily="34" charset="-122"/>
+            </a:rPr>
+            <a:t>创建新的</a:t>
+          </a:r>
+          <a:r>
+            <a:rPr lang="en-US" altLang="zh-CN" sz="1000" kern="1200" dirty="0" smtClean="0">
+              <a:latin typeface="微软雅黑" panose="020B0503020204020204" pitchFamily="34" charset="-122"/>
+              <a:ea typeface="微软雅黑" panose="020B0503020204020204" pitchFamily="34" charset="-122"/>
+            </a:rPr>
+            <a:t>bug</a:t>
+          </a:r>
+          <a:r>
+            <a:rPr lang="zh-CN" altLang="en-US" sz="1000" kern="1200" dirty="0" smtClean="0">
+              <a:latin typeface="微软雅黑" panose="020B0503020204020204" pitchFamily="34" charset="-122"/>
+              <a:ea typeface="微软雅黑" panose="020B0503020204020204" pitchFamily="34" charset="-122"/>
+            </a:rPr>
+            <a:t>分支</a:t>
+          </a:r>
+          <a:endParaRPr lang="zh-CN" altLang="en-US" sz="1000" kern="1200" dirty="0"/>
+        </a:p>
+      </dsp:txBody>
+      <dsp:txXfrm>
+        <a:off x="1218" y="0"/>
+        <a:ext cx="1138214" cy="337608"/>
+      </dsp:txXfrm>
+    </dsp:sp>
+    <dsp:sp modelId="{F0A0CF67-2A5F-4AC8-8EFD-CE0397649B0C}">
+      <dsp:nvSpPr>
+        <dsp:cNvPr id="0" name=""/>
+        <dsp:cNvSpPr/>
+      </dsp:nvSpPr>
+      <dsp:spPr>
+        <a:xfrm>
+          <a:off x="979311" y="0"/>
+          <a:ext cx="1222616" cy="337608"/>
+        </a:xfrm>
+        <a:prstGeom prst="chevron">
+          <a:avLst/>
+        </a:prstGeom>
+        <a:gradFill rotWithShape="0">
+          <a:gsLst>
+            <a:gs pos="0">
+              <a:schemeClr val="accent1">
+                <a:hueOff val="0"/>
+                <a:satOff val="0"/>
+                <a:lumOff val="0"/>
+                <a:alphaOff val="0"/>
+                <a:lumMod val="110000"/>
+                <a:satMod val="105000"/>
+                <a:tint val="67000"/>
+              </a:schemeClr>
+            </a:gs>
+            <a:gs pos="50000">
+              <a:schemeClr val="accent1">
+                <a:hueOff val="0"/>
+                <a:satOff val="0"/>
+                <a:lumOff val="0"/>
+                <a:alphaOff val="0"/>
+                <a:lumMod val="105000"/>
+                <a:satMod val="103000"/>
+                <a:tint val="73000"/>
+              </a:schemeClr>
+            </a:gs>
+            <a:gs pos="100000">
+              <a:schemeClr val="accent1">
+                <a:hueOff val="0"/>
+                <a:satOff val="0"/>
+                <a:lumOff val="0"/>
+                <a:alphaOff val="0"/>
+                <a:lumMod val="105000"/>
+                <a:satMod val="109000"/>
+                <a:tint val="81000"/>
+              </a:schemeClr>
+            </a:gs>
+          </a:gsLst>
+          <a:lin ang="5400000" scaled="0"/>
+        </a:gradFill>
+        <a:ln>
+          <a:noFill/>
+        </a:ln>
+        <a:effectLst/>
+        <a:scene3d>
+          <a:camera prst="orthographicFront"/>
+          <a:lightRig rig="flat" dir="t"/>
+        </a:scene3d>
+        <a:sp3d prstMaterial="dkEdge">
+          <a:bevelT w="8200" h="38100"/>
+        </a:sp3d>
+      </dsp:spPr>
+      <dsp:style>
+        <a:lnRef idx="0">
+          <a:scrgbClr r="0" g="0" b="0"/>
+        </a:lnRef>
+        <a:fillRef idx="2">
+          <a:scrgbClr r="0" g="0" b="0"/>
+        </a:fillRef>
+        <a:effectRef idx="1">
+          <a:scrgbClr r="0" g="0" b="0"/>
+        </a:effectRef>
+        <a:fontRef idx="minor">
+          <a:schemeClr val="dk1"/>
+        </a:fontRef>
+      </dsp:style>
+      <dsp:txBody>
+        <a:bodyPr spcFirstLastPara="0" vert="horz" wrap="square" lIns="40005" tIns="26670" rIns="13335" bIns="26670" numCol="1" spcCol="1270" anchor="ctr" anchorCtr="0">
+          <a:noAutofit/>
+        </a:bodyPr>
+        <a:lstStyle/>
+        <a:p>
+          <a:pPr lvl="0" algn="ctr" defTabSz="444500">
+            <a:lnSpc>
+              <a:spcPct val="90000"/>
+            </a:lnSpc>
+            <a:spcBef>
+              <a:spcPct val="0"/>
+            </a:spcBef>
+            <a:spcAft>
+              <a:spcPct val="35000"/>
+            </a:spcAft>
+          </a:pPr>
+          <a:r>
+            <a:rPr lang="zh-CN" altLang="en-US" sz="1000" kern="1200" dirty="0" smtClean="0">
+              <a:latin typeface="微软雅黑" panose="020B0503020204020204" pitchFamily="34" charset="-122"/>
+              <a:ea typeface="微软雅黑" panose="020B0503020204020204" pitchFamily="34" charset="-122"/>
+            </a:rPr>
+            <a:t>进行</a:t>
+          </a:r>
+          <a:r>
+            <a:rPr lang="en-US" altLang="zh-CN" sz="1000" kern="1200" dirty="0" smtClean="0">
+              <a:latin typeface="微软雅黑" panose="020B0503020204020204" pitchFamily="34" charset="-122"/>
+              <a:ea typeface="微软雅黑" panose="020B0503020204020204" pitchFamily="34" charset="-122"/>
+            </a:rPr>
+            <a:t>bug</a:t>
+          </a:r>
+          <a:r>
+            <a:rPr lang="zh-CN" altLang="en-US" sz="1000" kern="1200" dirty="0" smtClean="0">
+              <a:latin typeface="微软雅黑" panose="020B0503020204020204" pitchFamily="34" charset="-122"/>
+              <a:ea typeface="微软雅黑" panose="020B0503020204020204" pitchFamily="34" charset="-122"/>
+            </a:rPr>
+            <a:t>修复</a:t>
+          </a:r>
+          <a:endParaRPr lang="zh-CN" altLang="en-US" sz="1000" kern="1200" dirty="0"/>
+        </a:p>
+      </dsp:txBody>
+      <dsp:txXfrm>
+        <a:off x="1148115" y="0"/>
+        <a:ext cx="885008" cy="337608"/>
+      </dsp:txXfrm>
+    </dsp:sp>
+    <dsp:sp modelId="{BA4C0FCF-9531-42A1-BCF9-79DF04A144DE}">
+      <dsp:nvSpPr>
+        <dsp:cNvPr id="0" name=""/>
+        <dsp:cNvSpPr/>
+      </dsp:nvSpPr>
+      <dsp:spPr>
+        <a:xfrm>
+          <a:off x="1957404" y="0"/>
+          <a:ext cx="1222616" cy="337608"/>
+        </a:xfrm>
+        <a:prstGeom prst="chevron">
+          <a:avLst/>
+        </a:prstGeom>
+        <a:gradFill rotWithShape="0">
+          <a:gsLst>
+            <a:gs pos="0">
+              <a:schemeClr val="accent1">
+                <a:hueOff val="0"/>
+                <a:satOff val="0"/>
+                <a:lumOff val="0"/>
+                <a:alphaOff val="0"/>
+                <a:lumMod val="110000"/>
+                <a:satMod val="105000"/>
+                <a:tint val="67000"/>
+              </a:schemeClr>
+            </a:gs>
+            <a:gs pos="50000">
+              <a:schemeClr val="accent1">
+                <a:hueOff val="0"/>
+                <a:satOff val="0"/>
+                <a:lumOff val="0"/>
+                <a:alphaOff val="0"/>
+                <a:lumMod val="105000"/>
+                <a:satMod val="103000"/>
+                <a:tint val="73000"/>
+              </a:schemeClr>
+            </a:gs>
+            <a:gs pos="100000">
+              <a:schemeClr val="accent1">
+                <a:hueOff val="0"/>
+                <a:satOff val="0"/>
+                <a:lumOff val="0"/>
+                <a:alphaOff val="0"/>
+                <a:lumMod val="105000"/>
+                <a:satMod val="109000"/>
+                <a:tint val="81000"/>
+              </a:schemeClr>
+            </a:gs>
+          </a:gsLst>
+          <a:lin ang="5400000" scaled="0"/>
+        </a:gradFill>
+        <a:ln>
+          <a:noFill/>
+        </a:ln>
+        <a:effectLst/>
+        <a:scene3d>
+          <a:camera prst="orthographicFront"/>
+          <a:lightRig rig="flat" dir="t"/>
+        </a:scene3d>
+        <a:sp3d prstMaterial="dkEdge">
+          <a:bevelT w="8200" h="38100"/>
+        </a:sp3d>
+      </dsp:spPr>
+      <dsp:style>
+        <a:lnRef idx="0">
+          <a:scrgbClr r="0" g="0" b="0"/>
+        </a:lnRef>
+        <a:fillRef idx="2">
+          <a:scrgbClr r="0" g="0" b="0"/>
+        </a:fillRef>
+        <a:effectRef idx="1">
+          <a:scrgbClr r="0" g="0" b="0"/>
+        </a:effectRef>
+        <a:fontRef idx="minor">
+          <a:schemeClr val="dk1"/>
+        </a:fontRef>
+      </dsp:style>
+      <dsp:txBody>
+        <a:bodyPr spcFirstLastPara="0" vert="horz" wrap="square" lIns="40005" tIns="26670" rIns="13335" bIns="26670" numCol="1" spcCol="1270" anchor="ctr" anchorCtr="0">
+          <a:noAutofit/>
+        </a:bodyPr>
+        <a:lstStyle/>
+        <a:p>
+          <a:pPr lvl="0" algn="ctr" defTabSz="444500">
+            <a:lnSpc>
+              <a:spcPct val="90000"/>
+            </a:lnSpc>
+            <a:spcBef>
+              <a:spcPct val="0"/>
+            </a:spcBef>
+            <a:spcAft>
+              <a:spcPct val="35000"/>
+            </a:spcAft>
+          </a:pPr>
+          <a:r>
+            <a:rPr lang="zh-CN" altLang="en-US" sz="1000" kern="1200" dirty="0" smtClean="0">
+              <a:latin typeface="微软雅黑" panose="020B0503020204020204" pitchFamily="34" charset="-122"/>
+              <a:ea typeface="微软雅黑" panose="020B0503020204020204" pitchFamily="34" charset="-122"/>
+            </a:rPr>
+            <a:t>进行合并</a:t>
+          </a:r>
+          <a:endParaRPr lang="zh-CN" altLang="en-US" sz="1000" kern="1200" dirty="0"/>
+        </a:p>
+      </dsp:txBody>
+      <dsp:txXfrm>
+        <a:off x="2126208" y="0"/>
+        <a:ext cx="885008" cy="337608"/>
+      </dsp:txXfrm>
+    </dsp:sp>
+    <dsp:sp modelId="{2FC36F4D-0CAB-4E51-9A45-DF435C233208}">
+      <dsp:nvSpPr>
+        <dsp:cNvPr id="0" name=""/>
+        <dsp:cNvSpPr/>
+      </dsp:nvSpPr>
+      <dsp:spPr>
+        <a:xfrm>
+          <a:off x="2935498" y="0"/>
+          <a:ext cx="1222616" cy="337608"/>
+        </a:xfrm>
+        <a:prstGeom prst="chevron">
+          <a:avLst/>
+        </a:prstGeom>
+        <a:gradFill rotWithShape="0">
+          <a:gsLst>
+            <a:gs pos="0">
+              <a:schemeClr val="accent1">
+                <a:hueOff val="0"/>
+                <a:satOff val="0"/>
+                <a:lumOff val="0"/>
+                <a:alphaOff val="0"/>
+                <a:lumMod val="110000"/>
+                <a:satMod val="105000"/>
+                <a:tint val="67000"/>
+              </a:schemeClr>
+            </a:gs>
+            <a:gs pos="50000">
+              <a:schemeClr val="accent1">
+                <a:hueOff val="0"/>
+                <a:satOff val="0"/>
+                <a:lumOff val="0"/>
+                <a:alphaOff val="0"/>
+                <a:lumMod val="105000"/>
+                <a:satMod val="103000"/>
+                <a:tint val="73000"/>
+              </a:schemeClr>
+            </a:gs>
+            <a:gs pos="100000">
+              <a:schemeClr val="accent1">
+                <a:hueOff val="0"/>
+                <a:satOff val="0"/>
+                <a:lumOff val="0"/>
+                <a:alphaOff val="0"/>
+                <a:lumMod val="105000"/>
+                <a:satMod val="109000"/>
+                <a:tint val="81000"/>
+              </a:schemeClr>
+            </a:gs>
+          </a:gsLst>
+          <a:lin ang="5400000" scaled="0"/>
+        </a:gradFill>
+        <a:ln>
+          <a:noFill/>
+        </a:ln>
+        <a:effectLst/>
+        <a:scene3d>
+          <a:camera prst="orthographicFront"/>
+          <a:lightRig rig="flat" dir="t"/>
+        </a:scene3d>
+        <a:sp3d prstMaterial="dkEdge">
+          <a:bevelT w="8200" h="38100"/>
+        </a:sp3d>
+      </dsp:spPr>
+      <dsp:style>
+        <a:lnRef idx="0">
+          <a:scrgbClr r="0" g="0" b="0"/>
+        </a:lnRef>
+        <a:fillRef idx="2">
+          <a:scrgbClr r="0" g="0" b="0"/>
+        </a:fillRef>
+        <a:effectRef idx="1">
+          <a:scrgbClr r="0" g="0" b="0"/>
+        </a:effectRef>
+        <a:fontRef idx="minor">
+          <a:schemeClr val="dk1"/>
+        </a:fontRef>
+      </dsp:style>
+      <dsp:txBody>
+        <a:bodyPr spcFirstLastPara="0" vert="horz" wrap="square" lIns="40005" tIns="26670" rIns="13335" bIns="26670" numCol="1" spcCol="1270" anchor="ctr" anchorCtr="0">
+          <a:noAutofit/>
+        </a:bodyPr>
+        <a:lstStyle/>
+        <a:p>
+          <a:pPr lvl="0" algn="ctr" defTabSz="444500">
+            <a:lnSpc>
+              <a:spcPct val="90000"/>
+            </a:lnSpc>
+            <a:spcBef>
+              <a:spcPct val="0"/>
+            </a:spcBef>
+            <a:spcAft>
+              <a:spcPct val="35000"/>
+            </a:spcAft>
+          </a:pPr>
+          <a:r>
+            <a:rPr lang="zh-CN" altLang="en-US" sz="1000" kern="1200" smtClean="0">
+              <a:latin typeface="微软雅黑" panose="020B0503020204020204" pitchFamily="34" charset="-122"/>
+              <a:ea typeface="微软雅黑" panose="020B0503020204020204" pitchFamily="34" charset="-122"/>
+            </a:rPr>
+            <a:t>删除</a:t>
+          </a:r>
+          <a:r>
+            <a:rPr lang="en-US" altLang="zh-CN" sz="1000" kern="1200" smtClean="0">
+              <a:latin typeface="微软雅黑" panose="020B0503020204020204" pitchFamily="34" charset="-122"/>
+              <a:ea typeface="微软雅黑" panose="020B0503020204020204" pitchFamily="34" charset="-122"/>
+            </a:rPr>
+            <a:t>bug</a:t>
+          </a:r>
+          <a:r>
+            <a:rPr lang="zh-CN" altLang="en-US" sz="1000" kern="1200" smtClean="0">
+              <a:latin typeface="微软雅黑" panose="020B0503020204020204" pitchFamily="34" charset="-122"/>
+              <a:ea typeface="微软雅黑" panose="020B0503020204020204" pitchFamily="34" charset="-122"/>
+            </a:rPr>
+            <a:t>分支</a:t>
+          </a:r>
+          <a:endParaRPr lang="zh-CN" altLang="en-US" sz="1000" kern="1200" dirty="0"/>
+        </a:p>
+      </dsp:txBody>
+      <dsp:txXfrm>
+        <a:off x="3104302" y="0"/>
+        <a:ext cx="885008" cy="337608"/>
+      </dsp:txXfrm>
+    </dsp:sp>
+  </dsp:spTree>
+</dsp:drawing>
+</file>
+
+<file path=ppt/diagrams/layout1.xml><?xml version="1.0" encoding="utf-8"?>
+<dgm:layoutDef xmlns:dgm="http://schemas.openxmlformats.org/drawingml/2006/diagram" xmlns:a="http://schemas.openxmlformats.org/drawingml/2006/main" uniqueId="urn:microsoft.com/office/officeart/2005/8/layout/hChevron3">
+  <dgm:title val=""/>
+  <dgm:desc val=""/>
+  <dgm:catLst>
+    <dgm:cat type="process" pri="10000"/>
+  </dgm:catLst>
+  <dgm:sampData useDef="1">
+    <dgm:dataModel>
+      <dgm:ptLst/>
+      <dgm:bg/>
+      <dgm:whole/>
+    </dgm:dataModel>
+  </dgm:sampData>
+  <dgm:styleData>
+    <dgm:dataModel>
+      <dgm:ptLst>
+        <dgm:pt modelId="0" type="doc"/>
+        <dgm:pt modelId="1"/>
+        <dgm:pt modelId="2"/>
+      </dgm:ptLst>
+      <dgm:cxnLst>
+        <dgm:cxn modelId="3" srcId="0" destId="1" srcOrd="0" destOrd="0"/>
+        <dgm:cxn modelId="4" srcId="0" destId="2" srcOrd="1" destOrd="0"/>
+      </dgm:cxnLst>
+      <dgm:bg/>
+      <dgm:whole/>
+    </dgm:dataModel>
+  </dgm:styleData>
+  <dgm:clrData>
+    <dgm:dataModel>
+      <dgm:ptLst>
+        <dgm:pt modelId="0" type="doc"/>
+        <dgm:pt modelId="1"/>
+        <dgm:pt modelId="2"/>
+        <dgm:pt modelId="3"/>
+        <dgm:pt modelId="4"/>
+      </dgm:ptLst>
+      <dgm:cxnLst>
+        <dgm:cxn modelId="5" srcId="0" destId="1" srcOrd="0" destOrd="0"/>
+        <dgm:cxn modelId="6" srcId="0" destId="2" srcOrd="1" destOrd="0"/>
+        <dgm:cxn modelId="7" srcId="0" destId="3" srcOrd="2" destOrd="0"/>
+        <dgm:cxn modelId="8" srcId="0" destId="4" srcOrd="3" destOrd="0"/>
+      </dgm:cxnLst>
+      <dgm:bg/>
+      <dgm:whole/>
+    </dgm:dataModel>
+  </dgm:clrData>
+  <dgm:layoutNode name="Name0">
+    <dgm:varLst>
+      <dgm:dir/>
+      <dgm:resizeHandles val="exact"/>
+    </dgm:varLst>
+    <dgm:choose name="Name1">
+      <dgm:if name="Name2" func="var" arg="dir" op="equ" val="norm">
+        <dgm:alg type="lin"/>
+      </dgm:if>
+      <dgm:else name="Name3">
+        <dgm:alg type="lin">
+          <dgm:param type="linDir" val="fromR"/>
+        </dgm:alg>
+      </dgm:else>
+    </dgm:choose>
+    <dgm:shape xmlns:r="http://schemas.openxmlformats.org/officeDocument/2006/relationships" r:blip="">
+      <dgm:adjLst/>
+    </dgm:shape>
+    <dgm:presOf/>
+    <dgm:choose name="Name4">
+      <dgm:if name="Name5" axis="root des" func="maxDepth" op="gte" val="2">
+        <dgm:constrLst>
+          <dgm:constr type="w" for="ch" forName="parAndChTx" refType="w"/>
+          <dgm:constr type="primFontSz" for="ch" ptType="node" op="equ"/>
+          <dgm:constr type="w" for="ch" forName="parAndChSpace" refType="w" refFor="ch" refForName="parAndChTx" fact="-0.2"/>
+          <dgm:constr type="w" for="ch" ptType="sibTrans" op="equ"/>
+        </dgm:constrLst>
+        <dgm:ruleLst/>
+        <dgm:forEach name="Name6" axis="ch" ptType="node">
+          <dgm:layoutNode name="parAndChTx">
+            <dgm:varLst>
+              <dgm:bulletEnabled val="1"/>
+            </dgm:varLst>
+            <dgm:alg type="tx"/>
+            <dgm:choose name="Name7">
+              <dgm:if name="Name8" func="var" arg="dir" op="equ" val="norm">
+                <dgm:choose name="Name9">
+                  <dgm:if name="Name10" axis="self" ptType="node" func="pos" op="equ" val="1">
+                    <dgm:shape xmlns:r="http://schemas.openxmlformats.org/officeDocument/2006/relationships" type="homePlate" r:blip="">
+                      <dgm:adjLst>
+                        <dgm:adj idx="1" val="0.25"/>
+                      </dgm:adjLst>
+                    </dgm:shape>
+                    <dgm:presOf axis="desOrSelf" ptType="node"/>
+                    <dgm:constrLst>
+                      <dgm:constr type="h" refType="w" op="equ" fact="0.8"/>
+                      <dgm:constr type="primFontSz" val="65"/>
+                      <dgm:constr type="tMarg" refType="primFontSz" fact="0.2"/>
+                      <dgm:constr type="bMarg" refType="primFontSz" fact="0.2"/>
+                      <dgm:constr type="lMarg" refType="w" fact="0.1"/>
+                      <dgm:constr type="rMarg" refType="w" fact="0.4"/>
+                    </dgm:constrLst>
+                  </dgm:if>
+                  <dgm:else name="Name11">
+                    <dgm:shape xmlns:r="http://schemas.openxmlformats.org/officeDocument/2006/relationships" type="chevron" r:blip="">
+                      <dgm:adjLst>
+                        <dgm:adj idx="1" val="0.25"/>
+                      </dgm:adjLst>
+                    </dgm:shape>
+                    <dgm:presOf axis="desOrSelf" ptType="node"/>
+                    <dgm:constrLst>
+                      <dgm:constr type="h" refType="w" op="equ" fact="0.8"/>
+                      <dgm:constr type="primFontSz" val="65"/>
+                      <dgm:constr type="tMarg" refType="primFontSz" fact="0.2"/>
+                      <dgm:constr type="bMarg" refType="primFontSz" fact="0.2"/>
+                      <dgm:constr type="lMarg" refType="w" fact="0.1"/>
+                      <dgm:constr type="rMarg" refType="w" fact="0.1"/>
+                    </dgm:constrLst>
+                  </dgm:else>
+                </dgm:choose>
+              </dgm:if>
+              <dgm:else name="Name12">
+                <dgm:choose name="Name13">
+                  <dgm:if name="Name14" axis="self" ptType="node" func="pos" op="equ" val="1">
+                    <dgm:shape xmlns:r="http://schemas.openxmlformats.org/officeDocument/2006/relationships" rot="180" type="homePlate" r:blip="">
+                      <dgm:adjLst>
+                        <dgm:adj idx="1" val="0.25"/>
+                      </dgm:adjLst>
+                    </dgm:shape>
+                    <dgm:presOf axis="desOrSelf" ptType="node"/>
+                    <dgm:constrLst>
+                      <dgm:constr type="h" refType="w" op="equ" fact="0.8"/>
+                      <dgm:constr type="primFontSz" val="65"/>
+                      <dgm:constr type="tMarg" refType="primFontSz" fact="0.2"/>
+                      <dgm:constr type="bMarg" refType="primFontSz" fact="0.2"/>
+                      <dgm:constr type="lMarg" refType="w" fact="0.4"/>
+                      <dgm:constr type="rMarg" refType="w" fact="0.1"/>
+                    </dgm:constrLst>
+                  </dgm:if>
+                  <dgm:else name="Name15">
+                    <dgm:shape xmlns:r="http://schemas.openxmlformats.org/officeDocument/2006/relationships" rot="180" type="chevron" r:blip="">
+                      <dgm:adjLst>
+                        <dgm:adj idx="1" val="0.25"/>
+                      </dgm:adjLst>
+                    </dgm:shape>
+                    <dgm:presOf axis="desOrSelf" ptType="node"/>
+                    <dgm:constrLst>
+                      <dgm:constr type="h" refType="w" op="equ" fact="0.8"/>
+                      <dgm:constr type="primFontSz" val="65"/>
+                      <dgm:constr type="tMarg" refType="primFontSz" fact="0.2"/>
+                      <dgm:constr type="bMarg" refType="primFontSz" fact="0.2"/>
+                      <dgm:constr type="lMarg" refType="w" fact="0.1"/>
+                      <dgm:constr type="rMarg" refType="w" fact="0.1"/>
+                    </dgm:constrLst>
+                  </dgm:else>
+                </dgm:choose>
+              </dgm:else>
+            </dgm:choose>
+            <dgm:ruleLst>
+              <dgm:rule type="primFontSz" val="5" fact="NaN" max="NaN"/>
+            </dgm:ruleLst>
+          </dgm:layoutNode>
+          <dgm:forEach name="Name16" axis="followSib" ptType="sibTrans" cnt="1">
+            <dgm:layoutNode name="parAndChSpace">
+              <dgm:alg type="sp"/>
+              <dgm:shape xmlns:r="http://schemas.openxmlformats.org/officeDocument/2006/relationships" r:blip="">
+                <dgm:adjLst/>
+              </dgm:shape>
+              <dgm:presOf/>
+              <dgm:constrLst/>
+              <dgm:ruleLst/>
+            </dgm:layoutNode>
+          </dgm:forEach>
+        </dgm:forEach>
+      </dgm:if>
+      <dgm:else name="Name17">
+        <dgm:constrLst>
+          <dgm:constr type="w" for="ch" forName="parTxOnly" refType="w"/>
+          <dgm:constr type="primFontSz" for="ch" ptType="node" op="equ"/>
+          <dgm:constr type="w" for="ch" forName="parSpace" refType="w" refFor="ch" refForName="parTxOnly" fact="-0.2"/>
+          <dgm:constr type="w" for="ch" ptType="sibTrans" op="equ"/>
+        </dgm:constrLst>
+        <dgm:ruleLst/>
+        <dgm:forEach name="Name18" axis="ch" ptType="node">
+          <dgm:layoutNode name="parTxOnly">
+            <dgm:varLst>
+              <dgm:bulletEnabled val="1"/>
+            </dgm:varLst>
+            <dgm:alg type="tx"/>
+            <dgm:presOf axis="desOrSelf" ptType="node"/>
+            <dgm:choose name="Name19">
+              <dgm:if name="Name20" func="var" arg="dir" op="equ" val="norm">
+                <dgm:choose name="Name21">
+                  <dgm:if name="Name22" axis="self" ptType="node" func="pos" op="equ" val="1">
+                    <dgm:shape xmlns:r="http://schemas.openxmlformats.org/officeDocument/2006/relationships" type="homePlate" r:blip="">
+                      <dgm:adjLst/>
+                    </dgm:shape>
+                    <dgm:constrLst>
+                      <dgm:constr type="h" refType="w" op="equ" fact="0.4"/>
+                      <dgm:constr type="primFontSz" val="65"/>
+                      <dgm:constr type="tMarg" refType="primFontSz" fact="0.21"/>
+                      <dgm:constr type="bMarg" refType="primFontSz" fact="0.21"/>
+                      <dgm:constr type="lMarg" refType="primFontSz" fact="0.42"/>
+                      <dgm:constr type="rMarg" refType="primFontSz" fact="0.105"/>
+                    </dgm:constrLst>
+                  </dgm:if>
+                  <dgm:else name="Name23">
+                    <dgm:shape xmlns:r="http://schemas.openxmlformats.org/officeDocument/2006/relationships" type="chevron" r:blip="">
+                      <dgm:adjLst/>
+                    </dgm:shape>
+                    <dgm:constrLst>
+                      <dgm:constr type="h" refType="w" op="equ" fact="0.4"/>
+                      <dgm:constr type="primFontSz" val="65"/>
+                      <dgm:constr type="tMarg" refType="primFontSz" fact="0.21"/>
+                      <dgm:constr type="bMarg" refType="primFontSz" fact="0.21"/>
+                      <dgm:constr type="lMarg" refType="primFontSz" fact="0.315"/>
+                      <dgm:constr type="rMarg" refType="primFontSz" fact="0.105"/>
+                    </dgm:constrLst>
+                  </dgm:else>
+                </dgm:choose>
+              </dgm:if>
+              <dgm:else name="Name24">
+                <dgm:choose name="Name25">
+                  <dgm:if name="Name26" axis="self" ptType="node" func="pos" op="equ" val="1">
+                    <dgm:shape xmlns:r="http://schemas.openxmlformats.org/officeDocument/2006/relationships" rot="180" type="homePlate" r:blip="">
+                      <dgm:adjLst/>
+                    </dgm:shape>
+                    <dgm:constrLst>
+                      <dgm:constr type="h" refType="w" op="equ" fact="0.4"/>
+                      <dgm:constr type="primFontSz" val="65"/>
+                      <dgm:constr type="tMarg" refType="primFontSz" fact="0.21"/>
+                      <dgm:constr type="bMarg" refType="primFontSz" fact="0.21"/>
+                      <dgm:constr type="lMarg" refType="primFontSz" fact="0.105"/>
+                      <dgm:constr type="rMarg" refType="primFontSz" fact="0.42"/>
+                    </dgm:constrLst>
+                  </dgm:if>
+                  <dgm:else name="Name27">
+                    <dgm:shape xmlns:r="http://schemas.openxmlformats.org/officeDocument/2006/relationships" rot="180" type="chevron" r:blip="">
+                      <dgm:adjLst/>
+                    </dgm:shape>
+                    <dgm:constrLst>
+                      <dgm:constr type="h" refType="w" op="equ" fact="0.4"/>
+                      <dgm:constr type="primFontSz" val="65"/>
+                      <dgm:constr type="tMarg" refType="primFontSz" fact="0.21"/>
+                      <dgm:constr type="bMarg" refType="primFontSz" fact="0.21"/>
+                      <dgm:constr type="lMarg" refType="primFontSz" fact="0.105"/>
+                      <dgm:constr type="rMarg" refType="primFontSz" fact="0.315"/>
+                    </dgm:constrLst>
+                  </dgm:else>
+                </dgm:choose>
+              </dgm:else>
+            </dgm:choose>
+            <dgm:ruleLst>
+              <dgm:rule type="primFontSz" val="5" fact="NaN" max="NaN"/>
+            </dgm:ruleLst>
+          </dgm:layoutNode>
+          <dgm:forEach name="Name28" axis="followSib" ptType="sibTrans" cnt="1">
+            <dgm:layoutNode name="parSpace">
+              <dgm:alg type="sp"/>
+              <dgm:shape xmlns:r="http://schemas.openxmlformats.org/officeDocument/2006/relationships" r:blip="">
+                <dgm:adjLst/>
+              </dgm:shape>
+              <dgm:presOf/>
+              <dgm:constrLst/>
+              <dgm:ruleLst/>
+            </dgm:layoutNode>
+          </dgm:forEach>
+        </dgm:forEach>
+      </dgm:else>
+    </dgm:choose>
+  </dgm:layoutNode>
+</dgm:layoutDef>
+</file>
+
+<file path=ppt/diagrams/quickStyle1.xml><?xml version="1.0" encoding="utf-8"?>
+<dgm:styleDef xmlns:dgm="http://schemas.openxmlformats.org/drawingml/2006/diagram" xmlns:a="http://schemas.openxmlformats.org/drawingml/2006/main" uniqueId="urn:microsoft.com/office/officeart/2005/8/quickstyle/simple3">
+  <dgm:title val=""/>
+  <dgm:desc val=""/>
+  <dgm:catLst>
+    <dgm:cat type="simple" pri="10300"/>
+  </dgm:catLst>
+  <dgm:scene3d>
+    <a:camera prst="orthographicFront"/>
+    <a:lightRig rig="threePt" dir="t"/>
+  </dgm:scene3d>
+  <dgm:styleLbl name="node0">
+    <dgm:scene3d>
+      <a:camera prst="orthographicFront"/>
+      <a:lightRig rig="flat" dir="t"/>
+    </dgm:scene3d>
+    <dgm:sp3d prstMaterial="dkEdge">
+      <a:bevelT w="8200" h="38100"/>
+    </dgm:sp3d>
+    <dgm:txPr/>
+    <dgm:style>
+      <a:lnRef idx="0">
+        <a:scrgbClr r="0" g="0" b="0"/>
+      </a:lnRef>
+      <a:fillRef idx="2">
+        <a:scrgbClr r="0" g="0" b="0"/>
+      </a:fillRef>
+      <a:effectRef idx="1">
+        <a:scrgbClr r="0" g="0" b="0"/>
+      </a:effectRef>
+      <a:fontRef idx="minor">
+        <a:schemeClr val="dk1"/>
+      </a:fontRef>
+    </dgm:style>
+  </dgm:styleLbl>
+  <dgm:styleLbl name="lnNode1">
+    <dgm:scene3d>
+      <a:camera prst="orthographicFront"/>
+      <a:lightRig rig="flat" dir="t"/>
+    </dgm:scene3d>
+    <dgm:sp3d prstMaterial="dkEdge">
+      <a:bevelT w="8200" h="38100"/>
+    </dgm:sp3d>
+    <dgm:txPr/>
+    <dgm:style>
+      <a:lnRef idx="1">
+        <a:scrgbClr r="0" g="0" b="0"/>
+      </a:lnRef>
+      <a:fillRef idx="2">
+        <a:scrgbClr r="0" g="0" b="0"/>
+      </a:fillRef>
+      <a:effectRef idx="0">
+        <a:scrgbClr r="0" g="0" b="0"/>
+      </a:effectRef>
+      <a:fontRef idx="minor">
+        <a:schemeClr val="dk1"/>
+      </a:fontRef>
+    </dgm:style>
+  </dgm:styleLbl>
+  <dgm:styleLbl name="vennNode1">
+    <dgm:scene3d>
+      <a:camera prst="orthographicFront"/>
+      <a:lightRig rig="flat" dir="t"/>
+    </dgm:scene3d>
+    <dgm:sp3d prstMaterial="dkEdge">
+      <a:bevelT w="8200" h="38100"/>
+    </dgm:sp3d>
+    <dgm:txPr/>
+    <dgm:style>
+      <a:lnRef idx="0">
+        <a:scrgbClr r="0" g="0" b="0"/>
+      </a:lnRef>
+      <a:fillRef idx="2">
+        <a:scrgbClr r="0" g="0" b="0"/>
+      </a:fillRef>
+      <a:effectRef idx="0">
+        <a:scrgbClr r="0" g="0" b="0"/>
+      </a:effectRef>
+      <a:fontRef idx="minor">
+        <a:schemeClr val="tx1"/>
+      </a:fontRef>
+    </dgm:style>
+  </dgm:styleLbl>
+  <dgm:styleLbl name="alignNode1">
+    <dgm:scene3d>
+      <a:camera prst="orthographicFront"/>
+      <a:lightRig rig="threePt" dir="t"/>
+    </dgm:scene3d>
+    <dgm:sp3d/>
+    <dgm:txPr/>
+    <dgm:style>
+      <a:lnRef idx="1">
+        <a:scrgbClr r="0" g="0" b="0"/>
+      </a:lnRef>
+      <a:fillRef idx="2">
+        <a:scrgbClr r="0" g="0" b="0"/>
+      </a:fillRef>
+      <a:effectRef idx="1">
+        <a:scrgbClr r="0" g="0" b="0"/>
+      </a:effectRef>
+      <a:fontRef idx="minor">
+        <a:schemeClr val="dk1"/>
+      </a:fontRef>
+    </dgm:style>
+  </dgm:styleLbl>
+  <dgm:styleLbl name="node1">
+    <dgm:scene3d>
+      <a:camera prst="orthographicFront"/>
+      <a:lightRig rig="flat" dir="t"/>
+    </dgm:scene3d>
+    <dgm:sp3d prstMaterial="dkEdge">
+      <a:bevelT w="8200" h="38100"/>
+    </dgm:sp3d>
+    <dgm:txPr/>
+    <dgm:style>
+      <a:lnRef idx="0">
+        <a:scrgbClr r="0" g="0" b="0"/>
+      </a:lnRef>
+      <a:fillRef idx="2">
+        <a:scrgbClr r="0" g="0" b="0"/>
+      </a:fillRef>
+      <a:effectRef idx="1">
+        <a:scrgbClr r="0" g="0" b="0"/>
+      </a:effectRef>
+      <a:fontRef idx="minor">
+        <a:schemeClr val="dk1"/>
+      </a:fontRef>
+    </dgm:style>
+  </dgm:styleLbl>
+  <dgm:styleLbl name="node2">
+    <dgm:scene3d>
+      <a:camera prst="orthographicFront"/>
+      <a:lightRig rig="flat" dir="t"/>
+    </dgm:scene3d>
+    <dgm:sp3d prstMaterial="dkEdge">
+      <a:bevelT w="8200" h="38100"/>
+    </dgm:sp3d>
+    <dgm:txPr/>
+    <dgm:style>
+      <a:lnRef idx="0">
+        <a:scrgbClr r="0" g="0" b="0"/>
+      </a:lnRef>
+      <a:fillRef idx="2">
+        <a:scrgbClr r="0" g="0" b="0"/>
+      </a:fillRef>
+      <a:effectRef idx="1">
+        <a:scrgbClr r="0" g="0" b="0"/>
+      </a:effectRef>
+      <a:fontRef idx="minor">
+        <a:schemeClr val="dk1"/>
+      </a:fontRef>
+    </dgm:style>
+  </dgm:styleLbl>
+  <dgm:styleLbl name="node3">
+    <dgm:scene3d>
+      <a:camera prst="orthographicFront"/>
+      <a:lightRig rig="flat" dir="t"/>
+    </dgm:scene3d>
+    <dgm:sp3d prstMaterial="dkEdge">
+      <a:bevelT w="8200" h="38100"/>
+    </dgm:sp3d>
+    <dgm:txPr/>
+    <dgm:style>
+      <a:lnRef idx="0">
+        <a:scrgbClr r="0" g="0" b="0"/>
+      </a:lnRef>
+      <a:fillRef idx="2">
+        <a:scrgbClr r="0" g="0" b="0"/>
+      </a:fillRef>
+      <a:effectRef idx="1">
+        <a:scrgbClr r="0" g="0" b="0"/>
+      </a:effectRef>
+      <a:fontRef idx="minor">
+        <a:schemeClr val="dk1"/>
+      </a:fontRef>
+    </dgm:style>
+  </dgm:styleLbl>
+  <dgm:styleLbl name="node4">
+    <dgm:scene3d>
+      <a:camera prst="orthographicFront"/>
+      <a:lightRig rig="flat" dir="t"/>
+    </dgm:scene3d>
+    <dgm:sp3d prstMaterial="dkEdge">
+      <a:bevelT w="8200" h="38100"/>
+    </dgm:sp3d>
+    <dgm:txPr/>
+    <dgm:style>
+      <a:lnRef idx="0">
+        <a:scrgbClr r="0" g="0" b="0"/>
+      </a:lnRef>
+      <a:fillRef idx="2">
+        <a:scrgbClr r="0" g="0" b="0"/>
+      </a:fillRef>
+      <a:effectRef idx="1">
+        <a:scrgbClr r="0" g="0" b="0"/>
+      </a:effectRef>
+      <a:fontRef idx="minor">
+        <a:schemeClr val="dk1"/>
+      </a:fontRef>
+    </dgm:style>
+  </dgm:styleLbl>
+  <dgm:styleLbl name="fgImgPlace1">
+    <dgm:scene3d>
+      <a:camera prst="orthographicFront"/>
+      <a:lightRig rig="threePt" dir="t"/>
+    </dgm:scene3d>
+    <dgm:sp3d/>
+    <dgm:txPr/>
+    <dgm:style>
+      <a:lnRef idx="1">
+        <a:scrgbClr r="0" g="0" b="0"/>
+      </a:lnRef>
+      <a:fillRef idx="1">
+        <a:scrgbClr r="0" g="0" b="0"/>
+      </a:fillRef>
+      <a:effectRef idx="1">
+        <a:scrgbClr r="0" g="0" b="0"/>
+      </a:effectRef>
+      <a:fontRef idx="minor"/>
+    </dgm:style>
+  </dgm:styleLbl>
+  <dgm:styleLbl name="alignImgPlace1">
+    <dgm:scene3d>
+      <a:camera prst="orthographicFront"/>
+      <a:lightRig rig="threePt" dir="t"/>
+    </dgm:scene3d>
+    <dgm:sp3d/>
+    <dgm:txPr/>
+    <dgm:style>
+      <a:lnRef idx="1">
+        <a:scrgbClr r="0" g="0" b="0"/>
+      </a:lnRef>
+      <a:fillRef idx="1">
+        <a:scrgbClr r="0" g="0" b="0"/>
+      </a:fillRef>
+      <a:effectRef idx="1">
+        <a:scrgbClr r="0" g="0" b="0"/>
+      </a:effectRef>
+      <a:fontRef idx="minor"/>
+    </dgm:style>
+  </dgm:styleLbl>
+  <dgm:styleLbl name="bgImgPlace1">
+    <dgm:scene3d>
+      <a:camera prst="orthographicFront"/>
+      <a:lightRig rig="threePt" dir="t"/>
+    </dgm:scene3d>
+    <dgm:sp3d/>
+    <dgm:txPr/>
+    <dgm:style>
+      <a:lnRef idx="1">
+        <a:scrgbClr r="0" g="0" b="0"/>
+      </a:lnRef>
+      <a:fillRef idx="1">
+        <a:scrgbClr r="0" g="0" b="0"/>
+      </a:fillRef>
+      <a:effectRef idx="1">
+        <a:scrgbClr r="0" g="0" b="0"/>
+      </a:effectRef>
+      <a:fontRef idx="minor"/>
+    </dgm:style>
+  </dgm:styleLbl>
+  <dgm:styleLbl name="sibTrans2D1">
+    <dgm:scene3d>
+      <a:camera prst="orthographicFront"/>
+      <a:lightRig rig="threePt" dir="t"/>
+    </dgm:scene3d>
+    <dgm:sp3d/>
+    <dgm:txPr/>
+    <dgm:style>
+      <a:lnRef idx="0">
+        <a:scrgbClr r="0" g="0" b="0"/>
+      </a:lnRef>
+      <a:fillRef idx="2">
+        <a:scrgbClr r="0" g="0" b="0"/>
+      </a:fillRef>
+      <a:effectRef idx="1">
+        <a:scrgbClr r="0" g="0" b="0"/>
+      </a:effectRef>
+      <a:fontRef idx="minor">
+        <a:schemeClr val="dk1"/>
+      </a:fontRef>
+    </dgm:style>
+  </dgm:styleLbl>
+  <dgm:styleLbl name="fgSibTrans2D1">
+    <dgm:scene3d>
+      <a:camera prst="orthographicFront"/>
+      <a:lightRig rig="threePt" dir="t"/>
+    </dgm:scene3d>
+    <dgm:sp3d/>
+    <dgm:txPr/>
+    <dgm:style>
+      <a:lnRef idx="0">
+        <a:scrgbClr r="0" g="0" b="0"/>
+      </a:lnRef>
+      <a:fillRef idx="2">
+        <a:scrgbClr r="0" g="0" b="0"/>
+      </a:fillRef>
+      <a:effectRef idx="1">
+        <a:scrgbClr r="0" g="0" b="0"/>
+      </a:effectRef>
+      <a:fontRef idx="minor">
+        <a:schemeClr val="dk1"/>
+      </a:fontRef>
+    </dgm:style>
+  </dgm:styleLbl>
+  <dgm:styleLbl name="bgSibTrans2D1">
+    <dgm:scene3d>
+      <a:camera prst="orthographicFront"/>
+      <a:lightRig rig="threePt" dir="t"/>
+    </dgm:scene3d>
+    <dgm:sp3d/>
+    <dgm:txPr/>
+    <dgm:style>
+      <a:lnRef idx="0">
+        <a:scrgbClr r="0" g="0" b="0"/>
+      </a:lnRef>
+      <a:fillRef idx="2">
+        <a:scrgbClr r="0" g="0" b="0"/>
+      </a:fillRef>
+      <a:effectRef idx="1">
+        <a:scrgbClr r="0" g="0" b="0"/>
+      </a:effectRef>
+      <a:fontRef idx="minor">
+        <a:schemeClr val="dk1"/>
+      </a:fontRef>
+    </dgm:style>
+  </dgm:styleLbl>
+  <dgm:styleLbl name="sibTrans1D1">
+    <dgm:scene3d>
+      <a:camera prst="orthographicFront"/>
+      <a:lightRig rig="threePt" dir="t"/>
+    </dgm:scene3d>
+    <dgm:sp3d/>
+    <dgm:txPr/>
+    <dgm:style>
+      <a:lnRef idx="1">
+        <a:scrgbClr r="0" g="0" b="0"/>
+      </a:lnRef>
+      <a:fillRef idx="0">
+        <a:scrgbClr r="0" g="0" b="0"/>
+      </a:fillRef>
+      <a:effectRef idx="0">
+        <a:scrgbClr r="0" g="0" b="0"/>
+      </a:effectRef>
+      <a:fontRef idx="minor"/>
+    </dgm:style>
+  </dgm:styleLbl>
+  <dgm:styleLbl name="callout">
+    <dgm:scene3d>
+      <a:camera prst="orthographicFront"/>
+      <a:lightRig rig="threePt" dir="t"/>
+    </dgm:scene3d>
+    <dgm:sp3d/>
+    <dgm:txPr/>
+    <dgm:style>
+      <a:lnRef idx="1">
+        <a:scrgbClr r="0" g="0" b="0"/>
+      </a:lnRef>
+      <a:fillRef idx="2">
+        <a:scrgbClr r="0" g="0" b="0"/>
+      </a:fillRef>
+      <a:effectRef idx="1">
+        <a:scrgbClr r="0" g="0" b="0"/>
+      </a:effectRef>
+      <a:fontRef idx="minor"/>
+    </dgm:style>
+  </dgm:styleLbl>
+  <dgm:styleLbl name="asst0">
+    <dgm:scene3d>
+      <a:camera prst="orthographicFront"/>
+      <a:lightRig rig="flat" dir="t"/>
+    </dgm:scene3d>
+    <dgm:sp3d prstMaterial="dkEdge">
+      <a:bevelT w="8200" h="38100"/>
+    </dgm:sp3d>
+    <dgm:txPr/>
+    <dgm:style>
+      <a:lnRef idx="0">
+        <a:scrgbClr r="0" g="0" b="0"/>
+      </a:lnRef>
+      <a:fillRef idx="2">
+        <a:scrgbClr r="0" g="0" b="0"/>
+      </a:fillRef>
+      <a:effectRef idx="1">
+        <a:scrgbClr r="0" g="0" b="0"/>
+      </a:effectRef>
+      <a:fontRef idx="minor">
+        <a:schemeClr val="dk1"/>
+      </a:fontRef>
+    </dgm:style>
+  </dgm:styleLbl>
+  <dgm:styleLbl name="asst1">
+    <dgm:scene3d>
+      <a:camera prst="orthographicFront"/>
+      <a:lightRig rig="flat" dir="t"/>
+    </dgm:scene3d>
+    <dgm:sp3d prstMaterial="dkEdge">
+      <a:bevelT w="8200" h="38100"/>
+    </dgm:sp3d>
+    <dgm:txPr/>
+    <dgm:style>
+      <a:lnRef idx="0">
+        <a:scrgbClr r="0" g="0" b="0"/>
+      </a:lnRef>
+      <a:fillRef idx="2">
+        <a:scrgbClr r="0" g="0" b="0"/>
+      </a:fillRef>
+      <a:effectRef idx="1">
+        <a:scrgbClr r="0" g="0" b="0"/>
+      </a:effectRef>
+      <a:fontRef idx="minor">
+        <a:schemeClr val="dk1"/>
+      </a:fontRef>
+    </dgm:style>
+  </dgm:styleLbl>
+  <dgm:styleLbl name="asst2">
+    <dgm:scene3d>
+      <a:camera prst="orthographicFront"/>
+      <a:lightRig rig="flat" dir="t"/>
+    </dgm:scene3d>
+    <dgm:sp3d prstMaterial="dkEdge">
+      <a:bevelT w="8200" h="38100"/>
+    </dgm:sp3d>
+    <dgm:txPr/>
+    <dgm:style>
+      <a:lnRef idx="0">
+        <a:scrgbClr r="0" g="0" b="0"/>
+      </a:lnRef>
+      <a:fillRef idx="2">
+        <a:scrgbClr r="0" g="0" b="0"/>
+      </a:fillRef>
+      <a:effectRef idx="1">
+        <a:scrgbClr r="0" g="0" b="0"/>
+      </a:effectRef>
+      <a:fontRef idx="minor">
+        <a:schemeClr val="dk1"/>
+      </a:fontRef>
+    </dgm:style>
+  </dgm:styleLbl>
+  <dgm:styleLbl name="asst3">
+    <dgm:scene3d>
+      <a:camera prst="orthographicFront"/>
+      <a:lightRig rig="flat" dir="t"/>
+    </dgm:scene3d>
+    <dgm:sp3d prstMaterial="dkEdge">
+      <a:bevelT w="8200" h="38100"/>
+    </dgm:sp3d>
+    <dgm:txPr/>
+    <dgm:style>
+      <a:lnRef idx="0">
+        <a:scrgbClr r="0" g="0" b="0"/>
+      </a:lnRef>
+      <a:fillRef idx="2">
+        <a:scrgbClr r="0" g="0" b="0"/>
+      </a:fillRef>
+      <a:effectRef idx="1">
+        <a:scrgbClr r="0" g="0" b="0"/>
+      </a:effectRef>
+      <a:fontRef idx="minor">
+        <a:schemeClr val="dk1"/>
+      </a:fontRef>
+    </dgm:style>
+  </dgm:styleLbl>
+  <dgm:styleLbl name="asst4">
+    <dgm:scene3d>
+      <a:camera prst="orthographicFront"/>
+      <a:lightRig rig="flat" dir="t"/>
+    </dgm:scene3d>
+    <dgm:sp3d prstMaterial="dkEdge">
+      <a:bevelT w="8200" h="38100"/>
+    </dgm:sp3d>
+    <dgm:txPr/>
+    <dgm:style>
+      <a:lnRef idx="0">
+        <a:scrgbClr r="0" g="0" b="0"/>
+      </a:lnRef>
+      <a:fillRef idx="2">
+        <a:scrgbClr r="0" g="0" b="0"/>
+      </a:fillRef>
+      <a:effectRef idx="1">
+        <a:scrgbClr r="0" g="0" b="0"/>
+      </a:effectRef>
+      <a:fontRef idx="minor">
+        <a:schemeClr val="dk1"/>
+      </a:fontRef>
+    </dgm:style>
+  </dgm:styleLbl>
+  <dgm:styleLbl name="parChTrans2D1">
+    <dgm:scene3d>
+      <a:camera prst="orthographicFront"/>
+      <a:lightRig rig="threePt" dir="t"/>
+    </dgm:scene3d>
+    <dgm:sp3d/>
+    <dgm:txPr/>
+    <dgm:style>
+      <a:lnRef idx="1">
+        <a:scrgbClr r="0" g="0" b="0"/>
+      </a:lnRef>
+      <a:fillRef idx="2">
+        <a:scrgbClr r="0" g="0" b="0"/>
+      </a:fillRef>
+      <a:effectRef idx="1">
+        <a:scrgbClr r="0" g="0" b="0"/>
+      </a:effectRef>
+      <a:fontRef idx="minor">
+        <a:schemeClr val="dk1"/>
+      </a:fontRef>
+    </dgm:style>
+  </dgm:styleLbl>
+  <dgm:styleLbl name="parChTrans2D2">
+    <dgm:scene3d>
+      <a:camera prst="orthographicFront"/>
+      <a:lightRig rig="threePt" dir="t"/>
+    </dgm:scene3d>
+    <dgm:sp3d/>
+    <dgm:txPr/>
+    <dgm:style>
+      <a:lnRef idx="1">
+        <a:scrgbClr r="0" g="0" b="0"/>
+      </a:lnRef>
+      <a:fillRef idx="2">
+        <a:scrgbClr r="0" g="0" b="0"/>
+      </a:fillRef>
+      <a:effectRef idx="1">
+        <a:scrgbClr r="0" g="0" b="0"/>
+      </a:effectRef>
+      <a:fontRef idx="minor">
+        <a:schemeClr val="dk1"/>
+      </a:fontRef>
+    </dgm:style>
+  </dgm:styleLbl>
+  <dgm:styleLbl name="parChTrans2D3">
+    <dgm:scene3d>
+      <a:camera prst="orthographicFront"/>
+      <a:lightRig rig="threePt" dir="t"/>
+    </dgm:scene3d>
+    <dgm:sp3d/>
+    <dgm:txPr/>
+    <dgm:style>
+      <a:lnRef idx="1">
+        <a:scrgbClr r="0" g="0" b="0"/>
+      </a:lnRef>
+      <a:fillRef idx="2">
+        <a:scrgbClr r="0" g="0" b="0"/>
+      </a:fillRef>
+      <a:effectRef idx="1">
+        <a:scrgbClr r="0" g="0" b="0"/>
+      </a:effectRef>
+      <a:fontRef idx="minor">
+        <a:schemeClr val="dk1"/>
+      </a:fontRef>
+    </dgm:style>
+  </dgm:styleLbl>
+  <dgm:styleLbl name="parChTrans2D4">
+    <dgm:scene3d>
+      <a:camera prst="orthographicFront"/>
+      <a:lightRig rig="threePt" dir="t"/>
+    </dgm:scene3d>
+    <dgm:sp3d/>
+    <dgm:txPr/>
+    <dgm:style>
+      <a:lnRef idx="1">
+        <a:scrgbClr r="0" g="0" b="0"/>
+      </a:lnRef>
+      <a:fillRef idx="2">
+        <a:scrgbClr r="0" g="0" b="0"/>
+      </a:fillRef>
+      <a:effectRef idx="1">
+        <a:scrgbClr r="0" g="0" b="0"/>
+      </a:effectRef>
+      <a:fontRef idx="minor">
+        <a:schemeClr val="dk1"/>
+      </a:fontRef>
+    </dgm:style>
+  </dgm:styleLbl>
+  <dgm:styleLbl name="parChTrans1D1">
+    <dgm:scene3d>
+      <a:camera prst="orthographicFront"/>
+      <a:lightRig rig="threePt" dir="t"/>
+    </dgm:scene3d>
+    <dgm:sp3d/>
+    <dgm:txPr/>
+    <dgm:style>
+      <a:lnRef idx="2">
+        <a:scrgbClr r="0" g="0" b="0"/>
+      </a:lnRef>
+      <a:fillRef idx="0">
+        <a:scrgbClr r="0" g="0" b="0"/>
+      </a:fillRef>
+      <a:effectRef idx="0">
+        <a:scrgbClr r="0" g="0" b="0"/>
+      </a:effectRef>
+      <a:fontRef idx="minor"/>
+    </dgm:style>
+  </dgm:styleLbl>
+  <dgm:styleLbl name="parChTrans1D2">
+    <dgm:scene3d>
+      <a:camera prst="orthographicFront"/>
+      <a:lightRig rig="threePt" dir="t"/>
+    </dgm:scene3d>
+    <dgm:sp3d/>
+    <dgm:txPr/>
+    <dgm:style>
+      <a:lnRef idx="2">
+        <a:scrgbClr r="0" g="0" b="0"/>
+      </a:lnRef>
+      <a:fillRef idx="0">
+        <a:scrgbClr r="0" g="0" b="0"/>
+      </a:fillRef>
+      <a:effectRef idx="0">
+        <a:scrgbClr r="0" g="0" b="0"/>
+      </a:effectRef>
+      <a:fontRef idx="minor"/>
+    </dgm:style>
+  </dgm:styleLbl>
+  <dgm:styleLbl name="parChTrans1D3">
+    <dgm:scene3d>
+      <a:camera prst="orthographicFront"/>
+      <a:lightRig rig="threePt" dir="t"/>
+    </dgm:scene3d>
+    <dgm:sp3d/>
+    <dgm:txPr/>
+    <dgm:style>
+      <a:lnRef idx="2">
+        <a:scrgbClr r="0" g="0" b="0"/>
+      </a:lnRef>
+      <a:fillRef idx="0">
+        <a:scrgbClr r="0" g="0" b="0"/>
+      </a:fillRef>
+      <a:effectRef idx="0">
+        <a:scrgbClr r="0" g="0" b="0"/>
+      </a:effectRef>
+      <a:fontRef idx="minor"/>
+    </dgm:style>
+  </dgm:styleLbl>
+  <dgm:styleLbl name="parChTrans1D4">
+    <dgm:scene3d>
+      <a:camera prst="orthographicFront"/>
+      <a:lightRig rig="threePt" dir="t"/>
+    </dgm:scene3d>
+    <dgm:sp3d/>
+    <dgm:txPr/>
+    <dgm:style>
+      <a:lnRef idx="2">
+        <a:scrgbClr r="0" g="0" b="0"/>
+      </a:lnRef>
+      <a:fillRef idx="0">
+        <a:scrgbClr r="0" g="0" b="0"/>
+      </a:fillRef>
+      <a:effectRef idx="0">
+        <a:scrgbClr r="0" g="0" b="0"/>
+      </a:effectRef>
+      <a:fontRef idx="minor"/>
+    </dgm:style>
+  </dgm:styleLbl>
+  <dgm:styleLbl name="fgAcc1">
+    <dgm:scene3d>
+      <a:camera prst="orthographicFront"/>
+      <a:lightRig rig="threePt" dir="t"/>
+    </dgm:scene3d>
+    <dgm:sp3d/>
+    <dgm:txPr/>
+    <dgm:style>
+      <a:lnRef idx="1">
+        <a:scrgbClr r="0" g="0" b="0"/>
+      </a:lnRef>
+      <a:fillRef idx="1">
+        <a:scrgbClr r="0" g="0" b="0"/>
+      </a:fillRef>
+      <a:effectRef idx="0">
+        <a:scrgbClr r="0" g="0" b="0"/>
+      </a:effectRef>
+      <a:fontRef idx="minor"/>
+    </dgm:style>
+  </dgm:styleLbl>
+  <dgm:styleLbl name="conFgAcc1">
+    <dgm:scene3d>
+      <a:camera prst="orthographicFront"/>
+      <a:lightRig rig="threePt" dir="t"/>
+    </dgm:scene3d>
+    <dgm:sp3d/>
+    <dgm:txPr/>
+    <dgm:style>
+      <a:lnRef idx="1">
+        <a:scrgbClr r="0" g="0" b="0"/>
+      </a:lnRef>
+      <a:fillRef idx="1">
+        <a:scrgbClr r="0" g="0" b="0"/>
+      </a:fillRef>
+      <a:effectRef idx="0">
+        <a:scrgbClr r="0" g="0" b="0"/>
+      </a:effectRef>
+      <a:fontRef idx="minor"/>
+    </dgm:style>
+  </dgm:styleLbl>
+  <dgm:styleLbl name="alignAcc1">
+    <dgm:scene3d>
+      <a:camera prst="orthographicFront"/>
+      <a:lightRig rig="threePt" dir="t"/>
+    </dgm:scene3d>
+    <dgm:sp3d/>
+    <dgm:txPr/>
+    <dgm:style>
+      <a:lnRef idx="1">
+        <a:scrgbClr r="0" g="0" b="0"/>
+      </a:lnRef>
+      <a:fillRef idx="1">
+        <a:scrgbClr r="0" g="0" b="0"/>
+      </a:fillRef>
+      <a:effectRef idx="0">
+        <a:scrgbClr r="0" g="0" b="0"/>
+      </a:effectRef>
+      <a:fontRef idx="minor"/>
+    </dgm:style>
+  </dgm:styleLbl>
+  <dgm:styleLbl name="trAlignAcc1">
+    <dgm:scene3d>
+      <a:camera prst="orthographicFront"/>
+      <a:lightRig rig="threePt" dir="t"/>
+    </dgm:scene3d>
+    <dgm:sp3d/>
+    <dgm:txPr/>
+    <dgm:style>
+      <a:lnRef idx="1">
+        <a:scrgbClr r="0" g="0" b="0"/>
+      </a:lnRef>
+      <a:fillRef idx="1">
+        <a:scrgbClr r="0" g="0" b="0"/>
+      </a:fillRef>
+      <a:effectRef idx="0">
+        <a:scrgbClr r="0" g="0" b="0"/>
+      </a:effectRef>
+      <a:fontRef idx="minor"/>
+    </dgm:style>
+  </dgm:styleLbl>
+  <dgm:styleLbl name="bgAcc1">
+    <dgm:scene3d>
+      <a:camera prst="orthographicFront"/>
+      <a:lightRig rig="threePt" dir="t"/>
+    </dgm:scene3d>
+    <dgm:sp3d/>
+    <dgm:txPr/>
+    <dgm:style>
+      <a:lnRef idx="1">
+        <a:scrgbClr r="0" g="0" b="0"/>
+      </a:lnRef>
+      <a:fillRef idx="1">
+        <a:scrgbClr r="0" g="0" b="0"/>
+      </a:fillRef>
+      <a:effectRef idx="0">
+        <a:scrgbClr r="0" g="0" b="0"/>
+      </a:effectRef>
+      <a:fontRef idx="minor"/>
+    </dgm:style>
+  </dgm:styleLbl>
+  <dgm:styleLbl name="solidFgAcc1">
+    <dgm:scene3d>
+      <a:camera prst="orthographicFront"/>
+      <a:lightRig rig="threePt" dir="t"/>
+    </dgm:scene3d>
+    <dgm:sp3d/>
+    <dgm:txPr/>
+    <dgm:style>
+      <a:lnRef idx="1">
+        <a:scrgbClr r="0" g="0" b="0"/>
+      </a:lnRef>
+      <a:fillRef idx="2">
+        <a:scrgbClr r="0" g="0" b="0"/>
+      </a:fillRef>
+      <a:effectRef idx="0">
+        <a:scrgbClr r="0" g="0" b="0"/>
+      </a:effectRef>
+      <a:fontRef idx="minor"/>
+    </dgm:style>
+  </dgm:styleLbl>
+  <dgm:styleLbl name="solidAlignAcc1">
+    <dgm:scene3d>
+      <a:camera prst="orthographicFront"/>
+      <a:lightRig rig="threePt" dir="t"/>
+    </dgm:scene3d>
+    <dgm:sp3d/>
+    <dgm:txPr/>
+    <dgm:style>
+      <a:lnRef idx="1">
+        <a:scrgbClr r="0" g="0" b="0"/>
+      </a:lnRef>
+      <a:fillRef idx="1">
+        <a:scrgbClr r="0" g="0" b="0"/>
+      </a:fillRef>
+      <a:effectRef idx="0">
+        <a:scrgbClr r="0" g="0" b="0"/>
+      </a:effectRef>
+      <a:fontRef idx="minor"/>
+    </dgm:style>
+  </dgm:styleLbl>
+  <dgm:styleLbl name="solidBgAcc1">
+    <dgm:scene3d>
+      <a:camera prst="orthographicFront"/>
+      <a:lightRig rig="threePt" dir="t"/>
+    </dgm:scene3d>
+    <dgm:sp3d/>
+    <dgm:txPr/>
+    <dgm:style>
+      <a:lnRef idx="1">
+        <a:scrgbClr r="0" g="0" b="0"/>
+      </a:lnRef>
+      <a:fillRef idx="1">
+        <a:scrgbClr r="0" g="0" b="0"/>
+      </a:fillRef>
+      <a:effectRef idx="0">
+        <a:scrgbClr r="0" g="0" b="0"/>
+      </a:effectRef>
+      <a:fontRef idx="minor"/>
+    </dgm:style>
+  </dgm:styleLbl>
+  <dgm:styleLbl name="fgAccFollowNode1">
+    <dgm:scene3d>
+      <a:camera prst="orthographicFront"/>
+      <a:lightRig rig="threePt" dir="t"/>
+    </dgm:scene3d>
+    <dgm:sp3d/>
+    <dgm:txPr/>
+    <dgm:style>
+      <a:lnRef idx="1">
+        <a:scrgbClr r="0" g="0" b="0"/>
+      </a:lnRef>
+      <a:fillRef idx="1">
+        <a:scrgbClr r="0" g="0" b="0"/>
+      </a:fillRef>
+      <a:effectRef idx="0">
+        <a:scrgbClr r="0" g="0" b="0"/>
+      </a:effectRef>
+      <a:fontRef idx="minor"/>
+    </dgm:style>
+  </dgm:styleLbl>
+  <dgm:styleLbl name="alignAccFollowNode1">
+    <dgm:scene3d>
+      <a:camera prst="orthographicFront"/>
+      <a:lightRig rig="threePt" dir="t"/>
+    </dgm:scene3d>
+    <dgm:sp3d/>
+    <dgm:txPr/>
+    <dgm:style>
+      <a:lnRef idx="1">
+        <a:scrgbClr r="0" g="0" b="0"/>
+      </a:lnRef>
+      <a:fillRef idx="1">
+        <a:scrgbClr r="0" g="0" b="0"/>
+      </a:fillRef>
+      <a:effectRef idx="0">
+        <a:scrgbClr r="0" g="0" b="0"/>
+      </a:effectRef>
+      <a:fontRef idx="minor"/>
+    </dgm:style>
+  </dgm:styleLbl>
+  <dgm:styleLbl name="bgAccFollowNode1">
+    <dgm:scene3d>
+      <a:camera prst="orthographicFront"/>
+      <a:lightRig rig="threePt" dir="t"/>
+    </dgm:scene3d>
+    <dgm:sp3d/>
+    <dgm:txPr/>
+    <dgm:style>
+      <a:lnRef idx="1">
+        <a:scrgbClr r="0" g="0" b="0"/>
+      </a:lnRef>
+      <a:fillRef idx="1">
+        <a:scrgbClr r="0" g="0" b="0"/>
+      </a:fillRef>
+      <a:effectRef idx="0">
+        <a:scrgbClr r="0" g="0" b="0"/>
+      </a:effectRef>
+      <a:fontRef idx="minor"/>
+    </dgm:style>
+  </dgm:styleLbl>
+  <dgm:styleLbl name="fgAcc0">
+    <dgm:scene3d>
+      <a:camera prst="orthographicFront"/>
+      <a:lightRig rig="threePt" dir="t"/>
+    </dgm:scene3d>
+    <dgm:sp3d/>
+    <dgm:txPr/>
+    <dgm:style>
+      <a:lnRef idx="1">
+        <a:scrgbClr r="0" g="0" b="0"/>
+      </a:lnRef>
+      <a:fillRef idx="1">
+        <a:scrgbClr r="0" g="0" b="0"/>
+      </a:fillRef>
+      <a:effectRef idx="0">
+        <a:scrgbClr r="0" g="0" b="0"/>
+      </a:effectRef>
+      <a:fontRef idx="minor"/>
+    </dgm:style>
+  </dgm:styleLbl>
+  <dgm:styleLbl name="fgAcc2">
+    <dgm:scene3d>
+      <a:camera prst="orthographicFront"/>
+      <a:lightRig rig="threePt" dir="t"/>
+    </dgm:scene3d>
+    <dgm:sp3d/>
+    <dgm:txPr/>
+    <dgm:style>
+      <a:lnRef idx="1">
+        <a:scrgbClr r="0" g="0" b="0"/>
+      </a:lnRef>
+      <a:fillRef idx="1">
+        <a:scrgbClr r="0" g="0" b="0"/>
+      </a:fillRef>
+      <a:effectRef idx="0">
+        <a:scrgbClr r="0" g="0" b="0"/>
+      </a:effectRef>
+      <a:fontRef idx="minor"/>
+    </dgm:style>
+  </dgm:styleLbl>
+  <dgm:styleLbl name="fgAcc3">
+    <dgm:scene3d>
+      <a:camera prst="orthographicFront"/>
+      <a:lightRig rig="threePt" dir="t"/>
+    </dgm:scene3d>
+    <dgm:sp3d/>
+    <dgm:txPr/>
+    <dgm:style>
+      <a:lnRef idx="1">
+        <a:scrgbClr r="0" g="0" b="0"/>
+      </a:lnRef>
+      <a:fillRef idx="1">
+        <a:scrgbClr r="0" g="0" b="0"/>
+      </a:fillRef>
+      <a:effectRef idx="0">
+        <a:scrgbClr r="0" g="0" b="0"/>
+      </a:effectRef>
+      <a:fontRef idx="minor"/>
+    </dgm:style>
+  </dgm:styleLbl>
+  <dgm:styleLbl name="fgAcc4">
+    <dgm:scene3d>
+      <a:camera prst="orthographicFront"/>
+      <a:lightRig rig="threePt" dir="t"/>
+    </dgm:scene3d>
+    <dgm:sp3d/>
+    <dgm:txPr/>
+    <dgm:style>
+      <a:lnRef idx="1">
+        <a:scrgbClr r="0" g="0" b="0"/>
+      </a:lnRef>
+      <a:fillRef idx="1">
+        <a:scrgbClr r="0" g="0" b="0"/>
+      </a:fillRef>
+      <a:effectRef idx="0">
+        <a:scrgbClr r="0" g="0" b="0"/>
+      </a:effectRef>
+      <a:fontRef idx="minor"/>
+    </dgm:style>
+  </dgm:styleLbl>
+  <dgm:styleLbl name="bgShp">
+    <dgm:scene3d>
+      <a:camera prst="orthographicFront"/>
+      <a:lightRig rig="threePt" dir="t"/>
+    </dgm:scene3d>
+    <dgm:sp3d/>
+    <dgm:txPr/>
+    <dgm:style>
+      <a:lnRef idx="0">
+        <a:scrgbClr r="0" g="0" b="0"/>
+      </a:lnRef>
+      <a:fillRef idx="1">
+        <a:scrgbClr r="0" g="0" b="0"/>
+      </a:fillRef>
+      <a:effectRef idx="1">
+        <a:scrgbClr r="0" g="0" b="0"/>
+      </a:effectRef>
+      <a:fontRef idx="minor"/>
+    </dgm:style>
+  </dgm:styleLbl>
+  <dgm:styleLbl name="dkBgShp">
+    <dgm:scene3d>
+      <a:camera prst="orthographicFront"/>
+      <a:lightRig rig="threePt" dir="t"/>
+    </dgm:scene3d>
+    <dgm:sp3d/>
+    <dgm:txPr/>
+    <dgm:style>
+      <a:lnRef idx="0">
+        <a:scrgbClr r="0" g="0" b="0"/>
+      </a:lnRef>
+      <a:fillRef idx="1">
+        <a:scrgbClr r="0" g="0" b="0"/>
+      </a:fillRef>
+      <a:effectRef idx="1">
+        <a:scrgbClr r="0" g="0" b="0"/>
+      </a:effectRef>
+      <a:fontRef idx="minor"/>
+    </dgm:style>
+  </dgm:styleLbl>
+  <dgm:styleLbl name="trBgShp">
+    <dgm:scene3d>
+      <a:camera prst="orthographicFront"/>
+      <a:lightRig rig="threePt" dir="t"/>
+    </dgm:scene3d>
+    <dgm:sp3d/>
+    <dgm:txPr/>
+    <dgm:style>
+      <a:lnRef idx="0">
+        <a:scrgbClr r="0" g="0" b="0"/>
+      </a:lnRef>
+      <a:fillRef idx="1">
+        <a:scrgbClr r="0" g="0" b="0"/>
+      </a:fillRef>
+      <a:effectRef idx="0">
+        <a:scrgbClr r="0" g="0" b="0"/>
+      </a:effectRef>
+      <a:fontRef idx="minor"/>
+    </dgm:style>
+  </dgm:styleLbl>
+  <dgm:styleLbl name="fgShp">
+    <dgm:scene3d>
+      <a:camera prst="orthographicFront"/>
+      <a:lightRig rig="flat" dir="t"/>
+    </dgm:scene3d>
+    <dgm:sp3d prstMaterial="dkEdge">
+      <a:bevelT w="8200" h="38100"/>
+    </dgm:sp3d>
+    <dgm:txPr/>
+    <dgm:style>
+      <a:lnRef idx="1">
+        <a:scrgbClr r="0" g="0" b="0"/>
+      </a:lnRef>
+      <a:fillRef idx="2">
+        <a:scrgbClr r="0" g="0" b="0"/>
+      </a:fillRef>
+      <a:effectRef idx="1">
+        <a:scrgbClr r="0" g="0" b="0"/>
+      </a:effectRef>
+      <a:fontRef idx="minor"/>
+    </dgm:style>
+  </dgm:styleLbl>
+  <dgm:styleLbl name="revTx">
+    <dgm:scene3d>
+      <a:camera prst="orthographicFront"/>
+      <a:lightRig rig="threePt" dir="t"/>
+    </dgm:scene3d>
+    <dgm:sp3d/>
+    <dgm:txPr/>
+    <dgm:style>
+      <a:lnRef idx="0">
+        <a:scrgbClr r="0" g="0" b="0"/>
+      </a:lnRef>
+      <a:fillRef idx="0">
+        <a:scrgbClr r="0" g="0" b="0"/>
+      </a:fillRef>
+      <a:effectRef idx="0">
+        <a:scrgbClr r="0" g="0" b="0"/>
+      </a:effectRef>
+      <a:fontRef idx="minor"/>
+    </dgm:style>
+  </dgm:styleLbl>
+</dgm:styleDef>
 </file>
 
 <file path=ppt/slideLayouts/slideLayout1.xml><?xml version="1.0" encoding="utf-8"?>
@@ -3350,6 +6240,412 @@
           <a:chExt cx="0" cy="0"/>
         </a:xfrm>
       </p:grpSpPr>
+      <p:sp>
+        <p:nvSpPr>
+          <p:cNvPr id="2" name="矩形 1"/>
+          <p:cNvSpPr/>
+          <p:nvPr/>
+        </p:nvSpPr>
+        <p:spPr>
+          <a:xfrm>
+            <a:off x="544504" y="295083"/>
+            <a:ext cx="4407741" cy="584775"/>
+          </a:xfrm>
+          <a:prstGeom prst="rect">
+            <a:avLst/>
+          </a:prstGeom>
+        </p:spPr>
+        <p:txBody>
+          <a:bodyPr wrap="square">
+            <a:spAutoFit/>
+          </a:bodyPr>
+          <a:lstStyle/>
+          <a:p>
+            <a:r>
+              <a:rPr lang="zh-CN" altLang="en-US" sz="3200" b="1" dirty="0" smtClean="0">
+                <a:solidFill>
+                  <a:srgbClr val="0070C0"/>
+                </a:solidFill>
+                <a:latin typeface="黑体" panose="02010609060101010101" pitchFamily="49" charset="-122"/>
+                <a:ea typeface="黑体" panose="02010609060101010101" pitchFamily="49" charset="-122"/>
+              </a:rPr>
+              <a:t>合并分支的模式</a:t>
+            </a:r>
+            <a:endParaRPr lang="en-US" altLang="zh-CN" sz="3200" b="1" dirty="0" smtClean="0">
+              <a:solidFill>
+                <a:srgbClr val="0070C0"/>
+              </a:solidFill>
+              <a:latin typeface="黑体" panose="02010609060101010101" pitchFamily="49" charset="-122"/>
+              <a:ea typeface="黑体" panose="02010609060101010101" pitchFamily="49" charset="-122"/>
+            </a:endParaRPr>
+          </a:p>
+        </p:txBody>
+      </p:sp>
+      <p:sp>
+        <p:nvSpPr>
+          <p:cNvPr id="3" name="矩形 2"/>
+          <p:cNvSpPr/>
+          <p:nvPr/>
+        </p:nvSpPr>
+        <p:spPr>
+          <a:xfrm>
+            <a:off x="544505" y="1526822"/>
+            <a:ext cx="3223550" cy="400110"/>
+          </a:xfrm>
+          <a:prstGeom prst="rect">
+            <a:avLst/>
+          </a:prstGeom>
+        </p:spPr>
+        <p:txBody>
+          <a:bodyPr wrap="square">
+            <a:spAutoFit/>
+          </a:bodyPr>
+          <a:lstStyle/>
+          <a:p>
+            <a:r>
+              <a:rPr lang="zh-CN" altLang="en-US" sz="2000" b="1" dirty="0" smtClean="0">
+                <a:latin typeface="微软雅黑" panose="020B0503020204020204" pitchFamily="34" charset="-122"/>
+                <a:ea typeface="微软雅黑" panose="020B0503020204020204" pitchFamily="34" charset="-122"/>
+              </a:rPr>
+              <a:t>默认模式：</a:t>
+            </a:r>
+            <a:r>
+              <a:rPr lang="en-US" altLang="zh-CN" sz="2000" b="1" dirty="0" smtClean="0">
+                <a:latin typeface="微软雅黑" panose="020B0503020204020204" pitchFamily="34" charset="-122"/>
+                <a:ea typeface="微软雅黑" panose="020B0503020204020204" pitchFamily="34" charset="-122"/>
+              </a:rPr>
+              <a:t>Fast-</a:t>
+            </a:r>
+            <a:r>
+              <a:rPr lang="en-US" altLang="zh-CN" sz="2000" b="1" dirty="0" err="1" smtClean="0">
+                <a:latin typeface="微软雅黑" panose="020B0503020204020204" pitchFamily="34" charset="-122"/>
+                <a:ea typeface="微软雅黑" panose="020B0503020204020204" pitchFamily="34" charset="-122"/>
+              </a:rPr>
+              <a:t>forwrad</a:t>
+            </a:r>
+            <a:endParaRPr lang="en-US" altLang="zh-CN" sz="2000" b="1" dirty="0" smtClean="0">
+              <a:latin typeface="微软雅黑" panose="020B0503020204020204" pitchFamily="34" charset="-122"/>
+              <a:ea typeface="微软雅黑" panose="020B0503020204020204" pitchFamily="34" charset="-122"/>
+            </a:endParaRPr>
+          </a:p>
+        </p:txBody>
+      </p:sp>
+      <p:pic>
+        <p:nvPicPr>
+          <p:cNvPr id="4" name="图片 3"/>
+          <p:cNvPicPr>
+            <a:picLocks noChangeAspect="1"/>
+          </p:cNvPicPr>
+          <p:nvPr/>
+        </p:nvPicPr>
+        <p:blipFill>
+          <a:blip r:embed="rId2"/>
+          <a:stretch>
+            <a:fillRect/>
+          </a:stretch>
+        </p:blipFill>
+        <p:spPr>
+          <a:xfrm>
+            <a:off x="4326378" y="1634803"/>
+            <a:ext cx="6259901" cy="1236024"/>
+          </a:xfrm>
+          <a:prstGeom prst="rect">
+            <a:avLst/>
+          </a:prstGeom>
+        </p:spPr>
+      </p:pic>
+      <p:sp>
+        <p:nvSpPr>
+          <p:cNvPr id="5" name="矩形 4"/>
+          <p:cNvSpPr/>
+          <p:nvPr/>
+        </p:nvSpPr>
+        <p:spPr>
+          <a:xfrm>
+            <a:off x="544505" y="2221862"/>
+            <a:ext cx="3223550" cy="276999"/>
+          </a:xfrm>
+          <a:prstGeom prst="rect">
+            <a:avLst/>
+          </a:prstGeom>
+        </p:spPr>
+        <p:txBody>
+          <a:bodyPr wrap="square">
+            <a:spAutoFit/>
+          </a:bodyPr>
+          <a:lstStyle/>
+          <a:p>
+            <a:r>
+              <a:rPr lang="zh-CN" altLang="en-US" sz="1200" b="1" dirty="0" smtClean="0">
+                <a:solidFill>
+                  <a:srgbClr val="FF0000"/>
+                </a:solidFill>
+                <a:latin typeface="微软雅黑" panose="020B0503020204020204" pitchFamily="34" charset="-122"/>
+                <a:ea typeface="微软雅黑" panose="020B0503020204020204" pitchFamily="34" charset="-122"/>
+              </a:rPr>
+              <a:t>！！！删除分支后，会丢失分支的历史信息</a:t>
+            </a:r>
+            <a:endParaRPr lang="en-US" altLang="zh-CN" sz="1200" b="1" dirty="0" smtClean="0">
+              <a:solidFill>
+                <a:srgbClr val="FF0000"/>
+              </a:solidFill>
+              <a:latin typeface="微软雅黑" panose="020B0503020204020204" pitchFamily="34" charset="-122"/>
+              <a:ea typeface="微软雅黑" panose="020B0503020204020204" pitchFamily="34" charset="-122"/>
+            </a:endParaRPr>
+          </a:p>
+        </p:txBody>
+      </p:sp>
+      <p:sp>
+        <p:nvSpPr>
+          <p:cNvPr id="7" name="矩形 6"/>
+          <p:cNvSpPr/>
+          <p:nvPr/>
+        </p:nvSpPr>
+        <p:spPr>
+          <a:xfrm>
+            <a:off x="4232390" y="4403272"/>
+            <a:ext cx="4702826" cy="369332"/>
+          </a:xfrm>
+          <a:prstGeom prst="rect">
+            <a:avLst/>
+          </a:prstGeom>
+        </p:spPr>
+        <p:txBody>
+          <a:bodyPr wrap="none">
+            <a:spAutoFit/>
+          </a:bodyPr>
+          <a:lstStyle/>
+          <a:p>
+            <a:r>
+              <a:rPr lang="zh-CN" altLang="en-US" dirty="0"/>
+              <a:t>git log --graph --pretty=oneline --abbrev-commit</a:t>
+            </a:r>
+          </a:p>
+        </p:txBody>
+      </p:sp>
+      <p:sp>
+        <p:nvSpPr>
+          <p:cNvPr id="8" name="矩形 7"/>
+          <p:cNvSpPr/>
+          <p:nvPr/>
+        </p:nvSpPr>
+        <p:spPr>
+          <a:xfrm>
+            <a:off x="544505" y="3147826"/>
+            <a:ext cx="3223550" cy="400110"/>
+          </a:xfrm>
+          <a:prstGeom prst="rect">
+            <a:avLst/>
+          </a:prstGeom>
+        </p:spPr>
+        <p:txBody>
+          <a:bodyPr wrap="square">
+            <a:spAutoFit/>
+          </a:bodyPr>
+          <a:lstStyle/>
+          <a:p>
+            <a:r>
+              <a:rPr lang="zh-CN" altLang="en-US" sz="2000" b="1" dirty="0" smtClean="0">
+                <a:latin typeface="微软雅黑" panose="020B0503020204020204" pitchFamily="34" charset="-122"/>
+                <a:ea typeface="微软雅黑" panose="020B0503020204020204" pitchFamily="34" charset="-122"/>
+              </a:rPr>
+              <a:t>模式：</a:t>
+            </a:r>
+            <a:r>
+              <a:rPr lang="en-US" altLang="zh-CN" sz="2000" b="1" dirty="0" smtClean="0">
+                <a:latin typeface="微软雅黑" panose="020B0503020204020204" pitchFamily="34" charset="-122"/>
+                <a:ea typeface="微软雅黑" panose="020B0503020204020204" pitchFamily="34" charset="-122"/>
+              </a:rPr>
+              <a:t>no-</a:t>
+            </a:r>
+            <a:r>
+              <a:rPr lang="en-US" altLang="zh-CN" sz="2000" b="1" dirty="0" err="1" smtClean="0">
+                <a:latin typeface="微软雅黑" panose="020B0503020204020204" pitchFamily="34" charset="-122"/>
+                <a:ea typeface="微软雅黑" panose="020B0503020204020204" pitchFamily="34" charset="-122"/>
+              </a:rPr>
+              <a:t>ff</a:t>
+            </a:r>
+            <a:endParaRPr lang="en-US" altLang="zh-CN" sz="2000" b="1" dirty="0" smtClean="0">
+              <a:latin typeface="微软雅黑" panose="020B0503020204020204" pitchFamily="34" charset="-122"/>
+              <a:ea typeface="微软雅黑" panose="020B0503020204020204" pitchFamily="34" charset="-122"/>
+            </a:endParaRPr>
+          </a:p>
+        </p:txBody>
+      </p:sp>
+      <p:sp>
+        <p:nvSpPr>
+          <p:cNvPr id="9" name="矩形 8"/>
+          <p:cNvSpPr/>
+          <p:nvPr/>
+        </p:nvSpPr>
+        <p:spPr>
+          <a:xfrm>
+            <a:off x="544505" y="3498550"/>
+            <a:ext cx="3532195" cy="276999"/>
+          </a:xfrm>
+          <a:prstGeom prst="rect">
+            <a:avLst/>
+          </a:prstGeom>
+        </p:spPr>
+        <p:txBody>
+          <a:bodyPr wrap="square">
+            <a:spAutoFit/>
+          </a:bodyPr>
+          <a:lstStyle/>
+          <a:p>
+            <a:r>
+              <a:rPr lang="en-US" altLang="zh-CN" sz="1200" dirty="0">
+                <a:latin typeface="微软雅黑" panose="020B0503020204020204" pitchFamily="34" charset="-122"/>
+                <a:ea typeface="微软雅黑" panose="020B0503020204020204" pitchFamily="34" charset="-122"/>
+              </a:rPr>
+              <a:t>g</a:t>
+            </a:r>
+            <a:r>
+              <a:rPr lang="en-US" altLang="zh-CN" sz="1200" dirty="0" smtClean="0">
+                <a:latin typeface="微软雅黑" panose="020B0503020204020204" pitchFamily="34" charset="-122"/>
+                <a:ea typeface="微软雅黑" panose="020B0503020204020204" pitchFamily="34" charset="-122"/>
+              </a:rPr>
+              <a:t>it merge –no-</a:t>
+            </a:r>
+            <a:r>
+              <a:rPr lang="en-US" altLang="zh-CN" sz="1200" dirty="0" err="1" smtClean="0">
+                <a:latin typeface="微软雅黑" panose="020B0503020204020204" pitchFamily="34" charset="-122"/>
+                <a:ea typeface="微软雅黑" panose="020B0503020204020204" pitchFamily="34" charset="-122"/>
+              </a:rPr>
+              <a:t>ff</a:t>
+            </a:r>
+            <a:r>
+              <a:rPr lang="en-US" altLang="zh-CN" sz="1200" dirty="0" smtClean="0">
+                <a:latin typeface="微软雅黑" panose="020B0503020204020204" pitchFamily="34" charset="-122"/>
+                <a:ea typeface="微软雅黑" panose="020B0503020204020204" pitchFamily="34" charset="-122"/>
+              </a:rPr>
+              <a:t> –m </a:t>
+            </a:r>
+            <a:r>
+              <a:rPr lang="zh-CN" altLang="en-US" sz="1200" dirty="0" smtClean="0">
+                <a:latin typeface="微软雅黑" panose="020B0503020204020204" pitchFamily="34" charset="-122"/>
+                <a:ea typeface="微软雅黑" panose="020B0503020204020204" pitchFamily="34" charset="-122"/>
+              </a:rPr>
+              <a:t>“</a:t>
+            </a:r>
+            <a:r>
+              <a:rPr lang="en-US" altLang="zh-CN" sz="1200" dirty="0" smtClean="0">
+                <a:latin typeface="微软雅黑" panose="020B0503020204020204" pitchFamily="34" charset="-122"/>
+                <a:ea typeface="微软雅黑" panose="020B0503020204020204" pitchFamily="34" charset="-122"/>
+              </a:rPr>
+              <a:t>merge with……</a:t>
+            </a:r>
+            <a:r>
+              <a:rPr lang="zh-CN" altLang="en-US" sz="1200" dirty="0" smtClean="0">
+                <a:latin typeface="微软雅黑" panose="020B0503020204020204" pitchFamily="34" charset="-122"/>
+                <a:ea typeface="微软雅黑" panose="020B0503020204020204" pitchFamily="34" charset="-122"/>
+              </a:rPr>
+              <a:t>”</a:t>
+            </a:r>
+            <a:r>
+              <a:rPr lang="en-US" altLang="zh-CN" sz="1200" dirty="0" smtClean="0">
+                <a:latin typeface="微软雅黑" panose="020B0503020204020204" pitchFamily="34" charset="-122"/>
+                <a:ea typeface="微软雅黑" panose="020B0503020204020204" pitchFamily="34" charset="-122"/>
+              </a:rPr>
+              <a:t>dev1</a:t>
+            </a:r>
+            <a:endParaRPr lang="en-US" altLang="zh-CN" sz="1200" dirty="0" smtClean="0">
+              <a:latin typeface="微软雅黑" panose="020B0503020204020204" pitchFamily="34" charset="-122"/>
+              <a:ea typeface="微软雅黑" panose="020B0503020204020204" pitchFamily="34" charset="-122"/>
+            </a:endParaRPr>
+          </a:p>
+        </p:txBody>
+      </p:sp>
+      <p:sp>
+        <p:nvSpPr>
+          <p:cNvPr id="10" name="矩形 9"/>
+          <p:cNvSpPr/>
+          <p:nvPr/>
+        </p:nvSpPr>
+        <p:spPr>
+          <a:xfrm>
+            <a:off x="544505" y="1888830"/>
+            <a:ext cx="2074870" cy="276999"/>
+          </a:xfrm>
+          <a:prstGeom prst="rect">
+            <a:avLst/>
+          </a:prstGeom>
+        </p:spPr>
+        <p:txBody>
+          <a:bodyPr wrap="square">
+            <a:spAutoFit/>
+          </a:bodyPr>
+          <a:lstStyle/>
+          <a:p>
+            <a:r>
+              <a:rPr lang="en-US" altLang="zh-CN" sz="1200" dirty="0">
+                <a:latin typeface="微软雅黑" panose="020B0503020204020204" pitchFamily="34" charset="-122"/>
+                <a:ea typeface="微软雅黑" panose="020B0503020204020204" pitchFamily="34" charset="-122"/>
+              </a:rPr>
+              <a:t>g</a:t>
+            </a:r>
+            <a:r>
+              <a:rPr lang="en-US" altLang="zh-CN" sz="1200" dirty="0" smtClean="0">
+                <a:latin typeface="微软雅黑" panose="020B0503020204020204" pitchFamily="34" charset="-122"/>
+                <a:ea typeface="微软雅黑" panose="020B0503020204020204" pitchFamily="34" charset="-122"/>
+              </a:rPr>
+              <a:t>it merge dev1</a:t>
+            </a:r>
+            <a:endParaRPr lang="en-US" altLang="zh-CN" sz="1200" dirty="0" smtClean="0">
+              <a:latin typeface="微软雅黑" panose="020B0503020204020204" pitchFamily="34" charset="-122"/>
+              <a:ea typeface="微软雅黑" panose="020B0503020204020204" pitchFamily="34" charset="-122"/>
+            </a:endParaRPr>
+          </a:p>
+        </p:txBody>
+      </p:sp>
+      <p:pic>
+        <p:nvPicPr>
+          <p:cNvPr id="11" name="图片 10"/>
+          <p:cNvPicPr>
+            <a:picLocks noChangeAspect="1"/>
+          </p:cNvPicPr>
+          <p:nvPr/>
+        </p:nvPicPr>
+        <p:blipFill>
+          <a:blip r:embed="rId3"/>
+          <a:stretch>
+            <a:fillRect/>
+          </a:stretch>
+        </p:blipFill>
+        <p:spPr>
+          <a:xfrm>
+            <a:off x="4326378" y="4815649"/>
+            <a:ext cx="4286250" cy="1562100"/>
+          </a:xfrm>
+          <a:prstGeom prst="rect">
+            <a:avLst/>
+          </a:prstGeom>
+        </p:spPr>
+      </p:pic>
+      <p:pic>
+        <p:nvPicPr>
+          <p:cNvPr id="12" name="图片 11"/>
+          <p:cNvPicPr>
+            <a:picLocks noChangeAspect="1"/>
+          </p:cNvPicPr>
+          <p:nvPr/>
+        </p:nvPicPr>
+        <p:blipFill>
+          <a:blip r:embed="rId4"/>
+          <a:stretch>
+            <a:fillRect/>
+          </a:stretch>
+        </p:blipFill>
+        <p:spPr>
+          <a:xfrm>
+            <a:off x="4326378" y="3215479"/>
+            <a:ext cx="4514850" cy="590550"/>
+          </a:xfrm>
+          <a:prstGeom prst="rect">
+            <a:avLst/>
+          </a:prstGeom>
+        </p:spPr>
+      </p:pic>
     </p:spTree>
     <p:extLst>
       <p:ext uri="{BB962C8B-B14F-4D97-AF65-F5344CB8AC3E}">
@@ -3360,6 +6656,13 @@
   <p:clrMapOvr>
     <a:masterClrMapping/>
   </p:clrMapOvr>
+  <p:timing>
+    <p:tnLst>
+      <p:par>
+        <p:cTn id="1" dur="indefinite" restart="never" nodeType="tmRoot"/>
+      </p:par>
+    </p:tnLst>
+  </p:timing>
 </p:sld>
 </file>
 
@@ -3382,6 +6685,1026 @@
       </p:grpSpPr>
       <p:sp>
         <p:nvSpPr>
+          <p:cNvPr id="4" name="矩形 3"/>
+          <p:cNvSpPr/>
+          <p:nvPr/>
+        </p:nvSpPr>
+        <p:spPr>
+          <a:xfrm>
+            <a:off x="1965897" y="847093"/>
+            <a:ext cx="7839005" cy="2400657"/>
+          </a:xfrm>
+          <a:prstGeom prst="rect">
+            <a:avLst/>
+          </a:prstGeom>
+        </p:spPr>
+        <p:txBody>
+          <a:bodyPr wrap="square">
+            <a:spAutoFit/>
+          </a:bodyPr>
+          <a:lstStyle/>
+          <a:p>
+            <a:pPr>
+              <a:lnSpc>
+                <a:spcPct val="150000"/>
+              </a:lnSpc>
+            </a:pPr>
+            <a:r>
+              <a:rPr lang="zh-CN" altLang="en-US" sz="2000" b="1" dirty="0" smtClean="0">
+                <a:latin typeface="微软雅黑" panose="020B0503020204020204" pitchFamily="34" charset="-122"/>
+                <a:ea typeface="微软雅黑" panose="020B0503020204020204" pitchFamily="34" charset="-122"/>
+              </a:rPr>
+              <a:t>分支策略：</a:t>
+            </a:r>
+            <a:endParaRPr lang="en-US" altLang="zh-CN" sz="2000" b="1" dirty="0" smtClean="0">
+              <a:latin typeface="微软雅黑" panose="020B0503020204020204" pitchFamily="34" charset="-122"/>
+              <a:ea typeface="微软雅黑" panose="020B0503020204020204" pitchFamily="34" charset="-122"/>
+            </a:endParaRPr>
+          </a:p>
+          <a:p>
+            <a:pPr marL="514350" indent="-514350">
+              <a:lnSpc>
+                <a:spcPct val="150000"/>
+              </a:lnSpc>
+              <a:buFont typeface="+mj-lt"/>
+              <a:buAutoNum type="arabicPeriod"/>
+            </a:pPr>
+            <a:r>
+              <a:rPr lang="en-US" altLang="zh-CN" sz="2000" b="1" dirty="0" smtClean="0">
+                <a:latin typeface="微软雅黑" panose="020B0503020204020204" pitchFamily="34" charset="-122"/>
+                <a:ea typeface="微软雅黑" panose="020B0503020204020204" pitchFamily="34" charset="-122"/>
+              </a:rPr>
+              <a:t>master</a:t>
+            </a:r>
+            <a:r>
+              <a:rPr lang="zh-CN" altLang="en-US" sz="2000" b="1" dirty="0" smtClean="0">
+                <a:latin typeface="微软雅黑" panose="020B0503020204020204" pitchFamily="34" charset="-122"/>
+                <a:ea typeface="微软雅黑" panose="020B0503020204020204" pitchFamily="34" charset="-122"/>
+              </a:rPr>
+              <a:t>分支应该是非常稳定的，仅用来发布新版本</a:t>
+            </a:r>
+            <a:endParaRPr lang="en-US" altLang="zh-CN" sz="2000" b="1" dirty="0" smtClean="0">
+              <a:latin typeface="微软雅黑" panose="020B0503020204020204" pitchFamily="34" charset="-122"/>
+              <a:ea typeface="微软雅黑" panose="020B0503020204020204" pitchFamily="34" charset="-122"/>
+            </a:endParaRPr>
+          </a:p>
+          <a:p>
+            <a:pPr marL="514350" indent="-514350">
+              <a:lnSpc>
+                <a:spcPct val="150000"/>
+              </a:lnSpc>
+              <a:buFont typeface="+mj-lt"/>
+              <a:buAutoNum type="arabicPeriod"/>
+            </a:pPr>
+            <a:r>
+              <a:rPr lang="zh-CN" altLang="en-US" sz="2000" b="1" dirty="0" smtClean="0">
+                <a:latin typeface="微软雅黑" panose="020B0503020204020204" pitchFamily="34" charset="-122"/>
+                <a:ea typeface="微软雅黑" panose="020B0503020204020204" pitchFamily="34" charset="-122"/>
+              </a:rPr>
+              <a:t>每个人都在</a:t>
+            </a:r>
+            <a:r>
+              <a:rPr lang="en-US" altLang="zh-CN" sz="2000" b="1" dirty="0" smtClean="0">
+                <a:latin typeface="微软雅黑" panose="020B0503020204020204" pitchFamily="34" charset="-122"/>
+                <a:ea typeface="微软雅黑" panose="020B0503020204020204" pitchFamily="34" charset="-122"/>
+              </a:rPr>
+              <a:t>dev</a:t>
+            </a:r>
+            <a:r>
+              <a:rPr lang="zh-CN" altLang="en-US" sz="2000" b="1" dirty="0" smtClean="0">
+                <a:latin typeface="微软雅黑" panose="020B0503020204020204" pitchFamily="34" charset="-122"/>
+                <a:ea typeface="微软雅黑" panose="020B0503020204020204" pitchFamily="34" charset="-122"/>
+              </a:rPr>
+              <a:t>分支上干活</a:t>
+            </a:r>
+            <a:endParaRPr lang="en-US" altLang="zh-CN" sz="2000" b="1" dirty="0" smtClean="0">
+              <a:latin typeface="微软雅黑" panose="020B0503020204020204" pitchFamily="34" charset="-122"/>
+              <a:ea typeface="微软雅黑" panose="020B0503020204020204" pitchFamily="34" charset="-122"/>
+            </a:endParaRPr>
+          </a:p>
+          <a:p>
+            <a:pPr marL="514350" indent="-514350">
+              <a:lnSpc>
+                <a:spcPct val="150000"/>
+              </a:lnSpc>
+              <a:buFont typeface="+mj-lt"/>
+              <a:buAutoNum type="arabicPeriod"/>
+            </a:pPr>
+            <a:r>
+              <a:rPr lang="zh-CN" altLang="en-US" sz="2000" b="1" dirty="0" smtClean="0">
+                <a:latin typeface="微软雅黑" panose="020B0503020204020204" pitchFamily="34" charset="-122"/>
+                <a:ea typeface="微软雅黑" panose="020B0503020204020204" pitchFamily="34" charset="-122"/>
+              </a:rPr>
+              <a:t>每个人都有自己的分支，统一往</a:t>
+            </a:r>
+            <a:r>
+              <a:rPr lang="en-US" altLang="zh-CN" sz="2000" b="1" dirty="0" smtClean="0">
+                <a:latin typeface="微软雅黑" panose="020B0503020204020204" pitchFamily="34" charset="-122"/>
+                <a:ea typeface="微软雅黑" panose="020B0503020204020204" pitchFamily="34" charset="-122"/>
+              </a:rPr>
+              <a:t>dev</a:t>
+            </a:r>
+            <a:r>
+              <a:rPr lang="zh-CN" altLang="en-US" sz="2000" b="1" dirty="0" smtClean="0">
+                <a:latin typeface="微软雅黑" panose="020B0503020204020204" pitchFamily="34" charset="-122"/>
+                <a:ea typeface="微软雅黑" panose="020B0503020204020204" pitchFamily="34" charset="-122"/>
+              </a:rPr>
+              <a:t>分支上合并</a:t>
+            </a:r>
+            <a:endParaRPr lang="en-US" altLang="zh-CN" sz="2000" b="1" dirty="0" smtClean="0">
+              <a:latin typeface="微软雅黑" panose="020B0503020204020204" pitchFamily="34" charset="-122"/>
+              <a:ea typeface="微软雅黑" panose="020B0503020204020204" pitchFamily="34" charset="-122"/>
+            </a:endParaRPr>
+          </a:p>
+          <a:p>
+            <a:pPr marL="514350" indent="-514350">
+              <a:lnSpc>
+                <a:spcPct val="150000"/>
+              </a:lnSpc>
+              <a:buFont typeface="+mj-lt"/>
+              <a:buAutoNum type="arabicPeriod"/>
+            </a:pPr>
+            <a:r>
+              <a:rPr lang="zh-CN" altLang="en-US" sz="2000" b="1" dirty="0" smtClean="0">
+                <a:latin typeface="微软雅黑" panose="020B0503020204020204" pitchFamily="34" charset="-122"/>
+                <a:ea typeface="微软雅黑" panose="020B0503020204020204" pitchFamily="34" charset="-122"/>
+              </a:rPr>
+              <a:t>合并分支时，使用</a:t>
+            </a:r>
+            <a:r>
+              <a:rPr lang="en-US" altLang="zh-CN" sz="2000" b="1" dirty="0" smtClean="0">
+                <a:latin typeface="微软雅黑" panose="020B0503020204020204" pitchFamily="34" charset="-122"/>
+                <a:ea typeface="微软雅黑" panose="020B0503020204020204" pitchFamily="34" charset="-122"/>
+              </a:rPr>
+              <a:t>no-off</a:t>
+            </a:r>
+            <a:r>
+              <a:rPr lang="zh-CN" altLang="en-US" sz="2000" b="1" dirty="0" smtClean="0">
+                <a:latin typeface="微软雅黑" panose="020B0503020204020204" pitchFamily="34" charset="-122"/>
+                <a:ea typeface="微软雅黑" panose="020B0503020204020204" pitchFamily="34" charset="-122"/>
+              </a:rPr>
+              <a:t>模式</a:t>
+            </a:r>
+            <a:endParaRPr lang="en-US" altLang="zh-CN" sz="2000" b="1" dirty="0" smtClean="0">
+              <a:latin typeface="微软雅黑" panose="020B0503020204020204" pitchFamily="34" charset="-122"/>
+              <a:ea typeface="微软雅黑" panose="020B0503020204020204" pitchFamily="34" charset="-122"/>
+            </a:endParaRPr>
+          </a:p>
+        </p:txBody>
+      </p:sp>
+      <p:pic>
+        <p:nvPicPr>
+          <p:cNvPr id="5" name="图片 4"/>
+          <p:cNvPicPr>
+            <a:picLocks noChangeAspect="1"/>
+          </p:cNvPicPr>
+          <p:nvPr/>
+        </p:nvPicPr>
+        <p:blipFill>
+          <a:blip r:embed="rId2"/>
+          <a:stretch>
+            <a:fillRect/>
+          </a:stretch>
+        </p:blipFill>
+        <p:spPr>
+          <a:xfrm>
+            <a:off x="1965897" y="3369682"/>
+            <a:ext cx="7534275" cy="2000250"/>
+          </a:xfrm>
+          <a:prstGeom prst="rect">
+            <a:avLst/>
+          </a:prstGeom>
+        </p:spPr>
+      </p:pic>
+    </p:spTree>
+    <p:extLst>
+      <p:ext uri="{BB962C8B-B14F-4D97-AF65-F5344CB8AC3E}">
+        <p14:creationId xmlns:p14="http://schemas.microsoft.com/office/powerpoint/2010/main" val="4249502727"/>
+      </p:ext>
+    </p:extLst>
+  </p:cSld>
+  <p:clrMapOvr>
+    <a:masterClrMapping/>
+  </p:clrMapOvr>
+  <p:timing>
+    <p:tnLst>
+      <p:par>
+        <p:cTn id="1" dur="indefinite" restart="never" nodeType="tmRoot"/>
+      </p:par>
+    </p:tnLst>
+  </p:timing>
+</p:sld>
+</file>
+
+<file path=ppt/slides/slide12.xml><?xml version="1.0" encoding="utf-8"?>
+<p:sld xmlns:a="http://schemas.openxmlformats.org/drawingml/2006/main" xmlns:r="http://schemas.openxmlformats.org/officeDocument/2006/relationships" xmlns:p="http://schemas.openxmlformats.org/presentationml/2006/main">
+  <p:cSld>
+    <p:spTree>
+      <p:nvGrpSpPr>
+        <p:cNvPr id="1" name=""/>
+        <p:cNvGrpSpPr/>
+        <p:nvPr/>
+      </p:nvGrpSpPr>
+      <p:grpSpPr>
+        <a:xfrm>
+          <a:off x="0" y="0"/>
+          <a:ext cx="0" cy="0"/>
+          <a:chOff x="0" y="0"/>
+          <a:chExt cx="0" cy="0"/>
+        </a:xfrm>
+      </p:grpSpPr>
+      <p:sp>
+        <p:nvSpPr>
+          <p:cNvPr id="4" name="矩形 3"/>
+          <p:cNvSpPr/>
+          <p:nvPr/>
+        </p:nvSpPr>
+        <p:spPr>
+          <a:xfrm>
+            <a:off x="3196002" y="615603"/>
+            <a:ext cx="1094172" cy="307777"/>
+          </a:xfrm>
+          <a:prstGeom prst="rect">
+            <a:avLst/>
+          </a:prstGeom>
+        </p:spPr>
+        <p:txBody>
+          <a:bodyPr wrap="square">
+            <a:spAutoFit/>
+          </a:bodyPr>
+          <a:lstStyle/>
+          <a:p>
+            <a:r>
+              <a:rPr lang="zh-CN" altLang="en-US" sz="1400" b="1" dirty="0" smtClean="0">
+                <a:latin typeface="微软雅黑" panose="020B0503020204020204" pitchFamily="34" charset="-122"/>
+                <a:ea typeface="微软雅黑" panose="020B0503020204020204" pitchFamily="34" charset="-122"/>
+              </a:rPr>
+              <a:t>修复</a:t>
+            </a:r>
+            <a:r>
+              <a:rPr lang="en-US" altLang="zh-CN" sz="1400" b="1" dirty="0" smtClean="0">
+                <a:latin typeface="微软雅黑" panose="020B0503020204020204" pitchFamily="34" charset="-122"/>
+                <a:ea typeface="微软雅黑" panose="020B0503020204020204" pitchFamily="34" charset="-122"/>
+              </a:rPr>
+              <a:t>bug</a:t>
+            </a:r>
+            <a:endParaRPr lang="en-US" altLang="zh-CN" sz="1400" b="1" dirty="0" smtClean="0">
+              <a:latin typeface="微软雅黑" panose="020B0503020204020204" pitchFamily="34" charset="-122"/>
+              <a:ea typeface="微软雅黑" panose="020B0503020204020204" pitchFamily="34" charset="-122"/>
+            </a:endParaRPr>
+          </a:p>
+        </p:txBody>
+      </p:sp>
+      <p:pic>
+        <p:nvPicPr>
+          <p:cNvPr id="5" name="图片 4"/>
+          <p:cNvPicPr>
+            <a:picLocks noChangeAspect="1"/>
+          </p:cNvPicPr>
+          <p:nvPr/>
+        </p:nvPicPr>
+        <p:blipFill>
+          <a:blip r:embed="rId2"/>
+          <a:stretch>
+            <a:fillRect/>
+          </a:stretch>
+        </p:blipFill>
+        <p:spPr>
+          <a:xfrm>
+            <a:off x="1962067" y="3903522"/>
+            <a:ext cx="7534275" cy="2000250"/>
+          </a:xfrm>
+          <a:prstGeom prst="rect">
+            <a:avLst/>
+          </a:prstGeom>
+        </p:spPr>
+      </p:pic>
+      <p:graphicFrame>
+        <p:nvGraphicFramePr>
+          <p:cNvPr id="13" name="图示 12"/>
+          <p:cNvGraphicFramePr/>
+          <p:nvPr>
+            <p:extLst>
+              <p:ext uri="{D42A27DB-BD31-4B8C-83A1-F6EECF244321}">
+                <p14:modId xmlns:p14="http://schemas.microsoft.com/office/powerpoint/2010/main" val="1044433692"/>
+              </p:ext>
+            </p:extLst>
+          </p:nvPr>
+        </p:nvGraphicFramePr>
+        <p:xfrm>
+          <a:off x="4238623" y="600618"/>
+          <a:ext cx="4159333" cy="337608"/>
+        </p:xfrm>
+        <a:graphic>
+          <a:graphicData uri="http://schemas.openxmlformats.org/drawingml/2006/diagram">
+            <dgm:relIds xmlns:dgm="http://schemas.openxmlformats.org/drawingml/2006/diagram" xmlns:r="http://schemas.openxmlformats.org/officeDocument/2006/relationships" r:dm="rId3" r:lo="rId4" r:qs="rId5" r:cs="rId6"/>
+          </a:graphicData>
+        </a:graphic>
+      </p:graphicFrame>
+      <p:cxnSp>
+        <p:nvCxnSpPr>
+          <p:cNvPr id="15" name="直接箭头连接符 14"/>
+          <p:cNvCxnSpPr/>
+          <p:nvPr/>
+        </p:nvCxnSpPr>
+        <p:spPr>
+          <a:xfrm flipV="1">
+            <a:off x="8069344" y="3556487"/>
+            <a:ext cx="142875" cy="361950"/>
+          </a:xfrm>
+          <a:prstGeom prst="straightConnector1">
+            <a:avLst/>
+          </a:prstGeom>
+          <a:ln>
+            <a:tailEnd type="triangle"/>
+          </a:ln>
+        </p:spPr>
+        <p:style>
+          <a:lnRef idx="1">
+            <a:schemeClr val="accent1"/>
+          </a:lnRef>
+          <a:fillRef idx="0">
+            <a:schemeClr val="accent1"/>
+          </a:fillRef>
+          <a:effectRef idx="0">
+            <a:schemeClr val="accent1"/>
+          </a:effectRef>
+          <a:fontRef idx="minor">
+            <a:schemeClr val="tx1"/>
+          </a:fontRef>
+        </p:style>
+      </p:cxnSp>
+      <p:sp>
+        <p:nvSpPr>
+          <p:cNvPr id="16" name="椭圆 15"/>
+          <p:cNvSpPr/>
+          <p:nvPr/>
+        </p:nvSpPr>
+        <p:spPr>
+          <a:xfrm>
+            <a:off x="8140781" y="3263523"/>
+            <a:ext cx="238125" cy="247650"/>
+          </a:xfrm>
+          <a:prstGeom prst="ellipse">
+            <a:avLst/>
+          </a:prstGeom>
+        </p:spPr>
+        <p:style>
+          <a:lnRef idx="2">
+            <a:schemeClr val="accent1">
+              <a:shade val="50000"/>
+            </a:schemeClr>
+          </a:lnRef>
+          <a:fillRef idx="1">
+            <a:schemeClr val="accent1"/>
+          </a:fillRef>
+          <a:effectRef idx="0">
+            <a:schemeClr val="accent1"/>
+          </a:effectRef>
+          <a:fontRef idx="minor">
+            <a:schemeClr val="lt1"/>
+          </a:fontRef>
+        </p:style>
+        <p:txBody>
+          <a:bodyPr rtlCol="0" anchor="ctr"/>
+          <a:lstStyle/>
+          <a:p>
+            <a:pPr algn="ctr"/>
+            <a:endParaRPr lang="zh-CN" altLang="en-US"/>
+          </a:p>
+        </p:txBody>
+      </p:sp>
+      <p:sp>
+        <p:nvSpPr>
+          <p:cNvPr id="17" name="矩形 16"/>
+          <p:cNvSpPr/>
+          <p:nvPr/>
+        </p:nvSpPr>
+        <p:spPr>
+          <a:xfrm>
+            <a:off x="8140781" y="2959847"/>
+            <a:ext cx="1203244" cy="338554"/>
+          </a:xfrm>
+          <a:prstGeom prst="rect">
+            <a:avLst/>
+          </a:prstGeom>
+        </p:spPr>
+        <p:txBody>
+          <a:bodyPr wrap="square">
+            <a:spAutoFit/>
+          </a:bodyPr>
+          <a:lstStyle/>
+          <a:p>
+            <a:r>
+              <a:rPr lang="en-US" altLang="zh-CN" sz="1600" b="1" dirty="0" smtClean="0">
+                <a:solidFill>
+                  <a:srgbClr val="0000CC"/>
+                </a:solidFill>
+                <a:latin typeface="微软雅黑" panose="020B0503020204020204" pitchFamily="34" charset="-122"/>
+                <a:ea typeface="微软雅黑" panose="020B0503020204020204" pitchFamily="34" charset="-122"/>
+              </a:rPr>
+              <a:t>bug</a:t>
+            </a:r>
+            <a:r>
+              <a:rPr lang="zh-CN" altLang="en-US" sz="1600" b="1" dirty="0" smtClean="0">
+                <a:solidFill>
+                  <a:srgbClr val="0000CC"/>
+                </a:solidFill>
+                <a:latin typeface="微软雅黑" panose="020B0503020204020204" pitchFamily="34" charset="-122"/>
+                <a:ea typeface="微软雅黑" panose="020B0503020204020204" pitchFamily="34" charset="-122"/>
+              </a:rPr>
+              <a:t>分支</a:t>
+            </a:r>
+            <a:endParaRPr lang="en-US" altLang="zh-CN" sz="1600" b="1" dirty="0" smtClean="0">
+              <a:solidFill>
+                <a:srgbClr val="0000CC"/>
+              </a:solidFill>
+              <a:latin typeface="微软雅黑" panose="020B0503020204020204" pitchFamily="34" charset="-122"/>
+              <a:ea typeface="微软雅黑" panose="020B0503020204020204" pitchFamily="34" charset="-122"/>
+            </a:endParaRPr>
+          </a:p>
+        </p:txBody>
+      </p:sp>
+      <p:cxnSp>
+        <p:nvCxnSpPr>
+          <p:cNvPr id="23" name="直接连接符 22"/>
+          <p:cNvCxnSpPr/>
+          <p:nvPr/>
+        </p:nvCxnSpPr>
+        <p:spPr>
+          <a:xfrm>
+            <a:off x="8397956" y="3387348"/>
+            <a:ext cx="823912" cy="0"/>
+          </a:xfrm>
+          <a:prstGeom prst="line">
+            <a:avLst/>
+          </a:prstGeom>
+          <a:ln w="38100">
+            <a:solidFill>
+              <a:srgbClr val="FFC000"/>
+            </a:solidFill>
+          </a:ln>
+        </p:spPr>
+        <p:style>
+          <a:lnRef idx="1">
+            <a:schemeClr val="accent1"/>
+          </a:lnRef>
+          <a:fillRef idx="0">
+            <a:schemeClr val="accent1"/>
+          </a:fillRef>
+          <a:effectRef idx="0">
+            <a:schemeClr val="accent1"/>
+          </a:effectRef>
+          <a:fontRef idx="minor">
+            <a:schemeClr val="tx1"/>
+          </a:fontRef>
+        </p:style>
+      </p:cxnSp>
+      <p:sp>
+        <p:nvSpPr>
+          <p:cNvPr id="25" name="椭圆 24"/>
+          <p:cNvSpPr/>
+          <p:nvPr/>
+        </p:nvSpPr>
+        <p:spPr>
+          <a:xfrm>
+            <a:off x="7912182" y="4027347"/>
+            <a:ext cx="228599" cy="238126"/>
+          </a:xfrm>
+          <a:prstGeom prst="ellipse">
+            <a:avLst/>
+          </a:prstGeom>
+          <a:noFill/>
+          <a:ln w="28575">
+            <a:solidFill>
+              <a:srgbClr val="00B050"/>
+            </a:solidFill>
+          </a:ln>
+        </p:spPr>
+        <p:style>
+          <a:lnRef idx="2">
+            <a:schemeClr val="accent1">
+              <a:shade val="50000"/>
+            </a:schemeClr>
+          </a:lnRef>
+          <a:fillRef idx="1">
+            <a:schemeClr val="accent1"/>
+          </a:fillRef>
+          <a:effectRef idx="0">
+            <a:schemeClr val="accent1"/>
+          </a:effectRef>
+          <a:fontRef idx="minor">
+            <a:schemeClr val="lt1"/>
+          </a:fontRef>
+        </p:style>
+        <p:txBody>
+          <a:bodyPr rtlCol="0" anchor="ctr"/>
+          <a:lstStyle/>
+          <a:p>
+            <a:pPr algn="ctr"/>
+            <a:endParaRPr lang="zh-CN" altLang="en-US"/>
+          </a:p>
+        </p:txBody>
+      </p:sp>
+      <p:sp>
+        <p:nvSpPr>
+          <p:cNvPr id="26" name="等腰三角形 25"/>
+          <p:cNvSpPr/>
+          <p:nvPr/>
+        </p:nvSpPr>
+        <p:spPr>
+          <a:xfrm>
+            <a:off x="7612145" y="4657822"/>
+            <a:ext cx="300037" cy="218594"/>
+          </a:xfrm>
+          <a:prstGeom prst="triangle">
+            <a:avLst/>
+          </a:prstGeom>
+          <a:solidFill>
+            <a:srgbClr val="FFFF00"/>
+          </a:solidFill>
+          <a:ln>
+            <a:solidFill>
+              <a:srgbClr val="FF0000"/>
+            </a:solidFill>
+          </a:ln>
+        </p:spPr>
+        <p:style>
+          <a:lnRef idx="2">
+            <a:schemeClr val="accent1">
+              <a:shade val="50000"/>
+            </a:schemeClr>
+          </a:lnRef>
+          <a:fillRef idx="1">
+            <a:schemeClr val="accent1"/>
+          </a:fillRef>
+          <a:effectRef idx="0">
+            <a:schemeClr val="accent1"/>
+          </a:effectRef>
+          <a:fontRef idx="minor">
+            <a:schemeClr val="lt1"/>
+          </a:fontRef>
+        </p:style>
+        <p:txBody>
+          <a:bodyPr rtlCol="0" anchor="ctr"/>
+          <a:lstStyle/>
+          <a:p>
+            <a:pPr algn="ctr"/>
+            <a:endParaRPr lang="zh-CN" altLang="en-US"/>
+          </a:p>
+        </p:txBody>
+      </p:sp>
+      <p:sp>
+        <p:nvSpPr>
+          <p:cNvPr id="27" name="矩形 26"/>
+          <p:cNvSpPr/>
+          <p:nvPr/>
+        </p:nvSpPr>
+        <p:spPr>
+          <a:xfrm>
+            <a:off x="7880348" y="4680483"/>
+            <a:ext cx="1082677" cy="338554"/>
+          </a:xfrm>
+          <a:prstGeom prst="rect">
+            <a:avLst/>
+          </a:prstGeom>
+        </p:spPr>
+        <p:txBody>
+          <a:bodyPr wrap="square">
+            <a:spAutoFit/>
+          </a:bodyPr>
+          <a:lstStyle/>
+          <a:p>
+            <a:r>
+              <a:rPr lang="en-US" altLang="zh-CN" sz="1600" b="1" dirty="0">
+                <a:solidFill>
+                  <a:srgbClr val="FF0000"/>
+                </a:solidFill>
+                <a:latin typeface="微软雅黑" panose="020B0503020204020204" pitchFamily="34" charset="-122"/>
+                <a:ea typeface="微软雅黑" panose="020B0503020204020204" pitchFamily="34" charset="-122"/>
+              </a:rPr>
+              <a:t>working</a:t>
+            </a:r>
+            <a:endParaRPr lang="en-US" altLang="zh-CN" sz="1600" b="1" dirty="0" smtClean="0">
+              <a:solidFill>
+                <a:srgbClr val="FF0000"/>
+              </a:solidFill>
+              <a:latin typeface="微软雅黑" panose="020B0503020204020204" pitchFamily="34" charset="-122"/>
+              <a:ea typeface="微软雅黑" panose="020B0503020204020204" pitchFamily="34" charset="-122"/>
+            </a:endParaRPr>
+          </a:p>
+        </p:txBody>
+      </p:sp>
+      <p:sp>
+        <p:nvSpPr>
+          <p:cNvPr id="28" name="等腰三角形 27"/>
+          <p:cNvSpPr/>
+          <p:nvPr/>
+        </p:nvSpPr>
+        <p:spPr>
+          <a:xfrm>
+            <a:off x="845160" y="1591881"/>
+            <a:ext cx="300037" cy="218594"/>
+          </a:xfrm>
+          <a:prstGeom prst="triangle">
+            <a:avLst/>
+          </a:prstGeom>
+          <a:solidFill>
+            <a:srgbClr val="FFFF00"/>
+          </a:solidFill>
+          <a:ln>
+            <a:solidFill>
+              <a:srgbClr val="FF0000"/>
+            </a:solidFill>
+          </a:ln>
+        </p:spPr>
+        <p:style>
+          <a:lnRef idx="2">
+            <a:schemeClr val="accent1">
+              <a:shade val="50000"/>
+            </a:schemeClr>
+          </a:lnRef>
+          <a:fillRef idx="1">
+            <a:schemeClr val="accent1"/>
+          </a:fillRef>
+          <a:effectRef idx="0">
+            <a:schemeClr val="accent1"/>
+          </a:effectRef>
+          <a:fontRef idx="minor">
+            <a:schemeClr val="lt1"/>
+          </a:fontRef>
+        </p:style>
+        <p:txBody>
+          <a:bodyPr rtlCol="0" anchor="ctr"/>
+          <a:lstStyle/>
+          <a:p>
+            <a:pPr algn="ctr"/>
+            <a:endParaRPr lang="zh-CN" altLang="en-US"/>
+          </a:p>
+        </p:txBody>
+      </p:sp>
+      <p:sp>
+        <p:nvSpPr>
+          <p:cNvPr id="29" name="矩形 28"/>
+          <p:cNvSpPr/>
+          <p:nvPr/>
+        </p:nvSpPr>
+        <p:spPr>
+          <a:xfrm>
+            <a:off x="1113363" y="1741542"/>
+            <a:ext cx="823913" cy="276999"/>
+          </a:xfrm>
+          <a:prstGeom prst="rect">
+            <a:avLst/>
+          </a:prstGeom>
+        </p:spPr>
+        <p:txBody>
+          <a:bodyPr wrap="square">
+            <a:spAutoFit/>
+          </a:bodyPr>
+          <a:lstStyle/>
+          <a:p>
+            <a:r>
+              <a:rPr lang="en-US" altLang="zh-CN" sz="1200" b="1" dirty="0">
+                <a:solidFill>
+                  <a:srgbClr val="FF0000"/>
+                </a:solidFill>
+                <a:latin typeface="微软雅黑" panose="020B0503020204020204" pitchFamily="34" charset="-122"/>
+                <a:ea typeface="微软雅黑" panose="020B0503020204020204" pitchFamily="34" charset="-122"/>
+              </a:rPr>
+              <a:t>working</a:t>
+            </a:r>
+            <a:endParaRPr lang="en-US" altLang="zh-CN" sz="1200" b="1" dirty="0" smtClean="0">
+              <a:solidFill>
+                <a:srgbClr val="FF0000"/>
+              </a:solidFill>
+              <a:latin typeface="微软雅黑" panose="020B0503020204020204" pitchFamily="34" charset="-122"/>
+              <a:ea typeface="微软雅黑" panose="020B0503020204020204" pitchFamily="34" charset="-122"/>
+            </a:endParaRPr>
+          </a:p>
+        </p:txBody>
+      </p:sp>
+      <p:sp>
+        <p:nvSpPr>
+          <p:cNvPr id="30" name="矩形 29"/>
+          <p:cNvSpPr/>
+          <p:nvPr/>
+        </p:nvSpPr>
+        <p:spPr>
+          <a:xfrm>
+            <a:off x="1921236" y="1547289"/>
+            <a:ext cx="1759033" cy="307777"/>
+          </a:xfrm>
+          <a:prstGeom prst="rect">
+            <a:avLst/>
+          </a:prstGeom>
+        </p:spPr>
+        <p:txBody>
+          <a:bodyPr wrap="square">
+            <a:spAutoFit/>
+          </a:bodyPr>
+          <a:lstStyle/>
+          <a:p>
+            <a:r>
+              <a:rPr lang="zh-CN" altLang="en-US" sz="1400" b="1" dirty="0" smtClean="0">
+                <a:latin typeface="微软雅黑" panose="020B0503020204020204" pitchFamily="34" charset="-122"/>
+                <a:ea typeface="微软雅黑" panose="020B0503020204020204" pitchFamily="34" charset="-122"/>
+              </a:rPr>
+              <a:t>“储存”工作现场</a:t>
+            </a:r>
+            <a:endParaRPr lang="en-US" altLang="zh-CN" sz="1400" b="1" dirty="0" smtClean="0">
+              <a:latin typeface="微软雅黑" panose="020B0503020204020204" pitchFamily="34" charset="-122"/>
+              <a:ea typeface="微软雅黑" panose="020B0503020204020204" pitchFamily="34" charset="-122"/>
+            </a:endParaRPr>
+          </a:p>
+        </p:txBody>
+      </p:sp>
+      <p:sp>
+        <p:nvSpPr>
+          <p:cNvPr id="31" name="矩形 30"/>
+          <p:cNvSpPr/>
+          <p:nvPr/>
+        </p:nvSpPr>
+        <p:spPr>
+          <a:xfrm>
+            <a:off x="2087387" y="1855066"/>
+            <a:ext cx="1370187" cy="461665"/>
+          </a:xfrm>
+          <a:prstGeom prst="rect">
+            <a:avLst/>
+          </a:prstGeom>
+        </p:spPr>
+        <p:txBody>
+          <a:bodyPr wrap="square">
+            <a:spAutoFit/>
+          </a:bodyPr>
+          <a:lstStyle/>
+          <a:p>
+            <a:r>
+              <a:rPr lang="en-US" altLang="zh-CN" sz="1200" dirty="0" smtClean="0">
+                <a:latin typeface="微软雅黑" panose="020B0503020204020204" pitchFamily="34" charset="-122"/>
+                <a:ea typeface="微软雅黑" panose="020B0503020204020204" pitchFamily="34" charset="-122"/>
+              </a:rPr>
+              <a:t>git </a:t>
+            </a:r>
+            <a:r>
+              <a:rPr lang="en-US" altLang="zh-CN" sz="1200" dirty="0" smtClean="0">
+                <a:latin typeface="微软雅黑" panose="020B0503020204020204" pitchFamily="34" charset="-122"/>
+                <a:ea typeface="微软雅黑" panose="020B0503020204020204" pitchFamily="34" charset="-122"/>
+              </a:rPr>
+              <a:t>stash</a:t>
+            </a:r>
+          </a:p>
+          <a:p>
+            <a:r>
+              <a:rPr lang="en-US" altLang="zh-CN" sz="1200" dirty="0" smtClean="0">
+                <a:latin typeface="微软雅黑" panose="020B0503020204020204" pitchFamily="34" charset="-122"/>
+                <a:ea typeface="微软雅黑" panose="020B0503020204020204" pitchFamily="34" charset="-122"/>
+              </a:rPr>
+              <a:t>git stash list</a:t>
+            </a:r>
+            <a:endParaRPr lang="en-US" altLang="zh-CN" sz="1200" dirty="0" smtClean="0">
+              <a:latin typeface="微软雅黑" panose="020B0503020204020204" pitchFamily="34" charset="-122"/>
+              <a:ea typeface="微软雅黑" panose="020B0503020204020204" pitchFamily="34" charset="-122"/>
+            </a:endParaRPr>
+          </a:p>
+        </p:txBody>
+      </p:sp>
+      <p:sp>
+        <p:nvSpPr>
+          <p:cNvPr id="32" name="矩形 31"/>
+          <p:cNvSpPr/>
+          <p:nvPr/>
+        </p:nvSpPr>
+        <p:spPr>
+          <a:xfrm>
+            <a:off x="8670213" y="1317580"/>
+            <a:ext cx="1759033" cy="307777"/>
+          </a:xfrm>
+          <a:prstGeom prst="rect">
+            <a:avLst/>
+          </a:prstGeom>
+        </p:spPr>
+        <p:txBody>
+          <a:bodyPr wrap="square">
+            <a:spAutoFit/>
+          </a:bodyPr>
+          <a:lstStyle/>
+          <a:p>
+            <a:r>
+              <a:rPr lang="zh-CN" altLang="en-US" sz="1400" b="1" dirty="0" smtClean="0">
+                <a:latin typeface="微软雅黑" panose="020B0503020204020204" pitchFamily="34" charset="-122"/>
+                <a:ea typeface="微软雅黑" panose="020B0503020204020204" pitchFamily="34" charset="-122"/>
+              </a:rPr>
+              <a:t>“恢复”工作现场</a:t>
+            </a:r>
+            <a:endParaRPr lang="en-US" altLang="zh-CN" sz="1400" b="1" dirty="0" smtClean="0">
+              <a:latin typeface="微软雅黑" panose="020B0503020204020204" pitchFamily="34" charset="-122"/>
+              <a:ea typeface="微软雅黑" panose="020B0503020204020204" pitchFamily="34" charset="-122"/>
+            </a:endParaRPr>
+          </a:p>
+        </p:txBody>
+      </p:sp>
+      <p:sp>
+        <p:nvSpPr>
+          <p:cNvPr id="33" name="矩形 32"/>
+          <p:cNvSpPr/>
+          <p:nvPr/>
+        </p:nvSpPr>
+        <p:spPr>
+          <a:xfrm>
+            <a:off x="8889595" y="1625357"/>
+            <a:ext cx="2483255" cy="646331"/>
+          </a:xfrm>
+          <a:prstGeom prst="rect">
+            <a:avLst/>
+          </a:prstGeom>
+        </p:spPr>
+        <p:txBody>
+          <a:bodyPr wrap="square">
+            <a:spAutoFit/>
+          </a:bodyPr>
+          <a:lstStyle/>
+          <a:p>
+            <a:r>
+              <a:rPr lang="en-US" altLang="zh-CN" sz="1200" dirty="0">
+                <a:latin typeface="微软雅黑" panose="020B0503020204020204" pitchFamily="34" charset="-122"/>
+                <a:ea typeface="微软雅黑" panose="020B0503020204020204" pitchFamily="34" charset="-122"/>
+              </a:rPr>
+              <a:t>git stash </a:t>
+            </a:r>
+            <a:r>
+              <a:rPr lang="en-US" altLang="zh-CN" sz="1200" dirty="0" smtClean="0">
+                <a:latin typeface="微软雅黑" panose="020B0503020204020204" pitchFamily="34" charset="-122"/>
+                <a:ea typeface="微软雅黑" panose="020B0503020204020204" pitchFamily="34" charset="-122"/>
+              </a:rPr>
+              <a:t>apply stash@{id}</a:t>
+            </a:r>
+            <a:endParaRPr lang="en-US" altLang="zh-CN" sz="1200" dirty="0" smtClean="0">
+              <a:latin typeface="微软雅黑" panose="020B0503020204020204" pitchFamily="34" charset="-122"/>
+              <a:ea typeface="微软雅黑" panose="020B0503020204020204" pitchFamily="34" charset="-122"/>
+            </a:endParaRPr>
+          </a:p>
+          <a:p>
+            <a:r>
+              <a:rPr lang="en-US" altLang="zh-CN" sz="1200" dirty="0" smtClean="0">
+                <a:latin typeface="微软雅黑" panose="020B0503020204020204" pitchFamily="34" charset="-122"/>
+                <a:ea typeface="微软雅黑" panose="020B0503020204020204" pitchFamily="34" charset="-122"/>
+              </a:rPr>
+              <a:t>git </a:t>
+            </a:r>
+            <a:r>
+              <a:rPr lang="en-US" altLang="zh-CN" sz="1200" dirty="0">
+                <a:latin typeface="微软雅黑" panose="020B0503020204020204" pitchFamily="34" charset="-122"/>
+                <a:ea typeface="微软雅黑" panose="020B0503020204020204" pitchFamily="34" charset="-122"/>
+              </a:rPr>
+              <a:t>stash </a:t>
+            </a:r>
+            <a:r>
+              <a:rPr lang="en-US" altLang="zh-CN" sz="1200" dirty="0" smtClean="0">
+                <a:latin typeface="微软雅黑" panose="020B0503020204020204" pitchFamily="34" charset="-122"/>
+                <a:ea typeface="微软雅黑" panose="020B0503020204020204" pitchFamily="34" charset="-122"/>
+              </a:rPr>
+              <a:t>drop</a:t>
+            </a:r>
+          </a:p>
+          <a:p>
+            <a:r>
+              <a:rPr lang="en-US" altLang="zh-CN" sz="1200" dirty="0">
+                <a:latin typeface="微软雅黑" panose="020B0503020204020204" pitchFamily="34" charset="-122"/>
+                <a:ea typeface="微软雅黑" panose="020B0503020204020204" pitchFamily="34" charset="-122"/>
+              </a:rPr>
+              <a:t>g</a:t>
+            </a:r>
+            <a:r>
+              <a:rPr lang="en-US" altLang="zh-CN" sz="1200" dirty="0" smtClean="0">
+                <a:latin typeface="微软雅黑" panose="020B0503020204020204" pitchFamily="34" charset="-122"/>
+                <a:ea typeface="微软雅黑" panose="020B0503020204020204" pitchFamily="34" charset="-122"/>
+              </a:rPr>
+              <a:t>it stash pop</a:t>
+            </a:r>
+            <a:endParaRPr lang="en-US" altLang="zh-CN" sz="1200" dirty="0">
+              <a:latin typeface="微软雅黑" panose="020B0503020204020204" pitchFamily="34" charset="-122"/>
+              <a:ea typeface="微软雅黑" panose="020B0503020204020204" pitchFamily="34" charset="-122"/>
+            </a:endParaRPr>
+          </a:p>
+        </p:txBody>
+      </p:sp>
+      <p:sp>
+        <p:nvSpPr>
+          <p:cNvPr id="35" name="右箭头 34"/>
+          <p:cNvSpPr/>
+          <p:nvPr/>
+        </p:nvSpPr>
+        <p:spPr>
+          <a:xfrm>
+            <a:off x="3899651" y="1480856"/>
+            <a:ext cx="4770562" cy="743408"/>
+          </a:xfrm>
+          <a:prstGeom prst="rightArrow">
+            <a:avLst/>
+          </a:prstGeom>
+          <a:gradFill>
+            <a:gsLst>
+              <a:gs pos="67000">
+                <a:schemeClr val="accent4">
+                  <a:lumMod val="20000"/>
+                  <a:lumOff val="80000"/>
+                </a:schemeClr>
+              </a:gs>
+              <a:gs pos="34000">
+                <a:schemeClr val="accent1">
+                  <a:hueOff val="0"/>
+                  <a:satOff val="0"/>
+                  <a:lumOff val="0"/>
+                  <a:lumMod val="105000"/>
+                  <a:satMod val="103000"/>
+                  <a:tint val="73000"/>
+                  <a:alpha val="14000"/>
+                </a:schemeClr>
+              </a:gs>
+              <a:gs pos="100000">
+                <a:schemeClr val="accent1">
+                  <a:hueOff val="0"/>
+                  <a:satOff val="0"/>
+                  <a:lumOff val="0"/>
+                  <a:alphaOff val="0"/>
+                  <a:lumMod val="105000"/>
+                  <a:satMod val="109000"/>
+                  <a:tint val="81000"/>
+                </a:schemeClr>
+              </a:gs>
+            </a:gsLst>
+            <a:lin ang="5400000" scaled="0"/>
+          </a:gradFill>
+          <a:ln>
+            <a:noFill/>
+          </a:ln>
+        </p:spPr>
+        <p:style>
+          <a:lnRef idx="2">
+            <a:schemeClr val="accent1">
+              <a:shade val="50000"/>
+            </a:schemeClr>
+          </a:lnRef>
+          <a:fillRef idx="1">
+            <a:schemeClr val="accent1"/>
+          </a:fillRef>
+          <a:effectRef idx="0">
+            <a:schemeClr val="accent1"/>
+          </a:effectRef>
+          <a:fontRef idx="minor">
+            <a:schemeClr val="lt1"/>
+          </a:fontRef>
+        </p:style>
+        <p:txBody>
+          <a:bodyPr rtlCol="0" anchor="ctr"/>
+          <a:lstStyle/>
+          <a:p>
+            <a:pPr algn="ctr"/>
+            <a:endParaRPr lang="zh-CN" altLang="en-US"/>
+          </a:p>
+        </p:txBody>
+      </p:sp>
+    </p:spTree>
+    <p:extLst>
+      <p:ext uri="{BB962C8B-B14F-4D97-AF65-F5344CB8AC3E}">
+        <p14:creationId xmlns:p14="http://schemas.microsoft.com/office/powerpoint/2010/main" val="87911865"/>
+      </p:ext>
+    </p:extLst>
+  </p:cSld>
+  <p:clrMapOvr>
+    <a:masterClrMapping/>
+  </p:clrMapOvr>
+  <p:timing>
+    <p:tnLst>
+      <p:par>
+        <p:cTn id="1" dur="indefinite" restart="never" nodeType="tmRoot"/>
+      </p:par>
+    </p:tnLst>
+  </p:timing>
+</p:sld>
+</file>
+
+<file path=ppt/slides/slide13.xml><?xml version="1.0" encoding="utf-8"?>
+<p:sld xmlns:a="http://schemas.openxmlformats.org/drawingml/2006/main" xmlns:r="http://schemas.openxmlformats.org/officeDocument/2006/relationships" xmlns:p="http://schemas.openxmlformats.org/presentationml/2006/main">
+  <p:cSld>
+    <p:spTree>
+      <p:nvGrpSpPr>
+        <p:cNvPr id="1" name=""/>
+        <p:cNvGrpSpPr/>
+        <p:nvPr/>
+      </p:nvGrpSpPr>
+      <p:grpSpPr>
+        <a:xfrm>
+          <a:off x="0" y="0"/>
+          <a:ext cx="0" cy="0"/>
+          <a:chOff x="0" y="0"/>
+          <a:chExt cx="0" cy="0"/>
+        </a:xfrm>
+      </p:grpSpPr>
+      <p:sp>
+        <p:nvSpPr>
           <p:cNvPr id="2" name="标题 1"/>
           <p:cNvSpPr>
             <a:spLocks noGrp="1"/>
@@ -3421,9 +7744,10 @@
           <a:lstStyle/>
           <a:p>
             <a:r>
-              <a:rPr lang="zh-CN" altLang="en-US" dirty="0"/>
-              <a:t>http://www.liaoxuefeng.com/wiki/0013739516305929606dd18361248578c67b8067c8c017b000/0013752340242354807e192f02a44359908df8a5643103a000</a:t>
-            </a:r>
+              <a:rPr lang="en-US" altLang="zh-CN" dirty="0"/>
+              <a:t>http://www.liaoxuefeng.com/wiki/0013739516305929606dd18361248578c67b8067c8c017b000/001376026233004c47f22a16d1f4fa289ce45f14bbc8f11000</a:t>
+            </a:r>
+            <a:endParaRPr lang="zh-CN" altLang="en-US" dirty="0"/>
           </a:p>
         </p:txBody>
       </p:sp>
@@ -3437,6 +7761,13 @@
   <p:clrMapOvr>
     <a:masterClrMapping/>
   </p:clrMapOvr>
+  <p:timing>
+    <p:tnLst>
+      <p:par>
+        <p:cTn id="1" dur="indefinite" restart="never" nodeType="tmRoot"/>
+      </p:par>
+    </p:tnLst>
+  </p:timing>
 </p:sld>
 </file>
 
@@ -3633,7 +7964,7 @@
           <a:p>
             <a:pPr algn="ctr"/>
             <a:r>
-              <a:rPr lang="en-US" altLang="zh-CN" b="1" dirty="0" err="1" smtClean="0">
+              <a:rPr lang="en-US" altLang="zh-CN" b="1" dirty="0" smtClean="0">
                 <a:latin typeface="微软雅黑" panose="020B0503020204020204" pitchFamily="34" charset="-122"/>
                 <a:ea typeface="微软雅黑" panose="020B0503020204020204" pitchFamily="34" charset="-122"/>
               </a:rPr>
@@ -3892,7 +8223,7 @@
               <a:t>你这台机器上所有的</a:t>
             </a:r>
             <a:r>
-              <a:rPr lang="en-US" altLang="zh-CN" dirty="0" err="1" smtClean="0">
+              <a:rPr lang="en-US" altLang="zh-CN" dirty="0" smtClean="0">
                 <a:latin typeface="微软雅黑" panose="020B0503020204020204" pitchFamily="34" charset="-122"/>
                 <a:ea typeface="微软雅黑" panose="020B0503020204020204" pitchFamily="34" charset="-122"/>
               </a:rPr>
@@ -4072,25 +8403,18 @@
               </a:lnSpc>
             </a:pPr>
             <a:r>
-              <a:rPr lang="en-US" altLang="zh-CN" dirty="0" err="1">
+              <a:rPr lang="en-US" altLang="zh-CN" dirty="0">
                 <a:latin typeface="微软雅黑" panose="020B0503020204020204" pitchFamily="34" charset="-122"/>
                 <a:ea typeface="微软雅黑" panose="020B0503020204020204" pitchFamily="34" charset="-122"/>
               </a:rPr>
               <a:t>g</a:t>
             </a:r>
             <a:r>
-              <a:rPr lang="en-US" altLang="zh-CN" dirty="0" err="1" smtClean="0">
-                <a:latin typeface="微软雅黑" panose="020B0503020204020204" pitchFamily="34" charset="-122"/>
-                <a:ea typeface="微软雅黑" panose="020B0503020204020204" pitchFamily="34" charset="-122"/>
-              </a:rPr>
-              <a:t>it</a:t>
-            </a:r>
-            <a:r>
               <a:rPr lang="en-US" altLang="zh-CN" dirty="0" smtClean="0">
                 <a:latin typeface="微软雅黑" panose="020B0503020204020204" pitchFamily="34" charset="-122"/>
                 <a:ea typeface="微软雅黑" panose="020B0503020204020204" pitchFamily="34" charset="-122"/>
               </a:rPr>
-              <a:t> add “filename”</a:t>
+              <a:t>it add “filename”</a:t>
             </a:r>
           </a:p>
           <a:p>
@@ -4128,25 +8452,18 @@
               </a:lnSpc>
             </a:pPr>
             <a:r>
-              <a:rPr lang="en-US" altLang="zh-CN" dirty="0" err="1">
+              <a:rPr lang="en-US" altLang="zh-CN" dirty="0">
                 <a:latin typeface="微软雅黑" panose="020B0503020204020204" pitchFamily="34" charset="-122"/>
                 <a:ea typeface="微软雅黑" panose="020B0503020204020204" pitchFamily="34" charset="-122"/>
               </a:rPr>
               <a:t>g</a:t>
             </a:r>
             <a:r>
-              <a:rPr lang="en-US" altLang="zh-CN" dirty="0" err="1" smtClean="0">
-                <a:latin typeface="微软雅黑" panose="020B0503020204020204" pitchFamily="34" charset="-122"/>
-                <a:ea typeface="微软雅黑" panose="020B0503020204020204" pitchFamily="34" charset="-122"/>
-              </a:rPr>
-              <a:t>it</a:t>
-            </a:r>
-            <a:r>
               <a:rPr lang="en-US" altLang="zh-CN" dirty="0" smtClean="0">
                 <a:latin typeface="微软雅黑" panose="020B0503020204020204" pitchFamily="34" charset="-122"/>
                 <a:ea typeface="微软雅黑" panose="020B0503020204020204" pitchFamily="34" charset="-122"/>
               </a:rPr>
-              <a:t> diff HEAD – “filename”</a:t>
+              <a:t>it diff HEAD – “filename”</a:t>
             </a:r>
           </a:p>
           <a:p>
@@ -4156,18 +8473,11 @@
               </a:lnSpc>
             </a:pPr>
             <a:r>
-              <a:rPr lang="en-US" altLang="zh-CN" dirty="0" err="1" smtClean="0">
-                <a:latin typeface="微软雅黑" panose="020B0503020204020204" pitchFamily="34" charset="-122"/>
-                <a:ea typeface="微软雅黑" panose="020B0503020204020204" pitchFamily="34" charset="-122"/>
-              </a:rPr>
-              <a:t>git</a:t>
-            </a:r>
-            <a:r>
               <a:rPr lang="en-US" altLang="zh-CN" dirty="0" smtClean="0">
                 <a:latin typeface="微软雅黑" panose="020B0503020204020204" pitchFamily="34" charset="-122"/>
                 <a:ea typeface="微软雅黑" panose="020B0503020204020204" pitchFamily="34" charset="-122"/>
               </a:rPr>
-              <a:t> commit –m “log info”</a:t>
+              <a:t>git commit –m “log info”</a:t>
             </a:r>
           </a:p>
           <a:p>
@@ -4177,18 +8487,11 @@
               </a:lnSpc>
             </a:pPr>
             <a:r>
-              <a:rPr lang="en-US" altLang="zh-CN" dirty="0" err="1" smtClean="0">
-                <a:latin typeface="微软雅黑" panose="020B0503020204020204" pitchFamily="34" charset="-122"/>
-                <a:ea typeface="微软雅黑" panose="020B0503020204020204" pitchFamily="34" charset="-122"/>
-              </a:rPr>
-              <a:t>git</a:t>
-            </a:r>
-            <a:r>
               <a:rPr lang="en-US" altLang="zh-CN" dirty="0" smtClean="0">
                 <a:latin typeface="微软雅黑" panose="020B0503020204020204" pitchFamily="34" charset="-122"/>
                 <a:ea typeface="微软雅黑" panose="020B0503020204020204" pitchFamily="34" charset="-122"/>
               </a:rPr>
-              <a:t> log [--pretty=</a:t>
+              <a:t>git log [--pretty=</a:t>
             </a:r>
             <a:r>
               <a:rPr lang="en-US" altLang="zh-CN" dirty="0" err="1" smtClean="0">
@@ -4212,25 +8515,18 @@
               </a:lnSpc>
             </a:pPr>
             <a:r>
-              <a:rPr lang="en-US" altLang="zh-CN" dirty="0" err="1">
+              <a:rPr lang="en-US" altLang="zh-CN" dirty="0">
                 <a:latin typeface="微软雅黑" panose="020B0503020204020204" pitchFamily="34" charset="-122"/>
                 <a:ea typeface="微软雅黑" panose="020B0503020204020204" pitchFamily="34" charset="-122"/>
               </a:rPr>
               <a:t>g</a:t>
             </a:r>
             <a:r>
-              <a:rPr lang="en-US" altLang="zh-CN" dirty="0" err="1" smtClean="0">
-                <a:latin typeface="微软雅黑" panose="020B0503020204020204" pitchFamily="34" charset="-122"/>
-                <a:ea typeface="微软雅黑" panose="020B0503020204020204" pitchFamily="34" charset="-122"/>
-              </a:rPr>
-              <a:t>it</a:t>
-            </a:r>
-            <a:r>
               <a:rPr lang="en-US" altLang="zh-CN" dirty="0" smtClean="0">
                 <a:latin typeface="微软雅黑" panose="020B0503020204020204" pitchFamily="34" charset="-122"/>
                 <a:ea typeface="微软雅黑" panose="020B0503020204020204" pitchFamily="34" charset="-122"/>
               </a:rPr>
-              <a:t> reset --hard HEAD^ or </a:t>
+              <a:t>it reset --hard HEAD^ or </a:t>
             </a:r>
             <a:r>
               <a:rPr lang="zh-CN" altLang="en-US" dirty="0" smtClean="0">
@@ -4251,25 +8547,18 @@
               </a:lnSpc>
             </a:pPr>
             <a:r>
-              <a:rPr lang="en-US" altLang="zh-CN" dirty="0" err="1">
+              <a:rPr lang="en-US" altLang="zh-CN" dirty="0">
                 <a:latin typeface="微软雅黑" panose="020B0503020204020204" pitchFamily="34" charset="-122"/>
                 <a:ea typeface="微软雅黑" panose="020B0503020204020204" pitchFamily="34" charset="-122"/>
               </a:rPr>
               <a:t>g</a:t>
             </a:r>
             <a:r>
-              <a:rPr lang="en-US" altLang="zh-CN" dirty="0" err="1" smtClean="0">
-                <a:latin typeface="微软雅黑" panose="020B0503020204020204" pitchFamily="34" charset="-122"/>
-                <a:ea typeface="微软雅黑" panose="020B0503020204020204" pitchFamily="34" charset="-122"/>
-              </a:rPr>
-              <a:t>it</a:t>
-            </a:r>
-            <a:r>
               <a:rPr lang="en-US" altLang="zh-CN" dirty="0" smtClean="0">
                 <a:latin typeface="微软雅黑" panose="020B0503020204020204" pitchFamily="34" charset="-122"/>
                 <a:ea typeface="微软雅黑" panose="020B0503020204020204" pitchFamily="34" charset="-122"/>
               </a:rPr>
-              <a:t> </a:t>
+              <a:t>it </a:t>
             </a:r>
             <a:r>
               <a:rPr lang="en-US" altLang="zh-CN" dirty="0" err="1" smtClean="0">
@@ -4304,25 +8593,18 @@
               </a:lnSpc>
             </a:pPr>
             <a:r>
-              <a:rPr lang="en-US" altLang="zh-CN" dirty="0" err="1">
+              <a:rPr lang="en-US" altLang="zh-CN" dirty="0">
                 <a:latin typeface="微软雅黑" panose="020B0503020204020204" pitchFamily="34" charset="-122"/>
                 <a:ea typeface="微软雅黑" panose="020B0503020204020204" pitchFamily="34" charset="-122"/>
               </a:rPr>
               <a:t>g</a:t>
             </a:r>
             <a:r>
-              <a:rPr lang="en-US" altLang="zh-CN" dirty="0" err="1" smtClean="0">
-                <a:latin typeface="微软雅黑" panose="020B0503020204020204" pitchFamily="34" charset="-122"/>
-                <a:ea typeface="微软雅黑" panose="020B0503020204020204" pitchFamily="34" charset="-122"/>
-              </a:rPr>
-              <a:t>it</a:t>
-            </a:r>
-            <a:r>
               <a:rPr lang="en-US" altLang="zh-CN" dirty="0" smtClean="0">
                 <a:latin typeface="微软雅黑" panose="020B0503020204020204" pitchFamily="34" charset="-122"/>
                 <a:ea typeface="微软雅黑" panose="020B0503020204020204" pitchFamily="34" charset="-122"/>
               </a:rPr>
-              <a:t> checkout -- filename</a:t>
+              <a:t>it checkout -- filename</a:t>
             </a:r>
           </a:p>
         </p:txBody>
@@ -4588,25 +8870,8 @@
                 <a:latin typeface="微软雅黑" panose="020B0503020204020204" pitchFamily="34" charset="-122"/>
                 <a:ea typeface="微软雅黑" panose="020B0503020204020204" pitchFamily="34" charset="-122"/>
               </a:rPr>
-              <a:t>.</a:t>
-            </a:r>
-            <a:r>
-              <a:rPr lang="en-US" altLang="zh-CN" sz="1600" dirty="0" err="1" smtClean="0">
-                <a:solidFill>
-                  <a:schemeClr val="bg1"/>
-                </a:solidFill>
-                <a:latin typeface="微软雅黑" panose="020B0503020204020204" pitchFamily="34" charset="-122"/>
-                <a:ea typeface="微软雅黑" panose="020B0503020204020204" pitchFamily="34" charset="-122"/>
-              </a:rPr>
-              <a:t>git</a:t>
-            </a:r>
-            <a:endParaRPr lang="en-US" altLang="zh-CN" sz="1600" dirty="0" smtClean="0">
-              <a:solidFill>
-                <a:schemeClr val="bg1"/>
-              </a:solidFill>
-              <a:latin typeface="微软雅黑" panose="020B0503020204020204" pitchFamily="34" charset="-122"/>
-              <a:ea typeface="微软雅黑" panose="020B0503020204020204" pitchFamily="34" charset="-122"/>
-            </a:endParaRPr>
+              <a:t>.git</a:t>
+            </a:r>
           </a:p>
         </p:txBody>
       </p:sp>
@@ -4990,7 +9255,7 @@
               <a:t>“</a:t>
             </a:r>
             <a:r>
-              <a:rPr lang="en-US" altLang="zh-CN" i="1" dirty="0" err="1" smtClean="0">
+              <a:rPr lang="en-US" altLang="zh-CN" i="1" dirty="0" smtClean="0">
                 <a:latin typeface="微软雅黑" panose="020B0503020204020204" pitchFamily="34" charset="-122"/>
                 <a:ea typeface="微软雅黑" panose="020B0503020204020204" pitchFamily="34" charset="-122"/>
               </a:rPr>
@@ -5096,18 +9361,11 @@
           </a:p>
           <a:p>
             <a:r>
-              <a:rPr lang="en-US" altLang="zh-CN" dirty="0" err="1" smtClean="0">
-                <a:latin typeface="微软雅黑" panose="020B0503020204020204" pitchFamily="34" charset="-122"/>
-                <a:ea typeface="微软雅黑" panose="020B0503020204020204" pitchFamily="34" charset="-122"/>
-              </a:rPr>
-              <a:t>git</a:t>
-            </a:r>
-            <a:r>
               <a:rPr lang="en-US" altLang="zh-CN" dirty="0" smtClean="0">
                 <a:latin typeface="微软雅黑" panose="020B0503020204020204" pitchFamily="34" charset="-122"/>
                 <a:ea typeface="微软雅黑" panose="020B0503020204020204" pitchFamily="34" charset="-122"/>
               </a:rPr>
-              <a:t> checkout </a:t>
+              <a:t>git checkout </a:t>
             </a:r>
             <a:r>
               <a:rPr lang="en-US" altLang="zh-CN" sz="2400" b="1" dirty="0" smtClean="0">
@@ -5129,25 +9387,18 @@
           </a:p>
           <a:p>
             <a:r>
-              <a:rPr lang="en-US" altLang="zh-CN" dirty="0" err="1">
+              <a:rPr lang="en-US" altLang="zh-CN" dirty="0">
                 <a:latin typeface="微软雅黑" panose="020B0503020204020204" pitchFamily="34" charset="-122"/>
                 <a:ea typeface="微软雅黑" panose="020B0503020204020204" pitchFamily="34" charset="-122"/>
               </a:rPr>
               <a:t>g</a:t>
             </a:r>
             <a:r>
-              <a:rPr lang="en-US" altLang="zh-CN" dirty="0" err="1" smtClean="0">
-                <a:latin typeface="微软雅黑" panose="020B0503020204020204" pitchFamily="34" charset="-122"/>
-                <a:ea typeface="微软雅黑" panose="020B0503020204020204" pitchFamily="34" charset="-122"/>
-              </a:rPr>
-              <a:t>it</a:t>
-            </a:r>
-            <a:r>
               <a:rPr lang="en-US" altLang="zh-CN" dirty="0" smtClean="0">
                 <a:latin typeface="微软雅黑" panose="020B0503020204020204" pitchFamily="34" charset="-122"/>
                 <a:ea typeface="微软雅黑" panose="020B0503020204020204" pitchFamily="34" charset="-122"/>
               </a:rPr>
-              <a:t> reset HEAD filename</a:t>
+              <a:t>it reset HEAD filename</a:t>
             </a:r>
           </a:p>
           <a:p>
@@ -5159,18 +9410,11 @@
               <a:t>删除文件：</a:t>
             </a:r>
             <a:r>
-              <a:rPr lang="en-US" altLang="zh-CN" dirty="0" err="1" smtClean="0">
-                <a:latin typeface="微软雅黑" panose="020B0503020204020204" pitchFamily="34" charset="-122"/>
-                <a:ea typeface="微软雅黑" panose="020B0503020204020204" pitchFamily="34" charset="-122"/>
-              </a:rPr>
-              <a:t>git</a:t>
-            </a:r>
-            <a:r>
               <a:rPr lang="en-US" altLang="zh-CN" dirty="0" smtClean="0">
                 <a:latin typeface="微软雅黑" panose="020B0503020204020204" pitchFamily="34" charset="-122"/>
                 <a:ea typeface="微软雅黑" panose="020B0503020204020204" pitchFamily="34" charset="-122"/>
               </a:rPr>
-              <a:t> </a:t>
+              <a:t>git </a:t>
             </a:r>
             <a:r>
               <a:rPr lang="en-US" altLang="zh-CN" dirty="0" err="1" smtClean="0">
@@ -5211,18 +9455,11 @@
           <a:lstStyle/>
           <a:p>
             <a:r>
-              <a:rPr lang="en-US" altLang="zh-CN" dirty="0" err="1" smtClean="0">
-                <a:latin typeface="微软雅黑" panose="020B0503020204020204" pitchFamily="34" charset="-122"/>
-                <a:ea typeface="微软雅黑" panose="020B0503020204020204" pitchFamily="34" charset="-122"/>
-              </a:rPr>
-              <a:t>git</a:t>
-            </a:r>
-            <a:r>
               <a:rPr lang="en-US" altLang="zh-CN" dirty="0" smtClean="0">
                 <a:latin typeface="微软雅黑" panose="020B0503020204020204" pitchFamily="34" charset="-122"/>
                 <a:ea typeface="微软雅黑" panose="020B0503020204020204" pitchFamily="34" charset="-122"/>
               </a:rPr>
-              <a:t> add -- filename</a:t>
+              <a:t>git add -- filename</a:t>
             </a:r>
           </a:p>
           <a:p>
@@ -5583,7 +9820,7 @@
               <a:t>远程</a:t>
             </a:r>
             <a:r>
-              <a:rPr lang="en-US" altLang="zh-CN" b="1" dirty="0" err="1" smtClean="0">
+              <a:rPr lang="en-US" altLang="zh-CN" b="1" dirty="0" smtClean="0">
                 <a:latin typeface="微软雅黑" panose="020B0503020204020204" pitchFamily="34" charset="-122"/>
                 <a:ea typeface="微软雅黑" panose="020B0503020204020204" pitchFamily="34" charset="-122"/>
               </a:rPr>
@@ -5938,7 +10175,7 @@
               <a:t>本地</a:t>
             </a:r>
             <a:r>
-              <a:rPr lang="en-US" altLang="zh-CN" dirty="0" err="1" smtClean="0">
+              <a:rPr lang="en-US" altLang="zh-CN" dirty="0" smtClean="0">
                 <a:latin typeface="微软雅黑" panose="020B0503020204020204" pitchFamily="34" charset="-122"/>
                 <a:ea typeface="微软雅黑" panose="020B0503020204020204" pitchFamily="34" charset="-122"/>
               </a:rPr>
@@ -6129,7 +10366,7 @@
               <a:t>远程</a:t>
             </a:r>
             <a:r>
-              <a:rPr lang="en-US" altLang="zh-CN" b="1" dirty="0" err="1" smtClean="0">
+              <a:rPr lang="en-US" altLang="zh-CN" b="1" dirty="0" smtClean="0">
                 <a:latin typeface="微软雅黑" panose="020B0503020204020204" pitchFamily="34" charset="-122"/>
                 <a:ea typeface="微软雅黑" panose="020B0503020204020204" pitchFamily="34" charset="-122"/>
               </a:rPr>
@@ -6191,10 +10428,6 @@
               </a:rPr>
               <a:t>GitTest</a:t>
             </a:r>
-            <a:endParaRPr lang="en-US" altLang="zh-CN" b="1" dirty="0" smtClean="0">
-              <a:latin typeface="微软雅黑" panose="020B0503020204020204" pitchFamily="34" charset="-122"/>
-              <a:ea typeface="微软雅黑" panose="020B0503020204020204" pitchFamily="34" charset="-122"/>
-            </a:endParaRPr>
           </a:p>
         </p:txBody>
       </p:sp>
@@ -6288,14 +10521,7 @@
                 <a:latin typeface="微软雅黑" panose="020B0503020204020204" pitchFamily="34" charset="-122"/>
                 <a:ea typeface="微软雅黑" panose="020B0503020204020204" pitchFamily="34" charset="-122"/>
               </a:rPr>
-              <a:t>Your </a:t>
-            </a:r>
-            <a:r>
-              <a:rPr lang="en-US" altLang="zh-CN" dirty="0" smtClean="0">
-                <a:latin typeface="微软雅黑" panose="020B0503020204020204" pitchFamily="34" charset="-122"/>
-                <a:ea typeface="微软雅黑" panose="020B0503020204020204" pitchFamily="34" charset="-122"/>
-              </a:rPr>
-              <a:t>PC</a:t>
+              <a:t>Your PC</a:t>
             </a:r>
             <a:endParaRPr lang="zh-CN" altLang="en-US" dirty="0">
               <a:latin typeface="微软雅黑" panose="020B0503020204020204" pitchFamily="34" charset="-122"/>
@@ -6346,10 +10572,6 @@
               </a:rPr>
               <a:t>2</a:t>
             </a:r>
-            <a:endParaRPr lang="en-US" altLang="zh-CN" dirty="0" smtClean="0">
-              <a:latin typeface="微软雅黑" panose="020B0503020204020204" pitchFamily="34" charset="-122"/>
-              <a:ea typeface="微软雅黑" panose="020B0503020204020204" pitchFamily="34" charset="-122"/>
-            </a:endParaRPr>
           </a:p>
         </p:txBody>
       </p:sp>
@@ -6375,18 +10597,11 @@
           <a:lstStyle/>
           <a:p>
             <a:r>
-              <a:rPr lang="en-US" altLang="zh-CN" sz="1200" dirty="0" err="1" smtClean="0">
-                <a:latin typeface="微软雅黑" panose="020B0503020204020204" pitchFamily="34" charset="-122"/>
-                <a:ea typeface="微软雅黑" panose="020B0503020204020204" pitchFamily="34" charset="-122"/>
-              </a:rPr>
-              <a:t>git</a:t>
-            </a:r>
-            <a:r>
               <a:rPr lang="en-US" altLang="zh-CN" sz="1200" dirty="0" smtClean="0">
                 <a:latin typeface="微软雅黑" panose="020B0503020204020204" pitchFamily="34" charset="-122"/>
                 <a:ea typeface="微软雅黑" panose="020B0503020204020204" pitchFamily="34" charset="-122"/>
               </a:rPr>
-              <a:t> </a:t>
+              <a:t>git </a:t>
             </a:r>
             <a:r>
               <a:rPr lang="en-US" altLang="zh-CN" sz="1200" dirty="0">
@@ -6416,25 +10631,18 @@
           </a:p>
           <a:p>
             <a:r>
-              <a:rPr lang="en-US" altLang="zh-CN" sz="1200" dirty="0" err="1">
+              <a:rPr lang="en-US" altLang="zh-CN" sz="1200" dirty="0">
                 <a:latin typeface="微软雅黑" panose="020B0503020204020204" pitchFamily="34" charset="-122"/>
                 <a:ea typeface="微软雅黑" panose="020B0503020204020204" pitchFamily="34" charset="-122"/>
               </a:rPr>
               <a:t>g</a:t>
             </a:r>
             <a:r>
-              <a:rPr lang="en-US" altLang="zh-CN" sz="1200" dirty="0" err="1" smtClean="0">
-                <a:latin typeface="微软雅黑" panose="020B0503020204020204" pitchFamily="34" charset="-122"/>
-                <a:ea typeface="微软雅黑" panose="020B0503020204020204" pitchFamily="34" charset="-122"/>
-              </a:rPr>
-              <a:t>it</a:t>
-            </a:r>
-            <a:r>
               <a:rPr lang="en-US" altLang="zh-CN" sz="1200" dirty="0" smtClean="0">
                 <a:latin typeface="微软雅黑" panose="020B0503020204020204" pitchFamily="34" charset="-122"/>
                 <a:ea typeface="微软雅黑" panose="020B0503020204020204" pitchFamily="34" charset="-122"/>
               </a:rPr>
-              <a:t> push</a:t>
+              <a:t>it push</a:t>
             </a:r>
             <a:r>
               <a:rPr lang="en-US" altLang="zh-CN" sz="1200" dirty="0" smtClean="0">
@@ -6477,18 +10685,11 @@
           </a:p>
           <a:p>
             <a:r>
-              <a:rPr lang="en-US" altLang="zh-CN" sz="1200" dirty="0" err="1">
-                <a:latin typeface="微软雅黑" panose="020B0503020204020204" pitchFamily="34" charset="-122"/>
-                <a:ea typeface="微软雅黑" panose="020B0503020204020204" pitchFamily="34" charset="-122"/>
-              </a:rPr>
-              <a:t>git</a:t>
-            </a:r>
-            <a:r>
               <a:rPr lang="en-US" altLang="zh-CN" sz="1200" dirty="0">
                 <a:latin typeface="微软雅黑" panose="020B0503020204020204" pitchFamily="34" charset="-122"/>
                 <a:ea typeface="微软雅黑" panose="020B0503020204020204" pitchFamily="34" charset="-122"/>
               </a:rPr>
-              <a:t> push</a:t>
+              <a:t>git push</a:t>
             </a:r>
             <a:r>
               <a:rPr lang="en-US" altLang="zh-CN" sz="1200" dirty="0">
@@ -6554,19 +10755,8 @@
                 <a:latin typeface="微软雅黑" panose="020B0503020204020204" pitchFamily="34" charset="-122"/>
                 <a:ea typeface="微软雅黑" panose="020B0503020204020204" pitchFamily="34" charset="-122"/>
               </a:rPr>
-              <a:t>your file and build </a:t>
-            </a:r>
-            <a:r>
-              <a:rPr lang="en-US" altLang="zh-CN" dirty="0" smtClean="0">
-                <a:latin typeface="微软雅黑" panose="020B0503020204020204" pitchFamily="34" charset="-122"/>
-                <a:ea typeface="微软雅黑" panose="020B0503020204020204" pitchFamily="34" charset="-122"/>
-              </a:rPr>
-              <a:t>correlation</a:t>
-            </a:r>
-            <a:endParaRPr lang="en-US" altLang="zh-CN" dirty="0" smtClean="0">
-              <a:latin typeface="微软雅黑" panose="020B0503020204020204" pitchFamily="34" charset="-122"/>
-              <a:ea typeface="微软雅黑" panose="020B0503020204020204" pitchFamily="34" charset="-122"/>
-            </a:endParaRPr>
+              <a:t>your file and build correlation</a:t>
+            </a:r>
           </a:p>
         </p:txBody>
       </p:sp>
@@ -6741,10 +10931,6 @@
               </a:rPr>
               <a:t>2</a:t>
             </a:r>
-            <a:endParaRPr lang="en-US" altLang="zh-CN" dirty="0" smtClean="0">
-              <a:latin typeface="微软雅黑" panose="020B0503020204020204" pitchFamily="34" charset="-122"/>
-              <a:ea typeface="微软雅黑" panose="020B0503020204020204" pitchFamily="34" charset="-122"/>
-            </a:endParaRPr>
           </a:p>
         </p:txBody>
       </p:sp>
@@ -6790,10 +10976,6 @@
               </a:rPr>
               <a:t>respository from remote</a:t>
             </a:r>
-            <a:endParaRPr lang="en-US" altLang="zh-CN" dirty="0" smtClean="0">
-              <a:latin typeface="微软雅黑" panose="020B0503020204020204" pitchFamily="34" charset="-122"/>
-              <a:ea typeface="微软雅黑" panose="020B0503020204020204" pitchFamily="34" charset="-122"/>
-            </a:endParaRPr>
           </a:p>
         </p:txBody>
       </p:sp>
@@ -6819,18 +11001,11 @@
           <a:lstStyle/>
           <a:p>
             <a:r>
-              <a:rPr lang="en-US" altLang="zh-CN" sz="1200" dirty="0" err="1" smtClean="0">
-                <a:latin typeface="微软雅黑" panose="020B0503020204020204" pitchFamily="34" charset="-122"/>
-                <a:ea typeface="微软雅黑" panose="020B0503020204020204" pitchFamily="34" charset="-122"/>
-              </a:rPr>
-              <a:t>git</a:t>
-            </a:r>
-            <a:r>
               <a:rPr lang="en-US" altLang="zh-CN" sz="1200" dirty="0" smtClean="0">
                 <a:latin typeface="微软雅黑" panose="020B0503020204020204" pitchFamily="34" charset="-122"/>
                 <a:ea typeface="微软雅黑" panose="020B0503020204020204" pitchFamily="34" charset="-122"/>
               </a:rPr>
-              <a:t> clone git@github.com:yourname/</a:t>
+              <a:t>git clone git@github.com:yourname/</a:t>
             </a:r>
             <a:r>
               <a:rPr lang="en-US" altLang="zh-CN" sz="1200" dirty="0" err="1" smtClean="0">
@@ -7385,18 +11560,11 @@
           <a:lstStyle/>
           <a:p>
             <a:r>
-              <a:rPr lang="en-US" altLang="zh-CN" sz="1200" dirty="0" err="1" smtClean="0">
-                <a:latin typeface="微软雅黑" panose="020B0503020204020204" pitchFamily="34" charset="-122"/>
-                <a:ea typeface="微软雅黑" panose="020B0503020204020204" pitchFamily="34" charset="-122"/>
-              </a:rPr>
-              <a:t>git</a:t>
-            </a:r>
-            <a:r>
               <a:rPr lang="en-US" altLang="zh-CN" sz="1200" dirty="0" smtClean="0">
                 <a:latin typeface="微软雅黑" panose="020B0503020204020204" pitchFamily="34" charset="-122"/>
                 <a:ea typeface="微软雅黑" panose="020B0503020204020204" pitchFamily="34" charset="-122"/>
               </a:rPr>
-              <a:t> branch</a:t>
+              <a:t>git branch</a:t>
             </a:r>
           </a:p>
         </p:txBody>
@@ -7423,18 +11591,11 @@
           <a:lstStyle/>
           <a:p>
             <a:r>
-              <a:rPr lang="en-US" altLang="zh-CN" sz="1200" dirty="0" err="1" smtClean="0">
-                <a:latin typeface="微软雅黑" panose="020B0503020204020204" pitchFamily="34" charset="-122"/>
-                <a:ea typeface="微软雅黑" panose="020B0503020204020204" pitchFamily="34" charset="-122"/>
-              </a:rPr>
-              <a:t>git</a:t>
-            </a:r>
-            <a:r>
               <a:rPr lang="en-US" altLang="zh-CN" sz="1200" dirty="0" smtClean="0">
                 <a:latin typeface="微软雅黑" panose="020B0503020204020204" pitchFamily="34" charset="-122"/>
                 <a:ea typeface="微软雅黑" panose="020B0503020204020204" pitchFamily="34" charset="-122"/>
               </a:rPr>
-              <a:t> checkout </a:t>
+              <a:t>git checkout </a:t>
             </a:r>
             <a:r>
               <a:rPr lang="en-US" altLang="zh-CN" sz="1200" b="1" dirty="0" smtClean="0">
@@ -7523,18 +11684,11 @@
           <a:lstStyle/>
           <a:p>
             <a:r>
-              <a:rPr lang="en-US" altLang="zh-CN" sz="1200" dirty="0" err="1" smtClean="0">
-                <a:latin typeface="微软雅黑" panose="020B0503020204020204" pitchFamily="34" charset="-122"/>
-                <a:ea typeface="微软雅黑" panose="020B0503020204020204" pitchFamily="34" charset="-122"/>
-              </a:rPr>
-              <a:t>git</a:t>
-            </a:r>
-            <a:r>
               <a:rPr lang="en-US" altLang="zh-CN" sz="1200" dirty="0" smtClean="0">
                 <a:latin typeface="微软雅黑" panose="020B0503020204020204" pitchFamily="34" charset="-122"/>
                 <a:ea typeface="微软雅黑" panose="020B0503020204020204" pitchFamily="34" charset="-122"/>
               </a:rPr>
-              <a:t> merge dev</a:t>
+              <a:t>git merge dev</a:t>
             </a:r>
           </a:p>
         </p:txBody>
@@ -7561,18 +11715,11 @@
           <a:lstStyle/>
           <a:p>
             <a:r>
-              <a:rPr lang="en-US" altLang="zh-CN" sz="1200" dirty="0" err="1" smtClean="0">
-                <a:latin typeface="微软雅黑" panose="020B0503020204020204" pitchFamily="34" charset="-122"/>
-                <a:ea typeface="微软雅黑" panose="020B0503020204020204" pitchFamily="34" charset="-122"/>
-              </a:rPr>
-              <a:t>git</a:t>
-            </a:r>
-            <a:r>
               <a:rPr lang="en-US" altLang="zh-CN" sz="1200" dirty="0" smtClean="0">
                 <a:latin typeface="微软雅黑" panose="020B0503020204020204" pitchFamily="34" charset="-122"/>
                 <a:ea typeface="微软雅黑" panose="020B0503020204020204" pitchFamily="34" charset="-122"/>
               </a:rPr>
-              <a:t> branch -d dev</a:t>
+              <a:t>git branch -d dev</a:t>
             </a:r>
           </a:p>
         </p:txBody>
